--- a/docs/KafkaClients-Producer-Consumer.pptx
+++ b/docs/KafkaClients-Producer-Consumer.pptx
@@ -6029,43 +6029,7 @@
                 </a:solidFill>
                 <a:latin typeface="Arial"/>
               </a:rPr>
-              <a:t>Pulse para </a:t>
-            </a:r>
-            <a:r>
-              <a:rPr b="0" lang="es-ES" sz="4800" spc="-1" strike="noStrike">
-                <a:solidFill>
-                  <a:srgbClr val="000000"/>
-                </a:solidFill>
-                <a:latin typeface="Arial"/>
-              </a:rPr>
-              <a:t>editar el </a:t>
-            </a:r>
-            <a:r>
-              <a:rPr b="0" lang="es-ES" sz="4800" spc="-1" strike="noStrike">
-                <a:solidFill>
-                  <a:srgbClr val="000000"/>
-                </a:solidFill>
-                <a:latin typeface="Arial"/>
-              </a:rPr>
-              <a:t>formato del </a:t>
-            </a:r>
-            <a:r>
-              <a:rPr b="0" lang="es-ES" sz="4800" spc="-1" strike="noStrike">
-                <a:solidFill>
-                  <a:srgbClr val="000000"/>
-                </a:solidFill>
-                <a:latin typeface="Arial"/>
-              </a:rPr>
-              <a:t>texto de </a:t>
-            </a:r>
-            <a:r>
-              <a:rPr b="0" lang="es-ES" sz="4800" spc="-1" strike="noStrike">
-                <a:solidFill>
-                  <a:srgbClr val="000000"/>
-                </a:solidFill>
-                <a:latin typeface="Arial"/>
-              </a:rPr>
-              <a:t>título</a:t>
+              <a:t>Pulse para editar el formato del texto de título</a:t>
             </a:r>
             <a:endParaRPr b="0" lang="es-ES" sz="4800" spc="-1" strike="noStrike">
               <a:solidFill>
@@ -6108,7 +6072,7 @@
                 <a:tab algn="l" pos="0"/>
               </a:tabLst>
             </a:pPr>
-            <a:fld id="{65808848-D523-4D45-B3F5-CAB9E865CC8A}" type="slidenum">
+            <a:fld id="{4A0E918A-60DB-433C-B239-71FFBF5D2364}" type="slidenum">
               <a:rPr b="0" lang="en" sz="1000" spc="-1" strike="noStrike">
                 <a:solidFill>
                   <a:srgbClr val="ffffff"/>
@@ -6116,7 +6080,7 @@
                 <a:latin typeface="Lato"/>
                 <a:ea typeface="Lato"/>
               </a:rPr>
-              <a:t>37</a:t>
+              <a:t>41</a:t>
             </a:fld>
             <a:endParaRPr b="0" lang="es-ES" sz="1000" spc="-1" strike="noStrike">
               <a:latin typeface="Times New Roman"/>
@@ -6490,34 +6454,7 @@
                 </a:solidFill>
                 <a:latin typeface="Arial"/>
               </a:rPr>
-              <a:t>Pulse para </a:t>
-            </a:r>
-            <a:r>
-              <a:rPr b="0" lang="es-ES" sz="3600" spc="-1" strike="noStrike">
-                <a:solidFill>
-                  <a:srgbClr val="000000"/>
-                </a:solidFill>
-                <a:latin typeface="Arial"/>
-              </a:rPr>
-              <a:t>editar el formato </a:t>
-            </a:r>
-            <a:r>
-              <a:rPr b="0" lang="es-ES" sz="3600" spc="-1" strike="noStrike">
-                <a:solidFill>
-                  <a:srgbClr val="000000"/>
-                </a:solidFill>
-                <a:latin typeface="Arial"/>
-              </a:rPr>
-              <a:t>del texto de </a:t>
-            </a:r>
-            <a:r>
-              <a:rPr b="0" lang="es-ES" sz="3600" spc="-1" strike="noStrike">
-                <a:solidFill>
-                  <a:srgbClr val="000000"/>
-                </a:solidFill>
-                <a:latin typeface="Arial"/>
-              </a:rPr>
-              <a:t>título</a:t>
+              <a:t>Pulse para editar el formato del texto de título</a:t>
             </a:r>
             <a:endParaRPr b="0" lang="es-ES" sz="3600" spc="-1" strike="noStrike">
               <a:solidFill>
@@ -6781,7 +6718,7 @@
                 <a:tab algn="l" pos="0"/>
               </a:tabLst>
             </a:pPr>
-            <a:fld id="{6AE563D4-2C2F-4F7B-B255-0E9D744CBB08}" type="slidenum">
+            <a:fld id="{BF7B3F6E-E0B8-49F2-ACA2-4F821CEC7C3A}" type="slidenum">
               <a:rPr b="0" lang="en" sz="1000" spc="-1" strike="noStrike">
                 <a:solidFill>
                   <a:srgbClr val="ffffff"/>
@@ -6873,7 +6810,7 @@
                 <a:tab algn="l" pos="0"/>
               </a:tabLst>
             </a:pPr>
-            <a:fld id="{E7EAC867-80D5-4207-BF7E-7E5E7EF9B2D2}" type="slidenum">
+            <a:fld id="{6750E262-1436-4646-8B71-E2FF66D6E081}" type="slidenum">
               <a:rPr b="0" lang="en" sz="1000" spc="-1" strike="noStrike">
                 <a:solidFill>
                   <a:srgbClr val="000000"/>
@@ -6920,16 +6857,7 @@
                 </a:solidFill>
                 <a:latin typeface="Arial"/>
               </a:rPr>
-              <a:t>Pulse para editar el formato del texto de </a:t>
-            </a:r>
-            <a:r>
-              <a:rPr b="0" lang="es-ES" sz="1400" spc="-1" strike="noStrike">
-                <a:solidFill>
-                  <a:srgbClr val="000000"/>
-                </a:solidFill>
-                <a:latin typeface="Arial"/>
-              </a:rPr>
-              <a:t>título</a:t>
+              <a:t>Pulse para editar el formato del texto de título</a:t>
             </a:r>
             <a:endParaRPr b="0" lang="es-ES" sz="1400" spc="-1" strike="noStrike">
               <a:solidFill>
@@ -7320,43 +7248,7 @@
                 </a:solidFill>
                 <a:latin typeface="Arial"/>
               </a:rPr>
-              <a:t>Pulse para </a:t>
-            </a:r>
-            <a:r>
-              <a:rPr b="0" lang="es-ES" sz="4800" spc="-1" strike="noStrike">
-                <a:solidFill>
-                  <a:srgbClr val="000000"/>
-                </a:solidFill>
-                <a:latin typeface="Arial"/>
-              </a:rPr>
-              <a:t>editar el </a:t>
-            </a:r>
-            <a:r>
-              <a:rPr b="0" lang="es-ES" sz="4800" spc="-1" strike="noStrike">
-                <a:solidFill>
-                  <a:srgbClr val="000000"/>
-                </a:solidFill>
-                <a:latin typeface="Arial"/>
-              </a:rPr>
-              <a:t>formato del </a:t>
-            </a:r>
-            <a:r>
-              <a:rPr b="0" lang="es-ES" sz="4800" spc="-1" strike="noStrike">
-                <a:solidFill>
-                  <a:srgbClr val="000000"/>
-                </a:solidFill>
-                <a:latin typeface="Arial"/>
-              </a:rPr>
-              <a:t>texto de </a:t>
-            </a:r>
-            <a:r>
-              <a:rPr b="0" lang="es-ES" sz="4800" spc="-1" strike="noStrike">
-                <a:solidFill>
-                  <a:srgbClr val="000000"/>
-                </a:solidFill>
-                <a:latin typeface="Arial"/>
-              </a:rPr>
-              <a:t>título</a:t>
+              <a:t>Pulse para editar el formato del texto de título</a:t>
             </a:r>
             <a:endParaRPr b="0" lang="es-ES" sz="4800" spc="-1" strike="noStrike">
               <a:solidFill>
@@ -7399,7 +7291,7 @@
                 <a:tab algn="l" pos="0"/>
               </a:tabLst>
             </a:pPr>
-            <a:fld id="{6D0DF6FE-DDD4-4017-BEF9-BF607A76124B}" type="slidenum">
+            <a:fld id="{8C2DB405-04FE-47F9-8898-68B5A7609592}" type="slidenum">
               <a:rPr b="0" lang="en" sz="1000" spc="-1" strike="noStrike">
                 <a:solidFill>
                   <a:srgbClr val="ffffff"/>
@@ -7724,17 +7616,7 @@
                 <a:latin typeface="Raleway"/>
                 <a:ea typeface="Raleway"/>
               </a:rPr>
-              <a:t>vs Spring </a:t>
-            </a:r>
-            <a:r>
-              <a:rPr b="1" lang="en" sz="3400" spc="-1" strike="noStrike">
-                <a:solidFill>
-                  <a:srgbClr val="ffffff"/>
-                </a:solidFill>
-                <a:latin typeface="Raleway"/>
-                <a:ea typeface="Raleway"/>
-              </a:rPr>
-              <a:t>Kafka </a:t>
+              <a:t>vs Spring Kafka </a:t>
             </a:r>
             <a:endParaRPr b="0" lang="es-ES" sz="3400" spc="-1" strike="noStrike">
               <a:solidFill>
@@ -8048,7 +7930,7 @@
                 <a:latin typeface="Arial"/>
                 <a:ea typeface="Arial"/>
               </a:rPr>
-              <a:t>Debe Decidir si apuntar o no a una partición específica</a:t>
+              <a:t>Debe decidir si apuntar o no a una partición específica</a:t>
             </a:r>
             <a:endParaRPr b="0" lang="es-ES" sz="1200" spc="-1" strike="noStrike">
               <a:latin typeface="Arial"/>
@@ -12126,7 +12008,7 @@
                           <a:latin typeface="Arial"/>
                           <a:ea typeface="Arial"/>
                         </a:rPr>
-                        <a:t>List de broker kafka (al meno uno)</a:t>
+                        <a:t>Lista de brokers kafka (al meno uno)</a:t>
                       </a:r>
                       <a:endParaRPr b="0" lang="es-ES" sz="1000" spc="-1" strike="noStrike">
                         <a:latin typeface="Arial"/>
@@ -17148,7 +17030,7 @@
                           <a:latin typeface="Arial"/>
                           <a:ea typeface="Arial"/>
                         </a:rPr>
-                        <a:t>List de broker kafka (al meno uno)</a:t>
+                        <a:t>Lista de brokers kafka (al meno uno)</a:t>
                       </a:r>
                       <a:endParaRPr b="0" lang="es-ES" sz="1000" spc="-1" strike="noStrike">
                         <a:latin typeface="Arial"/>
@@ -21228,7 +21110,7 @@
         <p:spPr>
           <a:xfrm>
             <a:off x="364320" y="909360"/>
-            <a:ext cx="8433360" cy="1029240"/>
+            <a:ext cx="8433360" cy="1115640"/>
           </a:xfrm>
           <a:prstGeom prst="rect">
             <a:avLst/>
@@ -21288,7 +21170,7 @@
               <a:buChar char="○"/>
             </a:pPr>
             <a:r>
-              <a:rPr b="0" lang="en" sz="1050" spc="-1" strike="noStrike">
+              <a:rPr b="0" lang="en" sz="1200" spc="-1" strike="noStrike">
                 <a:solidFill>
                   <a:srgbClr val="232323"/>
                 </a:solidFill>
@@ -21301,7 +21183,7 @@
               <a:t>Cree el </a:t>
             </a:r>
             <a:r>
-              <a:rPr b="1" lang="en" sz="1050" spc="-1" strike="noStrike">
+              <a:rPr b="1" lang="en" sz="1200" spc="-1" strike="noStrike">
                 <a:solidFill>
                   <a:srgbClr val="232323"/>
                 </a:solidFill>
@@ -21314,7 +21196,7 @@
               <a:t>ConsumerFactory</a:t>
             </a:r>
             <a:r>
-              <a:rPr b="0" lang="en" sz="1050" spc="-1" strike="noStrike">
+              <a:rPr b="0" lang="en" sz="1200" spc="-1" strike="noStrike">
                 <a:solidFill>
                   <a:srgbClr val="232323"/>
                 </a:solidFill>
@@ -21327,7 +21209,7 @@
               <a:t> para ser utilizado por </a:t>
             </a:r>
             <a:r>
-              <a:rPr b="1" lang="en" sz="1050" spc="-1" strike="noStrike">
+              <a:rPr b="1" lang="en" sz="1200" spc="-1" strike="noStrike">
                 <a:solidFill>
                   <a:srgbClr val="232323"/>
                 </a:solidFill>
@@ -21339,7 +21221,7 @@
               </a:rPr>
               <a:t>KafkaListenerContainerFactory</a:t>
             </a:r>
-            <a:endParaRPr b="0" lang="es-ES" sz="1050" spc="-1" strike="noStrike">
+            <a:endParaRPr b="0" lang="es-ES" sz="1200" spc="-1" strike="noStrike">
               <a:latin typeface="Arial"/>
             </a:endParaRPr>
           </a:p>
@@ -21349,13 +21231,13 @@
                 <a:spcPct val="128000"/>
               </a:lnSpc>
               <a:buClr>
-                <a:srgbClr val="202124"/>
+                <a:srgbClr val="232323"/>
               </a:buClr>
-              <a:buFont typeface="Arial"/>
+              <a:buFont typeface="Lato"/>
               <a:buChar char="○"/>
             </a:pPr>
             <a:r>
-              <a:rPr b="0" lang="en" sz="1050" spc="-1" strike="noStrike">
+              <a:rPr b="0" lang="en" sz="1200" spc="-1" strike="noStrike">
                 <a:solidFill>
                   <a:srgbClr val="232323"/>
                 </a:solidFill>
@@ -21368,7 +21250,7 @@
               <a:t>Cree el </a:t>
             </a:r>
             <a:r>
-              <a:rPr b="1" lang="en" sz="1050" spc="-1" strike="noStrike">
+              <a:rPr b="1" lang="en" sz="1200" spc="-1" strike="noStrike">
                 <a:solidFill>
                   <a:srgbClr val="232323"/>
                 </a:solidFill>
@@ -21381,7 +21263,7 @@
               <a:t>KafkaListenerContainerFactory</a:t>
             </a:r>
             <a:r>
-              <a:rPr b="0" lang="en" sz="1050" spc="-1" strike="noStrike">
+              <a:rPr b="0" lang="en" sz="1200" spc="-1" strike="noStrike">
                 <a:solidFill>
                   <a:srgbClr val="232323"/>
                 </a:solidFill>
@@ -21394,7 +21276,7 @@
               <a:t> para ser utilizado por el método de consumo del </a:t>
             </a:r>
             <a:r>
-              <a:rPr b="1" lang="en" sz="1050" spc="-1" strike="noStrike">
+              <a:rPr b="1" lang="en" sz="1200" spc="-1" strike="noStrike">
                 <a:solidFill>
                   <a:srgbClr val="232323"/>
                 </a:solidFill>
@@ -21406,7 +21288,7 @@
               </a:rPr>
               <a:t>KafkaConsumer</a:t>
             </a:r>
-            <a:endParaRPr b="0" lang="es-ES" sz="1050" spc="-1" strike="noStrike">
+            <a:endParaRPr b="0" lang="es-ES" sz="1200" spc="-1" strike="noStrike">
               <a:latin typeface="Arial"/>
             </a:endParaRPr>
           </a:p>
@@ -23360,7 +23242,7 @@
         <p:spPr>
           <a:xfrm>
             <a:off x="318240" y="934560"/>
-            <a:ext cx="8433360" cy="4082400"/>
+            <a:ext cx="8433360" cy="4080600"/>
           </a:xfrm>
           <a:prstGeom prst="rect">
             <a:avLst/>
@@ -23402,9 +23284,22 @@
                 <a:latin typeface="Arial"/>
                 <a:ea typeface="Arial"/>
               </a:rPr>
-              <a:t>Modulo user-producer</a:t>
-            </a:r>
-            <a:endParaRPr b="0" lang="es-ES" sz="1000" spc="-1" strike="noStrike">
+              <a:t>Modulo user-producer                                                                                                                                                    </a:t>
+            </a:r>
+            <a:r>
+              <a:rPr b="1" i="1" lang="en" sz="1200" spc="-1" strike="noStrike">
+                <a:solidFill>
+                  <a:srgbClr val="000000"/>
+                </a:solidFill>
+                <a:highlight>
+                  <a:srgbClr val="f8f9fa"/>
+                </a:highlight>
+                <a:latin typeface="Lato"/>
+                <a:ea typeface="Lato"/>
+              </a:rPr>
+              <a:t>Mismo group-id</a:t>
+            </a:r>
+            <a:endParaRPr b="0" lang="es-ES" sz="1200" spc="-1" strike="noStrike">
               <a:latin typeface="Arial"/>
             </a:endParaRPr>
           </a:p>
@@ -23420,6 +23315,19 @@
               <a:buChar char="○"/>
             </a:pPr>
             <a:r>
+              <a:rPr b="1" lang="en" sz="1000" spc="-1" strike="noStrike">
+                <a:solidFill>
+                  <a:srgbClr val="202124"/>
+                </a:solidFill>
+                <a:highlight>
+                  <a:srgbClr val="f8f9fa"/>
+                </a:highlight>
+                <a:latin typeface="Arial"/>
+                <a:ea typeface="Arial"/>
+              </a:rPr>
+              <a:t>Config</a:t>
+            </a:r>
+            <a:r>
               <a:rPr b="0" lang="en" sz="1000" spc="-1" strike="noStrike">
                 <a:solidFill>
                   <a:srgbClr val="202124"/>
@@ -23430,7 +23338,7 @@
                 <a:latin typeface="Arial"/>
                 <a:ea typeface="Arial"/>
               </a:rPr>
-              <a:t>Config application.yml</a:t>
+              <a:t> application.yml</a:t>
             </a:r>
             <a:endParaRPr b="0" lang="es-ES" sz="1000" spc="-1" strike="noStrike">
               <a:latin typeface="Arial"/>
@@ -23458,7 +23366,59 @@
                 <a:latin typeface="Arial"/>
                 <a:ea typeface="Arial"/>
               </a:rPr>
-              <a:t>Implementar KafkaProducerConfig y KafkaProducer </a:t>
+              <a:t>Implementar </a:t>
+            </a:r>
+            <a:r>
+              <a:rPr b="1" lang="en" sz="1000" spc="-1" strike="noStrike">
+                <a:solidFill>
+                  <a:srgbClr val="202124"/>
+                </a:solidFill>
+                <a:highlight>
+                  <a:srgbClr val="f8f9fa"/>
+                </a:highlight>
+                <a:latin typeface="Arial"/>
+                <a:ea typeface="Arial"/>
+              </a:rPr>
+              <a:t>KafkaProducerConfig</a:t>
+            </a:r>
+            <a:r>
+              <a:rPr b="0" lang="en" sz="1000" spc="-1" strike="noStrike">
+                <a:solidFill>
+                  <a:srgbClr val="202124"/>
+                </a:solidFill>
+                <a:highlight>
+                  <a:srgbClr val="f8f9fa"/>
+                </a:highlight>
+                <a:latin typeface="Arial"/>
+                <a:ea typeface="Arial"/>
+              </a:rPr>
+              <a:t> y </a:t>
+            </a:r>
+            <a:r>
+              <a:rPr b="1" lang="en" sz="1000" spc="-1" strike="noStrike">
+                <a:solidFill>
+                  <a:srgbClr val="202124"/>
+                </a:solidFill>
+                <a:highlight>
+                  <a:srgbClr val="f8f9fa"/>
+                </a:highlight>
+                <a:latin typeface="Arial"/>
+                <a:ea typeface="Arial"/>
+              </a:rPr>
+              <a:t>KafkaProducer</a:t>
+            </a:r>
+            <a:r>
+              <a:rPr b="0" lang="en" sz="1000" spc="-1" strike="noStrike">
+                <a:solidFill>
+                  <a:srgbClr val="202124"/>
+                </a:solidFill>
+                <a:highlight>
+                  <a:srgbClr val="f8f9fa"/>
+                </a:highlight>
+                <a:latin typeface="Arial"/>
+                <a:ea typeface="Arial"/>
+              </a:rPr>
+              <a:t> </a:t>
             </a:r>
             <a:endParaRPr b="0" lang="es-ES" sz="1000" spc="-1" strike="noStrike">
               <a:latin typeface="Arial"/>
@@ -23486,7 +23446,33 @@
                 <a:latin typeface="Arial"/>
                 <a:ea typeface="Arial"/>
               </a:rPr>
-              <a:t>Creación del Topic de nombre </a:t>
+              <a:t>Creación del </a:t>
+            </a:r>
+            <a:r>
+              <a:rPr b="1" lang="en" sz="1000" spc="-1" strike="noStrike">
+                <a:solidFill>
+                  <a:srgbClr val="202124"/>
+                </a:solidFill>
+                <a:highlight>
+                  <a:srgbClr val="f8f9fa"/>
+                </a:highlight>
+                <a:latin typeface="Arial"/>
+                <a:ea typeface="Arial"/>
+              </a:rPr>
+              <a:t>Topic</a:t>
+            </a:r>
+            <a:r>
+              <a:rPr b="0" lang="en" sz="1000" spc="-1" strike="noStrike">
+                <a:solidFill>
+                  <a:srgbClr val="202124"/>
+                </a:solidFill>
+                <a:highlight>
+                  <a:srgbClr val="f8f9fa"/>
+                </a:highlight>
+                <a:latin typeface="Arial"/>
+                <a:ea typeface="Arial"/>
+              </a:rPr>
+              <a:t> de nombre </a:t>
             </a:r>
             <a:r>
               <a:rPr b="1" lang="en" sz="1000" spc="-1" strike="noStrike">
@@ -23558,6 +23544,19 @@
               <a:buChar char="○"/>
             </a:pPr>
             <a:r>
+              <a:rPr b="1" lang="en" sz="1000" spc="-1" strike="noStrike">
+                <a:solidFill>
+                  <a:srgbClr val="202124"/>
+                </a:solidFill>
+                <a:highlight>
+                  <a:srgbClr val="f8f9fa"/>
+                </a:highlight>
+                <a:latin typeface="Arial"/>
+                <a:ea typeface="Arial"/>
+              </a:rPr>
+              <a:t>Config</a:t>
+            </a:r>
+            <a:r>
               <a:rPr b="0" lang="en" sz="1000" spc="-1" strike="noStrike">
                 <a:solidFill>
                   <a:srgbClr val="202124"/>
@@ -23568,7 +23567,7 @@
                 <a:latin typeface="Arial"/>
                 <a:ea typeface="Arial"/>
               </a:rPr>
-              <a:t>Config application.yml</a:t>
+              <a:t> application.yml</a:t>
             </a:r>
             <a:endParaRPr b="0" lang="es-ES" sz="1000" spc="-1" strike="noStrike">
               <a:latin typeface="Arial"/>
@@ -23596,7 +23595,59 @@
                 <a:latin typeface="Arial"/>
                 <a:ea typeface="Arial"/>
               </a:rPr>
-              <a:t>Implementar KafkaConsumerConfig y KafkaConsumer </a:t>
+              <a:t>Implementar </a:t>
+            </a:r>
+            <a:r>
+              <a:rPr b="1" lang="en" sz="1000" spc="-1" strike="noStrike">
+                <a:solidFill>
+                  <a:srgbClr val="202124"/>
+                </a:solidFill>
+                <a:highlight>
+                  <a:srgbClr val="f8f9fa"/>
+                </a:highlight>
+                <a:latin typeface="Arial"/>
+                <a:ea typeface="Arial"/>
+              </a:rPr>
+              <a:t>KafkaConsumerConfig</a:t>
+            </a:r>
+            <a:r>
+              <a:rPr b="0" lang="en" sz="1000" spc="-1" strike="noStrike">
+                <a:solidFill>
+                  <a:srgbClr val="202124"/>
+                </a:solidFill>
+                <a:highlight>
+                  <a:srgbClr val="f8f9fa"/>
+                </a:highlight>
+                <a:latin typeface="Arial"/>
+                <a:ea typeface="Arial"/>
+              </a:rPr>
+              <a:t> y </a:t>
+            </a:r>
+            <a:r>
+              <a:rPr b="1" lang="en" sz="1000" spc="-1" strike="noStrike">
+                <a:solidFill>
+                  <a:srgbClr val="202124"/>
+                </a:solidFill>
+                <a:highlight>
+                  <a:srgbClr val="f8f9fa"/>
+                </a:highlight>
+                <a:latin typeface="Arial"/>
+                <a:ea typeface="Arial"/>
+              </a:rPr>
+              <a:t>KafkaConsumer</a:t>
+            </a:r>
+            <a:r>
+              <a:rPr b="0" lang="en" sz="1000" spc="-1" strike="noStrike">
+                <a:solidFill>
+                  <a:srgbClr val="202124"/>
+                </a:solidFill>
+                <a:highlight>
+                  <a:srgbClr val="f8f9fa"/>
+                </a:highlight>
+                <a:latin typeface="Arial"/>
+                <a:ea typeface="Arial"/>
+              </a:rPr>
+              <a:t> </a:t>
             </a:r>
             <a:endParaRPr b="0" lang="es-ES" sz="1000" spc="-1" strike="noStrike">
               <a:latin typeface="Arial"/>
@@ -23642,6 +23693,19 @@
               <a:buChar char="○"/>
             </a:pPr>
             <a:r>
+              <a:rPr b="1" lang="en" sz="1000" spc="-1" strike="noStrike">
+                <a:solidFill>
+                  <a:srgbClr val="202124"/>
+                </a:solidFill>
+                <a:highlight>
+                  <a:srgbClr val="f8f9fa"/>
+                </a:highlight>
+                <a:latin typeface="Arial"/>
+                <a:ea typeface="Arial"/>
+              </a:rPr>
+              <a:t>Config</a:t>
+            </a:r>
+            <a:r>
               <a:rPr b="0" lang="en" sz="1000" spc="-1" strike="noStrike">
                 <a:solidFill>
                   <a:srgbClr val="202124"/>
@@ -23652,7 +23716,7 @@
                 <a:latin typeface="Arial"/>
                 <a:ea typeface="Arial"/>
               </a:rPr>
-              <a:t>Config application.yml</a:t>
+              <a:t> application.yml</a:t>
             </a:r>
             <a:endParaRPr b="0" lang="es-ES" sz="1000" spc="-1" strike="noStrike">
               <a:latin typeface="Arial"/>
@@ -23680,7 +23744,59 @@
                 <a:latin typeface="Arial"/>
                 <a:ea typeface="Arial"/>
               </a:rPr>
-              <a:t>Implementar KafkaConsumerConfig y KafkaConsumer lee la partición 0 </a:t>
+              <a:t>Implementar </a:t>
+            </a:r>
+            <a:r>
+              <a:rPr b="1" lang="en" sz="1000" spc="-1" strike="noStrike">
+                <a:solidFill>
+                  <a:srgbClr val="202124"/>
+                </a:solidFill>
+                <a:highlight>
+                  <a:srgbClr val="f8f9fa"/>
+                </a:highlight>
+                <a:latin typeface="Arial"/>
+                <a:ea typeface="Arial"/>
+              </a:rPr>
+              <a:t>KafkaConsumerConfig</a:t>
+            </a:r>
+            <a:r>
+              <a:rPr b="0" lang="en" sz="1000" spc="-1" strike="noStrike">
+                <a:solidFill>
+                  <a:srgbClr val="202124"/>
+                </a:solidFill>
+                <a:highlight>
+                  <a:srgbClr val="f8f9fa"/>
+                </a:highlight>
+                <a:latin typeface="Arial"/>
+                <a:ea typeface="Arial"/>
+              </a:rPr>
+              <a:t> y </a:t>
+            </a:r>
+            <a:r>
+              <a:rPr b="1" lang="en" sz="1000" spc="-1" strike="noStrike">
+                <a:solidFill>
+                  <a:srgbClr val="202124"/>
+                </a:solidFill>
+                <a:highlight>
+                  <a:srgbClr val="f8f9fa"/>
+                </a:highlight>
+                <a:latin typeface="Arial"/>
+                <a:ea typeface="Arial"/>
+              </a:rPr>
+              <a:t>KafkaConsumer</a:t>
+            </a:r>
+            <a:r>
+              <a:rPr b="0" lang="en" sz="1000" spc="-1" strike="noStrike">
+                <a:solidFill>
+                  <a:srgbClr val="202124"/>
+                </a:solidFill>
+                <a:highlight>
+                  <a:srgbClr val="f8f9fa"/>
+                </a:highlight>
+                <a:latin typeface="Arial"/>
+                <a:ea typeface="Arial"/>
+              </a:rPr>
+              <a:t> lee la partición 0 </a:t>
             </a:r>
             <a:endParaRPr b="0" lang="es-ES" sz="1000" spc="-1" strike="noStrike">
               <a:latin typeface="Arial"/>
@@ -23726,6 +23842,19 @@
               <a:buChar char="○"/>
             </a:pPr>
             <a:r>
+              <a:rPr b="1" lang="en" sz="1000" spc="-1" strike="noStrike">
+                <a:solidFill>
+                  <a:srgbClr val="202124"/>
+                </a:solidFill>
+                <a:highlight>
+                  <a:srgbClr val="f8f9fa"/>
+                </a:highlight>
+                <a:latin typeface="Arial"/>
+                <a:ea typeface="Arial"/>
+              </a:rPr>
+              <a:t>Config</a:t>
+            </a:r>
+            <a:r>
               <a:rPr b="0" lang="en" sz="1000" spc="-1" strike="noStrike">
                 <a:solidFill>
                   <a:srgbClr val="202124"/>
@@ -23736,7 +23865,7 @@
                 <a:latin typeface="Arial"/>
                 <a:ea typeface="Arial"/>
               </a:rPr>
-              <a:t>Config application.yml</a:t>
+              <a:t> application.yml</a:t>
             </a:r>
             <a:endParaRPr b="0" lang="es-ES" sz="1000" spc="-1" strike="noStrike">
               <a:latin typeface="Arial"/>
@@ -23764,7 +23893,59 @@
                 <a:latin typeface="Arial"/>
                 <a:ea typeface="Arial"/>
               </a:rPr>
-              <a:t>Implementar KafkaConsumerConfig y KafkaConsumer  lee la partición 1</a:t>
+              <a:t>Implementar </a:t>
+            </a:r>
+            <a:r>
+              <a:rPr b="1" lang="en" sz="1000" spc="-1" strike="noStrike">
+                <a:solidFill>
+                  <a:srgbClr val="202124"/>
+                </a:solidFill>
+                <a:highlight>
+                  <a:srgbClr val="f8f9fa"/>
+                </a:highlight>
+                <a:latin typeface="Arial"/>
+                <a:ea typeface="Arial"/>
+              </a:rPr>
+              <a:t>KafkaConsumerConfig</a:t>
+            </a:r>
+            <a:r>
+              <a:rPr b="0" lang="en" sz="1000" spc="-1" strike="noStrike">
+                <a:solidFill>
+                  <a:srgbClr val="202124"/>
+                </a:solidFill>
+                <a:highlight>
+                  <a:srgbClr val="f8f9fa"/>
+                </a:highlight>
+                <a:latin typeface="Arial"/>
+                <a:ea typeface="Arial"/>
+              </a:rPr>
+              <a:t> y </a:t>
+            </a:r>
+            <a:r>
+              <a:rPr b="1" lang="en" sz="1000" spc="-1" strike="noStrike">
+                <a:solidFill>
+                  <a:srgbClr val="202124"/>
+                </a:solidFill>
+                <a:highlight>
+                  <a:srgbClr val="f8f9fa"/>
+                </a:highlight>
+                <a:latin typeface="Arial"/>
+                <a:ea typeface="Arial"/>
+              </a:rPr>
+              <a:t>KafkaConsumer</a:t>
+            </a:r>
+            <a:r>
+              <a:rPr b="0" lang="en" sz="1000" spc="-1" strike="noStrike">
+                <a:solidFill>
+                  <a:srgbClr val="202124"/>
+                </a:solidFill>
+                <a:highlight>
+                  <a:srgbClr val="f8f9fa"/>
+                </a:highlight>
+                <a:latin typeface="Arial"/>
+                <a:ea typeface="Arial"/>
+              </a:rPr>
+              <a:t>  lee la partición 1</a:t>
             </a:r>
             <a:endParaRPr b="0" lang="es-ES" sz="1000" spc="-1" strike="noStrike">
               <a:latin typeface="Arial"/>
@@ -23846,19 +24027,6 @@
               </a:rPr>
               <a:t>git clone https://github.com/francois-poirier/kafka101.git</a:t>
             </a:r>
-            <a:endParaRPr b="0" lang="es-ES" sz="1200" spc="-1" strike="noStrike">
-              <a:latin typeface="Arial"/>
-            </a:endParaRPr>
-          </a:p>
-          <a:p>
-            <a:pPr>
-              <a:lnSpc>
-                <a:spcPct val="150000"/>
-              </a:lnSpc>
-              <a:tabLst>
-                <a:tab algn="l" pos="0"/>
-              </a:tabLst>
-            </a:pPr>
             <a:endParaRPr b="0" lang="es-ES" sz="1200" spc="-1" strike="noStrike">
               <a:latin typeface="Arial"/>
             </a:endParaRPr>
@@ -24023,7 +24191,7 @@
                 <a:latin typeface="Arial"/>
                 <a:ea typeface="Arial"/>
               </a:rPr>
-              <a:t>Schema Registry / Avro vs ProtoBuf vs Json schema (Spring)</a:t>
+              <a:t>Kafka Advanced (Spring)</a:t>
             </a:r>
             <a:endParaRPr b="0" lang="es-ES" sz="1200" spc="-1" strike="noStrike">
               <a:latin typeface="Arial"/>
@@ -24051,7 +24219,7 @@
                 <a:latin typeface="Arial"/>
                 <a:ea typeface="Arial"/>
               </a:rPr>
-              <a:t>Kafka Advanced (Spring)</a:t>
+              <a:t>Schema Registry / Avro vs ProtoBuf vs Json schema (Spring)</a:t>
             </a:r>
             <a:endParaRPr b="0" lang="es-ES" sz="1200" spc="-1" strike="noStrike">
               <a:latin typeface="Arial"/>
@@ -24385,7 +24553,7 @@
                 <a:latin typeface="Arial"/>
                 <a:ea typeface="Arial"/>
               </a:rPr>
-              <a:t>El Consumer debe de-serializar el mensaje en binario</a:t>
+              <a:t>El Consumer debe de-serializar el mensaje binario</a:t>
             </a:r>
             <a:endParaRPr b="0" lang="es-ES" sz="1200" spc="-1" strike="noStrike">
               <a:latin typeface="Arial"/>

--- a/docs/KafkaClients-Producer-Consumer.pptx
+++ b/docs/KafkaClients-Producer-Consumer.pptx
@@ -6072,7 +6072,7 @@
                 <a:tab algn="l" pos="0"/>
               </a:tabLst>
             </a:pPr>
-            <a:fld id="{4A0E918A-60DB-433C-B239-71FFBF5D2364}" type="slidenum">
+            <a:fld id="{962D54D1-84E5-4E8E-B9ED-034CDE7053BA}" type="slidenum">
               <a:rPr b="0" lang="en" sz="1000" spc="-1" strike="noStrike">
                 <a:solidFill>
                   <a:srgbClr val="ffffff"/>
@@ -6080,7 +6080,7 @@
                 <a:latin typeface="Lato"/>
                 <a:ea typeface="Lato"/>
               </a:rPr>
-              <a:t>41</a:t>
+              <a:t>&lt;número&gt;</a:t>
             </a:fld>
             <a:endParaRPr b="0" lang="es-ES" sz="1000" spc="-1" strike="noStrike">
               <a:latin typeface="Times New Roman"/>
@@ -6718,7 +6718,7 @@
                 <a:tab algn="l" pos="0"/>
               </a:tabLst>
             </a:pPr>
-            <a:fld id="{BF7B3F6E-E0B8-49F2-ACA2-4F821CEC7C3A}" type="slidenum">
+            <a:fld id="{A2274B2B-60B0-467D-AA10-7ED84013BA27}" type="slidenum">
               <a:rPr b="0" lang="en" sz="1000" spc="-1" strike="noStrike">
                 <a:solidFill>
                   <a:srgbClr val="ffffff"/>
@@ -6810,7 +6810,7 @@
                 <a:tab algn="l" pos="0"/>
               </a:tabLst>
             </a:pPr>
-            <a:fld id="{6750E262-1436-4646-8B71-E2FF66D6E081}" type="slidenum">
+            <a:fld id="{3FE5BCE3-AC5C-4188-B351-260DF87FD0B2}" type="slidenum">
               <a:rPr b="0" lang="en" sz="1000" spc="-1" strike="noStrike">
                 <a:solidFill>
                   <a:srgbClr val="000000"/>
@@ -7291,7 +7291,7 @@
                 <a:tab algn="l" pos="0"/>
               </a:tabLst>
             </a:pPr>
-            <a:fld id="{8C2DB405-04FE-47F9-8898-68B5A7609592}" type="slidenum">
+            <a:fld id="{C9FE38F7-8217-4DB5-ACFE-C47115A7BA11}" type="slidenum">
               <a:rPr b="0" lang="en" sz="1000" spc="-1" strike="noStrike">
                 <a:solidFill>
                   <a:srgbClr val="ffffff"/>
@@ -7743,7 +7743,7 @@
       </p:grpSpPr>
       <p:sp>
         <p:nvSpPr>
-          <p:cNvPr id="185" name="TextShape 1"/>
+          <p:cNvPr id="184" name="TextShape 1"/>
           <p:cNvSpPr txBox="1"/>
           <p:nvPr/>
         </p:nvSpPr>
@@ -7797,7 +7797,7 @@
       </p:sp>
       <p:sp>
         <p:nvSpPr>
-          <p:cNvPr id="186" name="CustomShape 2"/>
+          <p:cNvPr id="185" name="CustomShape 2"/>
           <p:cNvSpPr/>
           <p:nvPr/>
         </p:nvSpPr>
@@ -7983,7 +7983,7 @@
       </p:grpSpPr>
       <p:pic>
         <p:nvPicPr>
-          <p:cNvPr id="187" name="Google Shape;136;p23" descr=""/>
+          <p:cNvPr id="186" name="Google Shape;135;p23" descr=""/>
           <p:cNvPicPr/>
           <p:nvPr/>
         </p:nvPicPr>
@@ -8006,7 +8006,7 @@
       </p:pic>
       <p:sp>
         <p:nvSpPr>
-          <p:cNvPr id="188" name="TextShape 1"/>
+          <p:cNvPr id="187" name="TextShape 1"/>
           <p:cNvSpPr txBox="1"/>
           <p:nvPr/>
         </p:nvSpPr>
@@ -8060,7 +8060,7 @@
       </p:sp>
       <p:sp>
         <p:nvSpPr>
-          <p:cNvPr id="189" name="CustomShape 2"/>
+          <p:cNvPr id="188" name="CustomShape 2"/>
           <p:cNvSpPr/>
           <p:nvPr/>
         </p:nvSpPr>
@@ -8399,7 +8399,7 @@
       </p:grpSpPr>
       <p:sp>
         <p:nvSpPr>
-          <p:cNvPr id="190" name="TextShape 1"/>
+          <p:cNvPr id="189" name="TextShape 1"/>
           <p:cNvSpPr txBox="1"/>
           <p:nvPr/>
         </p:nvSpPr>
@@ -8453,7 +8453,7 @@
       </p:sp>
       <p:sp>
         <p:nvSpPr>
-          <p:cNvPr id="191" name="CustomShape 2"/>
+          <p:cNvPr id="190" name="CustomShape 2"/>
           <p:cNvSpPr/>
           <p:nvPr/>
         </p:nvSpPr>
@@ -8639,7 +8639,7 @@
       </p:grpSpPr>
       <p:pic>
         <p:nvPicPr>
-          <p:cNvPr id="192" name="Google Shape;149;p25" descr=""/>
+          <p:cNvPr id="191" name="Google Shape;148;p25" descr=""/>
           <p:cNvPicPr/>
           <p:nvPr/>
         </p:nvPicPr>
@@ -8662,7 +8662,7 @@
       </p:pic>
       <p:pic>
         <p:nvPicPr>
-          <p:cNvPr id="193" name="Google Shape;150;p25" descr=""/>
+          <p:cNvPr id="192" name="Google Shape;149;p25" descr=""/>
           <p:cNvPicPr/>
           <p:nvPr/>
         </p:nvPicPr>
@@ -8685,7 +8685,7 @@
       </p:pic>
       <p:sp>
         <p:nvSpPr>
-          <p:cNvPr id="194" name="TextShape 1"/>
+          <p:cNvPr id="193" name="TextShape 1"/>
           <p:cNvSpPr txBox="1"/>
           <p:nvPr/>
         </p:nvSpPr>
@@ -8739,7 +8739,7 @@
       </p:sp>
       <p:sp>
         <p:nvSpPr>
-          <p:cNvPr id="195" name="CustomShape 2"/>
+          <p:cNvPr id="194" name="CustomShape 2"/>
           <p:cNvSpPr/>
           <p:nvPr/>
         </p:nvSpPr>
@@ -9175,7 +9175,7 @@
       </p:grpSpPr>
       <p:sp>
         <p:nvSpPr>
-          <p:cNvPr id="196" name="TextShape 1"/>
+          <p:cNvPr id="195" name="TextShape 1"/>
           <p:cNvSpPr txBox="1"/>
           <p:nvPr/>
         </p:nvSpPr>
@@ -9229,7 +9229,7 @@
       </p:sp>
       <p:sp>
         <p:nvSpPr>
-          <p:cNvPr id="197" name="CustomShape 2"/>
+          <p:cNvPr id="196" name="CustomShape 2"/>
           <p:cNvSpPr/>
           <p:nvPr/>
         </p:nvSpPr>
@@ -9488,7 +9488,7 @@
       </p:sp>
       <p:pic>
         <p:nvPicPr>
-          <p:cNvPr id="198" name="Google Shape;159;p26" descr=""/>
+          <p:cNvPr id="197" name="Google Shape;158;p26" descr=""/>
           <p:cNvPicPr/>
           <p:nvPr/>
         </p:nvPicPr>
@@ -9541,7 +9541,7 @@
       </p:grpSpPr>
       <p:sp>
         <p:nvSpPr>
-          <p:cNvPr id="199" name="TextShape 1"/>
+          <p:cNvPr id="198" name="TextShape 1"/>
           <p:cNvSpPr txBox="1"/>
           <p:nvPr/>
         </p:nvSpPr>
@@ -9595,7 +9595,7 @@
       </p:sp>
       <p:sp>
         <p:nvSpPr>
-          <p:cNvPr id="200" name="CustomShape 2"/>
+          <p:cNvPr id="199" name="CustomShape 2"/>
           <p:cNvSpPr/>
           <p:nvPr/>
         </p:nvSpPr>
@@ -9971,7 +9971,7 @@
       </p:sp>
       <p:pic>
         <p:nvPicPr>
-          <p:cNvPr id="201" name="Google Shape;166;p27" descr=""/>
+          <p:cNvPr id="200" name="Google Shape;165;p27" descr=""/>
           <p:cNvPicPr/>
           <p:nvPr/>
         </p:nvPicPr>
@@ -9994,7 +9994,7 @@
       </p:pic>
       <p:pic>
         <p:nvPicPr>
-          <p:cNvPr id="202" name="Google Shape;167;p27" descr=""/>
+          <p:cNvPr id="201" name="Google Shape;166;p27" descr=""/>
           <p:cNvPicPr/>
           <p:nvPr/>
         </p:nvPicPr>
@@ -10047,7 +10047,7 @@
       </p:grpSpPr>
       <p:sp>
         <p:nvSpPr>
-          <p:cNvPr id="203" name="TextShape 1"/>
+          <p:cNvPr id="202" name="TextShape 1"/>
           <p:cNvSpPr txBox="1"/>
           <p:nvPr/>
         </p:nvSpPr>
@@ -10101,7 +10101,7 @@
       </p:sp>
       <p:sp>
         <p:nvSpPr>
-          <p:cNvPr id="204" name="CustomShape 2"/>
+          <p:cNvPr id="203" name="CustomShape 2"/>
           <p:cNvSpPr/>
           <p:nvPr/>
         </p:nvSpPr>
@@ -10521,7 +10521,7 @@
       </p:sp>
       <p:pic>
         <p:nvPicPr>
-          <p:cNvPr id="205" name="Google Shape;174;p28" descr=""/>
+          <p:cNvPr id="204" name="Google Shape;173;p28" descr=""/>
           <p:cNvPicPr/>
           <p:nvPr/>
         </p:nvPicPr>
@@ -10544,7 +10544,7 @@
       </p:pic>
       <p:pic>
         <p:nvPicPr>
-          <p:cNvPr id="206" name="Google Shape;175;p28" descr=""/>
+          <p:cNvPr id="205" name="Google Shape;174;p28" descr=""/>
           <p:cNvPicPr/>
           <p:nvPr/>
         </p:nvPicPr>
@@ -10567,7 +10567,7 @@
       </p:pic>
       <p:pic>
         <p:nvPicPr>
-          <p:cNvPr id="207" name="Google Shape;176;p28" descr=""/>
+          <p:cNvPr id="206" name="Google Shape;175;p28" descr=""/>
           <p:cNvPicPr/>
           <p:nvPr/>
         </p:nvPicPr>
@@ -10620,7 +10620,7 @@
       </p:grpSpPr>
       <p:pic>
         <p:nvPicPr>
-          <p:cNvPr id="208" name="Google Shape;181;p29" descr=""/>
+          <p:cNvPr id="207" name="Google Shape;180;p29" descr=""/>
           <p:cNvPicPr/>
           <p:nvPr/>
         </p:nvPicPr>
@@ -10643,7 +10643,7 @@
       </p:pic>
       <p:sp>
         <p:nvSpPr>
-          <p:cNvPr id="209" name="CustomShape 1"/>
+          <p:cNvPr id="208" name="CustomShape 1"/>
           <p:cNvSpPr/>
           <p:nvPr/>
         </p:nvSpPr>
@@ -11344,7 +11344,7 @@
       </p:sp>
       <p:sp>
         <p:nvSpPr>
-          <p:cNvPr id="210" name="TextShape 2"/>
+          <p:cNvPr id="209" name="TextShape 2"/>
           <p:cNvSpPr txBox="1"/>
           <p:nvPr/>
         </p:nvSpPr>
@@ -11428,7 +11428,7 @@
       </p:grpSpPr>
       <p:pic>
         <p:nvPicPr>
-          <p:cNvPr id="211" name="Google Shape;188;p30" descr=""/>
+          <p:cNvPr id="210" name="Google Shape;187;p30" descr=""/>
           <p:cNvPicPr/>
           <p:nvPr/>
         </p:nvPicPr>
@@ -11451,7 +11451,7 @@
       </p:pic>
       <p:sp>
         <p:nvSpPr>
-          <p:cNvPr id="212" name="CustomShape 1"/>
+          <p:cNvPr id="211" name="CustomShape 1"/>
           <p:cNvSpPr/>
           <p:nvPr/>
         </p:nvSpPr>
@@ -11633,7 +11633,7 @@
       </p:sp>
       <p:sp>
         <p:nvSpPr>
-          <p:cNvPr id="213" name="TextShape 2"/>
+          <p:cNvPr id="212" name="TextShape 2"/>
           <p:cNvSpPr txBox="1"/>
           <p:nvPr/>
         </p:nvSpPr>
@@ -11687,7 +11687,7 @@
       </p:sp>
       <p:sp>
         <p:nvSpPr>
-          <p:cNvPr id="214" name="CustomShape 3"/>
+          <p:cNvPr id="213" name="CustomShape 3"/>
           <p:cNvSpPr/>
           <p:nvPr/>
         </p:nvSpPr>
@@ -11751,7 +11751,7 @@
       </p:grpSpPr>
       <p:sp>
         <p:nvSpPr>
-          <p:cNvPr id="215" name="TextShape 1"/>
+          <p:cNvPr id="214" name="TextShape 1"/>
           <p:cNvSpPr txBox="1"/>
           <p:nvPr/>
         </p:nvSpPr>
@@ -11805,7 +11805,7 @@
       </p:sp>
       <p:graphicFrame>
         <p:nvGraphicFramePr>
-          <p:cNvPr id="216" name="Table 2"/>
+          <p:cNvPr id="215" name="Table 2"/>
           <p:cNvGraphicFramePr/>
           <p:nvPr/>
         </p:nvGraphicFramePr>
@@ -13091,7 +13091,7 @@
       </p:graphicFrame>
       <p:pic>
         <p:nvPicPr>
-          <p:cNvPr id="217" name="Google Shape;198;p31" descr=""/>
+          <p:cNvPr id="216" name="Google Shape;197;p31" descr=""/>
           <p:cNvPicPr/>
           <p:nvPr/>
         </p:nvPicPr>
@@ -13446,7 +13446,7 @@
       </p:grpSpPr>
       <p:sp>
         <p:nvSpPr>
-          <p:cNvPr id="218" name="TextShape 1"/>
+          <p:cNvPr id="217" name="TextShape 1"/>
           <p:cNvSpPr txBox="1"/>
           <p:nvPr/>
         </p:nvSpPr>
@@ -13500,7 +13500,7 @@
       </p:sp>
       <p:sp>
         <p:nvSpPr>
-          <p:cNvPr id="219" name="CustomShape 2"/>
+          <p:cNvPr id="218" name="CustomShape 2"/>
           <p:cNvSpPr/>
           <p:nvPr/>
         </p:nvSpPr>
@@ -13850,7 +13850,7 @@
       </p:sp>
       <p:pic>
         <p:nvPicPr>
-          <p:cNvPr id="220" name="Google Shape;205;p32" descr=""/>
+          <p:cNvPr id="219" name="Google Shape;204;p32" descr=""/>
           <p:cNvPicPr/>
           <p:nvPr/>
         </p:nvPicPr>
@@ -13873,7 +13873,7 @@
       </p:pic>
       <p:pic>
         <p:nvPicPr>
-          <p:cNvPr id="221" name="Google Shape;206;p32" descr=""/>
+          <p:cNvPr id="220" name="Google Shape;205;p32" descr=""/>
           <p:cNvPicPr/>
           <p:nvPr/>
         </p:nvPicPr>
@@ -13926,7 +13926,7 @@
       </p:grpSpPr>
       <p:sp>
         <p:nvSpPr>
-          <p:cNvPr id="222" name="TextShape 1"/>
+          <p:cNvPr id="221" name="TextShape 1"/>
           <p:cNvSpPr txBox="1"/>
           <p:nvPr/>
         </p:nvSpPr>
@@ -13980,7 +13980,7 @@
       </p:sp>
       <p:sp>
         <p:nvSpPr>
-          <p:cNvPr id="223" name="CustomShape 2"/>
+          <p:cNvPr id="222" name="CustomShape 2"/>
           <p:cNvSpPr/>
           <p:nvPr/>
         </p:nvSpPr>
@@ -14249,7 +14249,7 @@
       </p:sp>
       <p:pic>
         <p:nvPicPr>
-          <p:cNvPr id="224" name="Google Shape;213;p33" descr=""/>
+          <p:cNvPr id="223" name="Google Shape;212;p33" descr=""/>
           <p:cNvPicPr/>
           <p:nvPr/>
         </p:nvPicPr>
@@ -14272,7 +14272,7 @@
       </p:pic>
       <p:pic>
         <p:nvPicPr>
-          <p:cNvPr id="225" name="Google Shape;214;p33" descr=""/>
+          <p:cNvPr id="224" name="Google Shape;213;p33" descr=""/>
           <p:cNvPicPr/>
           <p:nvPr/>
         </p:nvPicPr>
@@ -14295,7 +14295,7 @@
       </p:pic>
       <p:pic>
         <p:nvPicPr>
-          <p:cNvPr id="226" name="Google Shape;215;p33" descr=""/>
+          <p:cNvPr id="225" name="Google Shape;214;p33" descr=""/>
           <p:cNvPicPr/>
           <p:nvPr/>
         </p:nvPicPr>
@@ -14348,7 +14348,7 @@
       </p:grpSpPr>
       <p:sp>
         <p:nvSpPr>
-          <p:cNvPr id="227" name="TextShape 1"/>
+          <p:cNvPr id="226" name="TextShape 1"/>
           <p:cNvSpPr txBox="1"/>
           <p:nvPr/>
         </p:nvSpPr>
@@ -14402,7 +14402,7 @@
       </p:sp>
       <p:sp>
         <p:nvSpPr>
-          <p:cNvPr id="228" name="CustomShape 2"/>
+          <p:cNvPr id="227" name="CustomShape 2"/>
           <p:cNvSpPr/>
           <p:nvPr/>
         </p:nvSpPr>
@@ -14765,7 +14765,7 @@
       </p:sp>
       <p:pic>
         <p:nvPicPr>
-          <p:cNvPr id="229" name="Google Shape;222;p34" descr=""/>
+          <p:cNvPr id="228" name="Google Shape;221;p34" descr=""/>
           <p:cNvPicPr/>
           <p:nvPr/>
         </p:nvPicPr>
@@ -14818,7 +14818,7 @@
       </p:grpSpPr>
       <p:sp>
         <p:nvSpPr>
-          <p:cNvPr id="230" name="TextShape 1"/>
+          <p:cNvPr id="229" name="TextShape 1"/>
           <p:cNvSpPr txBox="1"/>
           <p:nvPr/>
         </p:nvSpPr>
@@ -14872,7 +14872,7 @@
       </p:sp>
       <p:sp>
         <p:nvSpPr>
-          <p:cNvPr id="231" name="CustomShape 2"/>
+          <p:cNvPr id="230" name="CustomShape 2"/>
           <p:cNvSpPr/>
           <p:nvPr/>
         </p:nvSpPr>
@@ -15235,7 +15235,7 @@
       </p:grpSpPr>
       <p:sp>
         <p:nvSpPr>
-          <p:cNvPr id="232" name="TextShape 1"/>
+          <p:cNvPr id="231" name="TextShape 1"/>
           <p:cNvSpPr txBox="1"/>
           <p:nvPr/>
         </p:nvSpPr>
@@ -15289,7 +15289,7 @@
       </p:sp>
       <p:sp>
         <p:nvSpPr>
-          <p:cNvPr id="233" name="CustomShape 2"/>
+          <p:cNvPr id="232" name="CustomShape 2"/>
           <p:cNvSpPr/>
           <p:nvPr/>
         </p:nvSpPr>
@@ -15618,7 +15618,7 @@
       </p:sp>
       <p:pic>
         <p:nvPicPr>
-          <p:cNvPr id="234" name="Google Shape;235;p36" descr=""/>
+          <p:cNvPr id="233" name="Google Shape;234;p36" descr=""/>
           <p:cNvPicPr/>
           <p:nvPr/>
         </p:nvPicPr>
@@ -15671,7 +15671,7 @@
       </p:grpSpPr>
       <p:sp>
         <p:nvSpPr>
-          <p:cNvPr id="235" name="TextShape 1"/>
+          <p:cNvPr id="234" name="TextShape 1"/>
           <p:cNvSpPr txBox="1"/>
           <p:nvPr/>
         </p:nvSpPr>
@@ -15725,7 +15725,7 @@
       </p:sp>
       <p:sp>
         <p:nvSpPr>
-          <p:cNvPr id="236" name="CustomShape 2"/>
+          <p:cNvPr id="235" name="CustomShape 2"/>
           <p:cNvSpPr/>
           <p:nvPr/>
         </p:nvSpPr>
@@ -15935,7 +15935,7 @@
       </p:sp>
       <p:pic>
         <p:nvPicPr>
-          <p:cNvPr id="237" name="Google Shape;242;p37" descr=""/>
+          <p:cNvPr id="236" name="Google Shape;241;p37" descr=""/>
           <p:cNvPicPr/>
           <p:nvPr/>
         </p:nvPicPr>
@@ -15958,7 +15958,7 @@
       </p:pic>
       <p:pic>
         <p:nvPicPr>
-          <p:cNvPr id="238" name="Google Shape;243;p37" descr=""/>
+          <p:cNvPr id="237" name="Google Shape;242;p37" descr=""/>
           <p:cNvPicPr/>
           <p:nvPr/>
         </p:nvPicPr>
@@ -16011,7 +16011,7 @@
       </p:grpSpPr>
       <p:sp>
         <p:nvSpPr>
-          <p:cNvPr id="239" name="TextShape 1"/>
+          <p:cNvPr id="238" name="TextShape 1"/>
           <p:cNvSpPr txBox="1"/>
           <p:nvPr/>
         </p:nvSpPr>
@@ -16065,7 +16065,7 @@
       </p:sp>
       <p:sp>
         <p:nvSpPr>
-          <p:cNvPr id="240" name="CustomShape 2"/>
+          <p:cNvPr id="239" name="CustomShape 2"/>
           <p:cNvSpPr/>
           <p:nvPr/>
         </p:nvSpPr>
@@ -16233,7 +16233,7 @@
       </p:sp>
       <p:pic>
         <p:nvPicPr>
-          <p:cNvPr id="241" name="Google Shape;250;p38" descr=""/>
+          <p:cNvPr id="240" name="Google Shape;249;p38" descr=""/>
           <p:cNvPicPr/>
           <p:nvPr/>
         </p:nvPicPr>
@@ -16286,7 +16286,7 @@
       </p:grpSpPr>
       <p:sp>
         <p:nvSpPr>
-          <p:cNvPr id="242" name="TextShape 1"/>
+          <p:cNvPr id="241" name="TextShape 1"/>
           <p:cNvSpPr txBox="1"/>
           <p:nvPr/>
         </p:nvSpPr>
@@ -16340,7 +16340,7 @@
       </p:sp>
       <p:sp>
         <p:nvSpPr>
-          <p:cNvPr id="243" name="CustomShape 2"/>
+          <p:cNvPr id="242" name="CustomShape 2"/>
           <p:cNvSpPr/>
           <p:nvPr/>
         </p:nvSpPr>
@@ -16429,7 +16429,7 @@
       </p:sp>
       <p:pic>
         <p:nvPicPr>
-          <p:cNvPr id="244" name="Google Shape;257;p39" descr=""/>
+          <p:cNvPr id="243" name="Google Shape;256;p39" descr=""/>
           <p:cNvPicPr/>
           <p:nvPr/>
         </p:nvPicPr>
@@ -16482,7 +16482,7 @@
       </p:grpSpPr>
       <p:sp>
         <p:nvSpPr>
-          <p:cNvPr id="245" name="TextShape 1"/>
+          <p:cNvPr id="244" name="TextShape 1"/>
           <p:cNvSpPr txBox="1"/>
           <p:nvPr/>
         </p:nvSpPr>
@@ -16536,7 +16536,7 @@
       </p:sp>
       <p:sp>
         <p:nvSpPr>
-          <p:cNvPr id="246" name="CustomShape 2"/>
+          <p:cNvPr id="245" name="CustomShape 2"/>
           <p:cNvSpPr/>
           <p:nvPr/>
         </p:nvSpPr>
@@ -16720,7 +16720,7 @@
       </p:sp>
       <p:pic>
         <p:nvPicPr>
-          <p:cNvPr id="247" name="Google Shape;264;p40" descr=""/>
+          <p:cNvPr id="246" name="Google Shape;263;p40" descr=""/>
           <p:cNvPicPr/>
           <p:nvPr/>
         </p:nvPicPr>
@@ -16773,7 +16773,7 @@
       </p:grpSpPr>
       <p:sp>
         <p:nvSpPr>
-          <p:cNvPr id="248" name="TextShape 1"/>
+          <p:cNvPr id="247" name="TextShape 1"/>
           <p:cNvSpPr txBox="1"/>
           <p:nvPr/>
         </p:nvSpPr>
@@ -16827,7 +16827,7 @@
       </p:sp>
       <p:graphicFrame>
         <p:nvGraphicFramePr>
-          <p:cNvPr id="249" name="Table 2"/>
+          <p:cNvPr id="248" name="Table 2"/>
           <p:cNvGraphicFramePr/>
           <p:nvPr/>
         </p:nvGraphicFramePr>
@@ -17996,7 +17996,7 @@
       </p:graphicFrame>
       <p:pic>
         <p:nvPicPr>
-          <p:cNvPr id="250" name="Google Shape;271;p41" descr=""/>
+          <p:cNvPr id="249" name="Google Shape;270;p41" descr=""/>
           <p:cNvPicPr/>
           <p:nvPr/>
         </p:nvPicPr>
@@ -18482,7 +18482,7 @@
       </p:grpSpPr>
       <p:sp>
         <p:nvSpPr>
-          <p:cNvPr id="251" name="TextShape 1"/>
+          <p:cNvPr id="250" name="TextShape 1"/>
           <p:cNvSpPr txBox="1"/>
           <p:nvPr/>
         </p:nvSpPr>
@@ -18536,7 +18536,7 @@
       </p:sp>
       <p:pic>
         <p:nvPicPr>
-          <p:cNvPr id="252" name="Google Shape;277;p42" descr=""/>
+          <p:cNvPr id="251" name="Google Shape;276;p42" descr=""/>
           <p:cNvPicPr/>
           <p:nvPr/>
         </p:nvPicPr>
@@ -18589,7 +18589,7 @@
       </p:grpSpPr>
       <p:sp>
         <p:nvSpPr>
-          <p:cNvPr id="253" name="TextShape 1"/>
+          <p:cNvPr id="252" name="TextShape 1"/>
           <p:cNvSpPr txBox="1"/>
           <p:nvPr/>
         </p:nvSpPr>
@@ -18643,7 +18643,7 @@
       </p:sp>
       <p:sp>
         <p:nvSpPr>
-          <p:cNvPr id="254" name="CustomShape 2"/>
+          <p:cNvPr id="253" name="CustomShape 2"/>
           <p:cNvSpPr/>
           <p:nvPr/>
         </p:nvSpPr>
@@ -18845,7 +18845,7 @@
       </p:sp>
       <p:pic>
         <p:nvPicPr>
-          <p:cNvPr id="255" name="Google Shape;284;p43" descr=""/>
+          <p:cNvPr id="254" name="Google Shape;283;p43" descr=""/>
           <p:cNvPicPr/>
           <p:nvPr/>
         </p:nvPicPr>
@@ -18898,7 +18898,7 @@
       </p:grpSpPr>
       <p:sp>
         <p:nvSpPr>
-          <p:cNvPr id="256" name="TextShape 1"/>
+          <p:cNvPr id="255" name="TextShape 1"/>
           <p:cNvSpPr txBox="1"/>
           <p:nvPr/>
         </p:nvSpPr>
@@ -18952,7 +18952,7 @@
       </p:sp>
       <p:sp>
         <p:nvSpPr>
-          <p:cNvPr id="257" name="CustomShape 2"/>
+          <p:cNvPr id="256" name="CustomShape 2"/>
           <p:cNvSpPr/>
           <p:nvPr/>
         </p:nvSpPr>
@@ -19080,7 +19080,7 @@
       </p:sp>
       <p:pic>
         <p:nvPicPr>
-          <p:cNvPr id="258" name="Google Shape;291;p44" descr=""/>
+          <p:cNvPr id="257" name="Google Shape;290;p44" descr=""/>
           <p:cNvPicPr/>
           <p:nvPr/>
         </p:nvPicPr>
@@ -19133,7 +19133,7 @@
       </p:grpSpPr>
       <p:pic>
         <p:nvPicPr>
-          <p:cNvPr id="259" name="Google Shape;296;p45" descr=""/>
+          <p:cNvPr id="258" name="Google Shape;295;p45" descr=""/>
           <p:cNvPicPr/>
           <p:nvPr/>
         </p:nvPicPr>
@@ -19156,7 +19156,7 @@
       </p:pic>
       <p:sp>
         <p:nvSpPr>
-          <p:cNvPr id="260" name="TextShape 1"/>
+          <p:cNvPr id="259" name="TextShape 1"/>
           <p:cNvSpPr txBox="1"/>
           <p:nvPr/>
         </p:nvSpPr>
@@ -19210,7 +19210,7 @@
       </p:sp>
       <p:sp>
         <p:nvSpPr>
-          <p:cNvPr id="261" name="CustomShape 2"/>
+          <p:cNvPr id="260" name="CustomShape 2"/>
           <p:cNvSpPr/>
           <p:nvPr/>
         </p:nvSpPr>
@@ -19600,7 +19600,7 @@
       </p:sp>
       <p:sp>
         <p:nvSpPr>
-          <p:cNvPr id="262" name="CustomShape 3"/>
+          <p:cNvPr id="261" name="CustomShape 3"/>
           <p:cNvSpPr/>
           <p:nvPr/>
         </p:nvSpPr>
@@ -19643,7 +19643,7 @@
       </p:sp>
       <p:sp>
         <p:nvSpPr>
-          <p:cNvPr id="263" name="CustomShape 4"/>
+          <p:cNvPr id="262" name="CustomShape 4"/>
           <p:cNvSpPr/>
           <p:nvPr/>
         </p:nvSpPr>
@@ -19716,7 +19716,7 @@
       </p:grpSpPr>
       <p:sp>
         <p:nvSpPr>
-          <p:cNvPr id="264" name="TextShape 1"/>
+          <p:cNvPr id="263" name="TextShape 1"/>
           <p:cNvSpPr txBox="1"/>
           <p:nvPr/>
         </p:nvSpPr>
@@ -19770,7 +19770,7 @@
       </p:sp>
       <p:sp>
         <p:nvSpPr>
-          <p:cNvPr id="265" name="CustomShape 2"/>
+          <p:cNvPr id="264" name="CustomShape 2"/>
           <p:cNvSpPr/>
           <p:nvPr/>
         </p:nvSpPr>
@@ -19870,7 +19870,7 @@
       </p:sp>
       <p:pic>
         <p:nvPicPr>
-          <p:cNvPr id="266" name="Google Shape;307;p46" descr=""/>
+          <p:cNvPr id="265" name="Google Shape;306;p46" descr=""/>
           <p:cNvPicPr/>
           <p:nvPr/>
         </p:nvPicPr>
@@ -19893,7 +19893,7 @@
       </p:pic>
       <p:sp>
         <p:nvSpPr>
-          <p:cNvPr id="267" name="CustomShape 3"/>
+          <p:cNvPr id="266" name="CustomShape 3"/>
           <p:cNvSpPr/>
           <p:nvPr/>
         </p:nvSpPr>
@@ -19966,7 +19966,7 @@
       </p:grpSpPr>
       <p:sp>
         <p:nvSpPr>
-          <p:cNvPr id="268" name="TextShape 1"/>
+          <p:cNvPr id="267" name="TextShape 1"/>
           <p:cNvSpPr txBox="1"/>
           <p:nvPr/>
         </p:nvSpPr>
@@ -20020,7 +20020,7 @@
       </p:sp>
       <p:sp>
         <p:nvSpPr>
-          <p:cNvPr id="269" name="CustomShape 2"/>
+          <p:cNvPr id="268" name="CustomShape 2"/>
           <p:cNvSpPr/>
           <p:nvPr/>
         </p:nvSpPr>
@@ -20372,7 +20372,7 @@
       </p:sp>
       <p:pic>
         <p:nvPicPr>
-          <p:cNvPr id="270" name="Google Shape;315;p47" descr=""/>
+          <p:cNvPr id="269" name="Google Shape;314;p47" descr=""/>
           <p:cNvPicPr/>
           <p:nvPr/>
         </p:nvPicPr>
@@ -20425,7 +20425,7 @@
       </p:grpSpPr>
       <p:sp>
         <p:nvSpPr>
-          <p:cNvPr id="271" name="TextShape 1"/>
+          <p:cNvPr id="270" name="TextShape 1"/>
           <p:cNvSpPr txBox="1"/>
           <p:nvPr/>
         </p:nvSpPr>
@@ -20479,7 +20479,7 @@
       </p:sp>
       <p:sp>
         <p:nvSpPr>
-          <p:cNvPr id="272" name="CustomShape 2"/>
+          <p:cNvPr id="271" name="CustomShape 2"/>
           <p:cNvSpPr/>
           <p:nvPr/>
         </p:nvSpPr>
@@ -20996,7 +20996,7 @@
       </p:sp>
       <p:pic>
         <p:nvPicPr>
-          <p:cNvPr id="273" name="Google Shape;322;p48" descr=""/>
+          <p:cNvPr id="272" name="Google Shape;321;p48" descr=""/>
           <p:cNvPicPr/>
           <p:nvPr/>
         </p:nvPicPr>
@@ -21049,7 +21049,7 @@
       </p:grpSpPr>
       <p:sp>
         <p:nvSpPr>
-          <p:cNvPr id="274" name="TextShape 1"/>
+          <p:cNvPr id="273" name="TextShape 1"/>
           <p:cNvSpPr txBox="1"/>
           <p:nvPr/>
         </p:nvSpPr>
@@ -21103,7 +21103,7 @@
       </p:sp>
       <p:sp>
         <p:nvSpPr>
-          <p:cNvPr id="275" name="CustomShape 2"/>
+          <p:cNvPr id="274" name="CustomShape 2"/>
           <p:cNvSpPr/>
           <p:nvPr/>
         </p:nvSpPr>
@@ -21296,7 +21296,7 @@
       </p:sp>
       <p:pic>
         <p:nvPicPr>
-          <p:cNvPr id="276" name="Google Shape;329;p49" descr=""/>
+          <p:cNvPr id="275" name="Google Shape;328;p49" descr=""/>
           <p:cNvPicPr/>
           <p:nvPr/>
         </p:nvPicPr>
@@ -21349,7 +21349,7 @@
       </p:grpSpPr>
       <p:sp>
         <p:nvSpPr>
-          <p:cNvPr id="277" name="TextShape 1"/>
+          <p:cNvPr id="276" name="TextShape 1"/>
           <p:cNvSpPr txBox="1"/>
           <p:nvPr/>
         </p:nvSpPr>
@@ -21403,7 +21403,7 @@
       </p:sp>
       <p:sp>
         <p:nvSpPr>
-          <p:cNvPr id="278" name="CustomShape 2"/>
+          <p:cNvPr id="277" name="CustomShape 2"/>
           <p:cNvSpPr/>
           <p:nvPr/>
         </p:nvSpPr>
@@ -21765,7 +21765,7 @@
       </p:sp>
       <p:pic>
         <p:nvPicPr>
-          <p:cNvPr id="279" name="Google Shape;336;p50" descr=""/>
+          <p:cNvPr id="278" name="Google Shape;335;p50" descr=""/>
           <p:cNvPicPr/>
           <p:nvPr/>
         </p:nvPicPr>
@@ -21818,7 +21818,7 @@
       </p:grpSpPr>
       <p:sp>
         <p:nvSpPr>
-          <p:cNvPr id="280" name="TextShape 1"/>
+          <p:cNvPr id="279" name="TextShape 1"/>
           <p:cNvSpPr txBox="1"/>
           <p:nvPr/>
         </p:nvSpPr>
@@ -21872,7 +21872,7 @@
       </p:sp>
       <p:pic>
         <p:nvPicPr>
-          <p:cNvPr id="281" name="Google Shape;342;p51" descr=""/>
+          <p:cNvPr id="280" name="Google Shape;341;p51" descr=""/>
           <p:cNvPicPr/>
           <p:nvPr/>
         </p:nvPicPr>
@@ -23181,7 +23181,7 @@
       </p:grpSpPr>
       <p:sp>
         <p:nvSpPr>
-          <p:cNvPr id="282" name="TextShape 1"/>
+          <p:cNvPr id="281" name="TextShape 1"/>
           <p:cNvSpPr txBox="1"/>
           <p:nvPr/>
         </p:nvSpPr>
@@ -23235,7 +23235,7 @@
       </p:sp>
       <p:sp>
         <p:nvSpPr>
-          <p:cNvPr id="283" name="CustomShape 2"/>
+          <p:cNvPr id="282" name="CustomShape 2"/>
           <p:cNvSpPr/>
           <p:nvPr/>
         </p:nvSpPr>
@@ -24035,7 +24035,7 @@
       </p:sp>
       <p:pic>
         <p:nvPicPr>
-          <p:cNvPr id="284" name="Google Shape;349;p52" descr=""/>
+          <p:cNvPr id="283" name="Google Shape;348;p52" descr=""/>
           <p:cNvPicPr/>
           <p:nvPr/>
         </p:nvPicPr>
@@ -24088,7 +24088,7 @@
       </p:grpSpPr>
       <p:sp>
         <p:nvSpPr>
-          <p:cNvPr id="285" name="TextShape 1"/>
+          <p:cNvPr id="284" name="TextShape 1"/>
           <p:cNvSpPr txBox="1"/>
           <p:nvPr/>
         </p:nvSpPr>
@@ -24142,7 +24142,7 @@
       </p:sp>
       <p:sp>
         <p:nvSpPr>
-          <p:cNvPr id="286" name="CustomShape 2"/>
+          <p:cNvPr id="285" name="CustomShape 2"/>
           <p:cNvSpPr/>
           <p:nvPr/>
         </p:nvSpPr>
@@ -24313,7 +24313,7 @@
       </p:grpSpPr>
       <p:sp>
         <p:nvSpPr>
-          <p:cNvPr id="287" name="TextShape 1"/>
+          <p:cNvPr id="286" name="TextShape 1"/>
           <p:cNvSpPr txBox="1"/>
           <p:nvPr/>
         </p:nvSpPr>
@@ -24979,7 +24979,7 @@
                 <a:latin typeface="Arial"/>
                 <a:ea typeface="Arial"/>
               </a:rPr>
-              <a:t>Ninguna garantía en el orden de de lectura o escritura</a:t>
+              <a:t>Ninguna garantía en el orden de lectura o escritura</a:t>
             </a:r>
             <a:endParaRPr b="0" lang="es-ES" sz="1200" spc="-1" strike="noStrike">
               <a:latin typeface="Arial"/>
@@ -25305,7 +25305,7 @@
         <p:spPr>
           <a:xfrm>
             <a:off x="364320" y="1061640"/>
-            <a:ext cx="8341560" cy="1389240"/>
+            <a:ext cx="8341560" cy="3657600"/>
           </a:xfrm>
           <a:prstGeom prst="rect">
             <a:avLst/>
@@ -25339,16 +25339,153 @@
             <a:r>
               <a:rPr b="0" lang="en" sz="1200" spc="-1" strike="noStrike">
                 <a:solidFill>
-                  <a:srgbClr val="202124"/>
-                </a:solidFill>
-                <a:highlight>
-                  <a:srgbClr val="f8f9fa"/>
-                </a:highlight>
-                <a:latin typeface="Arial"/>
-                <a:ea typeface="Arial"/>
-              </a:rPr>
-              <a:t>Estructura de datos elemental de un Topic</a:t>
-            </a:r>
+                  <a:srgbClr val="383838"/>
+                </a:solidFill>
+                <a:highlight>
+                  <a:srgbClr val="ffffff"/>
+                </a:highlight>
+                <a:latin typeface="Arial"/>
+                <a:ea typeface="Arial"/>
+              </a:rPr>
+              <a:t>Como se mencionaba en la anterior diapositiva, los tópicos de Kafka se dividen en particiones que se reparten a lo largo de los distintos nodos que forman el clusters. La lógica empleada por defecto para determinar el destino de los datos es la siguiente:</a:t>
+            </a:r>
+            <a:endParaRPr b="0" lang="es-ES" sz="1200" spc="-1" strike="noStrike">
+              <a:latin typeface="Arial"/>
+            </a:endParaRPr>
+          </a:p>
+          <a:p>
+            <a:pPr lvl="1" marL="914400" indent="-304560">
+              <a:lnSpc>
+                <a:spcPct val="115000"/>
+              </a:lnSpc>
+              <a:buClr>
+                <a:srgbClr val="383838"/>
+              </a:buClr>
+              <a:buFont typeface="Arial"/>
+              <a:buChar char="○"/>
+            </a:pPr>
+            <a:r>
+              <a:rPr b="0" lang="en" sz="1200" spc="-1" strike="noStrike">
+                <a:solidFill>
+                  <a:srgbClr val="383838"/>
+                </a:solidFill>
+                <a:highlight>
+                  <a:srgbClr val="ffffff"/>
+                </a:highlight>
+                <a:latin typeface="Arial"/>
+                <a:ea typeface="Arial"/>
+              </a:rPr>
+              <a:t>Si el mensaje enviado contiene una clave, se aplica el algoritmo de hashing </a:t>
+            </a:r>
+            <a:r>
+              <a:rPr b="1" lang="en" sz="1200" spc="-1" strike="noStrike">
+                <a:solidFill>
+                  <a:srgbClr val="383838"/>
+                </a:solidFill>
+                <a:highlight>
+                  <a:srgbClr val="ffffff"/>
+                </a:highlight>
+                <a:latin typeface="Arial"/>
+                <a:ea typeface="Arial"/>
+              </a:rPr>
+              <a:t>mumur2</a:t>
+            </a:r>
+            <a:r>
+              <a:rPr b="0" lang="en" sz="1200" spc="-1" strike="noStrike">
+                <a:solidFill>
+                  <a:srgbClr val="383838"/>
+                </a:solidFill>
+                <a:highlight>
+                  <a:srgbClr val="ffffff"/>
+                </a:highlight>
+                <a:latin typeface="Arial"/>
+                <a:ea typeface="Arial"/>
+              </a:rPr>
+              <a:t> de 32 bits sobre la misma y se divide entre el número de particiones del tópico. De esta forma se garantiza que todos los mensajes con la misma clave (no vacía), se envían a la misma partición por orden de llegada.</a:t>
+            </a:r>
+            <a:endParaRPr b="0" lang="es-ES" sz="1200" spc="-1" strike="noStrike">
+              <a:latin typeface="Arial"/>
+            </a:endParaRPr>
+          </a:p>
+          <a:p>
+            <a:pPr lvl="1" marL="914400" indent="-304560">
+              <a:lnSpc>
+                <a:spcPct val="115000"/>
+              </a:lnSpc>
+              <a:buClr>
+                <a:srgbClr val="383838"/>
+              </a:buClr>
+              <a:buFont typeface="Arial"/>
+              <a:buChar char="○"/>
+            </a:pPr>
+            <a:r>
+              <a:rPr b="0" lang="en" sz="1200" spc="-1" strike="noStrike">
+                <a:solidFill>
+                  <a:srgbClr val="383838"/>
+                </a:solidFill>
+                <a:highlight>
+                  <a:srgbClr val="ffffff"/>
+                </a:highlight>
+                <a:latin typeface="Arial"/>
+                <a:ea typeface="Arial"/>
+              </a:rPr>
+              <a:t>Por el contrario, si el mensaje enviado no contiene una clave, se aplica un algoritmo round robin para determinar su ubicación.</a:t>
+            </a:r>
+            <a:endParaRPr b="0" lang="es-ES" sz="1200" spc="-1" strike="noStrike">
+              <a:latin typeface="Arial"/>
+            </a:endParaRPr>
+          </a:p>
+          <a:p>
+            <a:pPr>
+              <a:lnSpc>
+                <a:spcPct val="128000"/>
+              </a:lnSpc>
+              <a:spcBef>
+                <a:spcPts val="4399"/>
+              </a:spcBef>
+              <a:tabLst>
+                <a:tab algn="l" pos="0"/>
+              </a:tabLst>
+            </a:pPr>
+            <a:endParaRPr b="0" lang="es-ES" sz="1200" spc="-1" strike="noStrike">
+              <a:latin typeface="Arial"/>
+            </a:endParaRPr>
+          </a:p>
+          <a:p>
+            <a:pPr>
+              <a:lnSpc>
+                <a:spcPct val="128000"/>
+              </a:lnSpc>
+              <a:tabLst>
+                <a:tab algn="l" pos="0"/>
+              </a:tabLst>
+            </a:pPr>
+            <a:endParaRPr b="0" lang="es-ES" sz="1200" spc="-1" strike="noStrike">
+              <a:latin typeface="Arial"/>
+            </a:endParaRPr>
+          </a:p>
+          <a:p>
+            <a:pPr>
+              <a:lnSpc>
+                <a:spcPct val="128000"/>
+              </a:lnSpc>
+              <a:tabLst>
+                <a:tab algn="l" pos="0"/>
+              </a:tabLst>
+            </a:pPr>
+            <a:endParaRPr b="0" lang="es-ES" sz="1200" spc="-1" strike="noStrike">
+              <a:latin typeface="Arial"/>
+            </a:endParaRPr>
+          </a:p>
+          <a:p>
+            <a:pPr>
+              <a:lnSpc>
+                <a:spcPct val="128000"/>
+              </a:lnSpc>
+              <a:tabLst>
+                <a:tab algn="l" pos="0"/>
+              </a:tabLst>
+            </a:pPr>
             <a:endParaRPr b="0" lang="es-ES" sz="1200" spc="-1" strike="noStrike">
               <a:latin typeface="Arial"/>
             </a:endParaRPr>
@@ -25363,6 +25500,9 @@
               </a:buClr>
               <a:buFont typeface="Arial"/>
               <a:buChar char="●"/>
+              <a:tabLst>
+                <a:tab algn="l" pos="0"/>
+              </a:tabLst>
             </a:pPr>
             <a:r>
               <a:rPr b="0" lang="en" sz="1200" spc="-1" strike="noStrike">
@@ -25375,62 +25515,8 @@
                 <a:latin typeface="Arial"/>
                 <a:ea typeface="Arial"/>
               </a:rPr>
-              <a:t>Determina la velocidad máxima para leer y escribir en un Topic.</a:t>
-            </a:r>
-            <a:endParaRPr b="0" lang="es-ES" sz="1200" spc="-1" strike="noStrike">
-              <a:latin typeface="Arial"/>
-            </a:endParaRPr>
-          </a:p>
-          <a:p>
-            <a:pPr marL="457200" indent="-304560">
-              <a:lnSpc>
-                <a:spcPct val="128000"/>
-              </a:lnSpc>
-              <a:buClr>
-                <a:srgbClr val="202124"/>
-              </a:buClr>
-              <a:buFont typeface="Arial"/>
-              <a:buChar char="●"/>
-            </a:pPr>
-            <a:r>
-              <a:rPr b="0" lang="en" sz="1200" spc="-1" strike="noStrike">
-                <a:solidFill>
-                  <a:srgbClr val="202124"/>
-                </a:solidFill>
-                <a:highlight>
-                  <a:srgbClr val="f8f9fa"/>
-                </a:highlight>
-                <a:latin typeface="Arial"/>
-                <a:ea typeface="Arial"/>
-              </a:rPr>
               <a:t>El orden de los mensajes está garantizado dentro de una partición (FIFO)</a:t>
             </a:r>
-            <a:endParaRPr b="0" lang="es-ES" sz="1200" spc="-1" strike="noStrike">
-              <a:latin typeface="Arial"/>
-            </a:endParaRPr>
-          </a:p>
-          <a:p>
-            <a:pPr>
-              <a:lnSpc>
-                <a:spcPct val="128000"/>
-              </a:lnSpc>
-              <a:tabLst>
-                <a:tab algn="l" pos="0"/>
-              </a:tabLst>
-            </a:pPr>
-            <a:endParaRPr b="0" lang="es-ES" sz="1200" spc="-1" strike="noStrike">
-              <a:latin typeface="Arial"/>
-            </a:endParaRPr>
-          </a:p>
-          <a:p>
-            <a:pPr>
-              <a:lnSpc>
-                <a:spcPct val="150000"/>
-              </a:lnSpc>
-              <a:tabLst>
-                <a:tab algn="l" pos="0"/>
-              </a:tabLst>
-            </a:pPr>
             <a:endParaRPr b="0" lang="es-ES" sz="1200" spc="-1" strike="noStrike">
               <a:latin typeface="Arial"/>
             </a:endParaRPr>
@@ -25449,31 +25535,8 @@
         </p:blipFill>
         <p:spPr>
           <a:xfrm>
-            <a:off x="7179480" y="2882160"/>
-            <a:ext cx="1673640" cy="961200"/>
-          </a:xfrm>
-          <a:prstGeom prst="rect">
-            <a:avLst/>
-          </a:prstGeom>
-          <a:ln>
-            <a:noFill/>
-          </a:ln>
-        </p:spPr>
-      </p:pic>
-      <p:pic>
-        <p:nvPicPr>
-          <p:cNvPr id="180" name="Google Shape;113;p19" descr=""/>
-          <p:cNvPicPr/>
-          <p:nvPr/>
-        </p:nvPicPr>
-        <p:blipFill>
-          <a:blip r:embed="rId2"/>
-          <a:stretch/>
-        </p:blipFill>
-        <p:spPr>
-          <a:xfrm>
-            <a:off x="318240" y="2154600"/>
-            <a:ext cx="6966720" cy="2268360"/>
+            <a:off x="3504240" y="2836800"/>
+            <a:ext cx="3744720" cy="1431720"/>
           </a:xfrm>
           <a:prstGeom prst="rect">
             <a:avLst/>
@@ -25515,7 +25578,7 @@
       </p:grpSpPr>
       <p:sp>
         <p:nvSpPr>
-          <p:cNvPr id="181" name="TextShape 1"/>
+          <p:cNvPr id="180" name="TextShape 1"/>
           <p:cNvSpPr txBox="1"/>
           <p:nvPr/>
         </p:nvSpPr>
@@ -25569,7 +25632,7 @@
       </p:sp>
       <p:sp>
         <p:nvSpPr>
-          <p:cNvPr id="182" name="CustomShape 2"/>
+          <p:cNvPr id="181" name="CustomShape 2"/>
           <p:cNvSpPr/>
           <p:nvPr/>
         </p:nvSpPr>
@@ -25936,7 +25999,7 @@
       </p:grpSpPr>
       <p:sp>
         <p:nvSpPr>
-          <p:cNvPr id="183" name="TextShape 1"/>
+          <p:cNvPr id="182" name="TextShape 1"/>
           <p:cNvSpPr txBox="1"/>
           <p:nvPr/>
         </p:nvSpPr>
@@ -25990,7 +26053,7 @@
       </p:sp>
       <p:sp>
         <p:nvSpPr>
-          <p:cNvPr id="184" name="CustomShape 2"/>
+          <p:cNvPr id="183" name="CustomShape 2"/>
           <p:cNvSpPr/>
           <p:nvPr/>
         </p:nvSpPr>

--- a/docs/KafkaClients-Producer-Consumer.pptx
+++ b/docs/KafkaClients-Producer-Consumer.pptx
@@ -6072,7 +6072,7 @@
                 <a:tab algn="l" pos="0"/>
               </a:tabLst>
             </a:pPr>
-            <a:fld id="{962D54D1-84E5-4E8E-B9ED-034CDE7053BA}" type="slidenum">
+            <a:fld id="{EA75A6FB-4EF9-4933-A045-6B45C17271E3}" type="slidenum">
               <a:rPr b="0" lang="en" sz="1000" spc="-1" strike="noStrike">
                 <a:solidFill>
                   <a:srgbClr val="ffffff"/>
@@ -6080,7 +6080,7 @@
                 <a:latin typeface="Lato"/>
                 <a:ea typeface="Lato"/>
               </a:rPr>
-              <a:t>&lt;número&gt;</a:t>
+              <a:t>1</a:t>
             </a:fld>
             <a:endParaRPr b="0" lang="es-ES" sz="1000" spc="-1" strike="noStrike">
               <a:latin typeface="Times New Roman"/>
@@ -6718,7 +6718,7 @@
                 <a:tab algn="l" pos="0"/>
               </a:tabLst>
             </a:pPr>
-            <a:fld id="{A2274B2B-60B0-467D-AA10-7ED84013BA27}" type="slidenum">
+            <a:fld id="{A71E191A-2B16-4F95-994A-52F57711D9BD}" type="slidenum">
               <a:rPr b="0" lang="en" sz="1000" spc="-1" strike="noStrike">
                 <a:solidFill>
                   <a:srgbClr val="ffffff"/>
@@ -6810,7 +6810,7 @@
                 <a:tab algn="l" pos="0"/>
               </a:tabLst>
             </a:pPr>
-            <a:fld id="{3FE5BCE3-AC5C-4188-B351-260DF87FD0B2}" type="slidenum">
+            <a:fld id="{6EE12F91-3B3E-4C13-883F-361B6738D479}" type="slidenum">
               <a:rPr b="0" lang="en" sz="1000" spc="-1" strike="noStrike">
                 <a:solidFill>
                   <a:srgbClr val="000000"/>
@@ -7291,7 +7291,7 @@
                 <a:tab algn="l" pos="0"/>
               </a:tabLst>
             </a:pPr>
-            <a:fld id="{C9FE38F7-8217-4DB5-ACFE-C47115A7BA11}" type="slidenum">
+            <a:fld id="{C3B5A26B-7137-4EC6-B789-A3E5B39A309A}" type="slidenum">
               <a:rPr b="0" lang="en" sz="1000" spc="-1" strike="noStrike">
                 <a:solidFill>
                   <a:srgbClr val="ffffff"/>
@@ -7743,7 +7743,7 @@
       </p:grpSpPr>
       <p:sp>
         <p:nvSpPr>
-          <p:cNvPr id="184" name="TextShape 1"/>
+          <p:cNvPr id="185" name="TextShape 1"/>
           <p:cNvSpPr txBox="1"/>
           <p:nvPr/>
         </p:nvSpPr>
@@ -7784,7 +7784,7 @@
                 <a:latin typeface="Raleway"/>
                 <a:ea typeface="Raleway"/>
               </a:rPr>
-              <a:t>Producer</a:t>
+              <a:t>Retention</a:t>
             </a:r>
             <a:endParaRPr b="0" lang="es-ES" sz="2000" spc="-1" strike="noStrike">
               <a:solidFill>
@@ -7797,14 +7797,14 @@
       </p:sp>
       <p:sp>
         <p:nvSpPr>
-          <p:cNvPr id="185" name="CustomShape 2"/>
+          <p:cNvPr id="186" name="CustomShape 2"/>
           <p:cNvSpPr/>
           <p:nvPr/>
         </p:nvSpPr>
         <p:spPr>
           <a:xfrm>
-            <a:off x="364320" y="1290240"/>
-            <a:ext cx="8341560" cy="1389240"/>
+            <a:off x="364320" y="1061640"/>
+            <a:ext cx="8341560" cy="3451680"/>
           </a:xfrm>
           <a:prstGeom prst="rect">
             <a:avLst/>
@@ -7846,7 +7846,7 @@
                 <a:latin typeface="Arial"/>
                 <a:ea typeface="Arial"/>
               </a:rPr>
-              <a:t>Crea los mensajes y los envía a los Topics</a:t>
+              <a:t>Por defecto los mensajes de mas de 7 dias se eliminan</a:t>
             </a:r>
             <a:endParaRPr b="0" lang="es-ES" sz="1200" spc="-1" strike="noStrike">
               <a:latin typeface="Arial"/>
@@ -7874,7 +7874,7 @@
                 <a:latin typeface="Arial"/>
                 <a:ea typeface="Arial"/>
               </a:rPr>
-              <a:t>Debe convertir mensajes en binarios</a:t>
+              <a:t>Por defecto un Topic puede ocupar todo el espacio disco</a:t>
             </a:r>
             <a:endParaRPr b="0" lang="es-ES" sz="1200" spc="-1" strike="noStrike">
               <a:latin typeface="Arial"/>
@@ -7902,7 +7902,89 @@
                 <a:latin typeface="Arial"/>
                 <a:ea typeface="Arial"/>
               </a:rPr>
-              <a:t>Debe gestionar el envío por lotes y la compresión de mensajes.</a:t>
+              <a:t>La retención se puede configurar a nivel de Broker o definirse por Topic</a:t>
+            </a:r>
+            <a:endParaRPr b="0" lang="es-ES" sz="1200" spc="-1" strike="noStrike">
+              <a:latin typeface="Arial"/>
+            </a:endParaRPr>
+          </a:p>
+          <a:p>
+            <a:pPr lvl="1" marL="914400" indent="-304560">
+              <a:lnSpc>
+                <a:spcPct val="128000"/>
+              </a:lnSpc>
+              <a:buClr>
+                <a:srgbClr val="202124"/>
+              </a:buClr>
+              <a:buFont typeface="Arial"/>
+              <a:buChar char="○"/>
+            </a:pPr>
+            <a:r>
+              <a:rPr b="1" lang="en" sz="1200" spc="-1" strike="noStrike">
+                <a:solidFill>
+                  <a:srgbClr val="2a3244"/>
+                </a:solidFill>
+                <a:highlight>
+                  <a:srgbClr val="ffffff"/>
+                </a:highlight>
+                <a:latin typeface="Arial"/>
+                <a:ea typeface="Arial"/>
+              </a:rPr>
+              <a:t>retention.ms</a:t>
+            </a:r>
+            <a:r>
+              <a:rPr b="0" lang="en" sz="1200" spc="-1" strike="noStrike">
+                <a:solidFill>
+                  <a:srgbClr val="2a3244"/>
+                </a:solidFill>
+                <a:highlight>
+                  <a:srgbClr val="ffffff"/>
+                </a:highlight>
+                <a:latin typeface="Arial"/>
+                <a:ea typeface="Arial"/>
+              </a:rPr>
+              <a:t>: tiempo máximo por partición</a:t>
+            </a:r>
+            <a:endParaRPr b="0" lang="es-ES" sz="1200" spc="-1" strike="noStrike">
+              <a:latin typeface="Arial"/>
+            </a:endParaRPr>
+          </a:p>
+          <a:p>
+            <a:pPr lvl="1" marL="914400" indent="-304560">
+              <a:lnSpc>
+                <a:spcPct val="128000"/>
+              </a:lnSpc>
+              <a:buClr>
+                <a:srgbClr val="2a3244"/>
+              </a:buClr>
+              <a:buFont typeface="Arial"/>
+              <a:buChar char="○"/>
+            </a:pPr>
+            <a:r>
+              <a:rPr b="1" lang="en" sz="1200" spc="-1" strike="noStrike">
+                <a:solidFill>
+                  <a:srgbClr val="2a3244"/>
+                </a:solidFill>
+                <a:highlight>
+                  <a:srgbClr val="ffffff"/>
+                </a:highlight>
+                <a:latin typeface="Arial"/>
+                <a:ea typeface="Arial"/>
+              </a:rPr>
+              <a:t>retention.bytes</a:t>
+            </a:r>
+            <a:r>
+              <a:rPr b="0" lang="en" sz="1200" spc="-1" strike="noStrike">
+                <a:solidFill>
+                  <a:srgbClr val="2a3244"/>
+                </a:solidFill>
+                <a:highlight>
+                  <a:srgbClr val="ffffff"/>
+                </a:highlight>
+                <a:latin typeface="Arial"/>
+                <a:ea typeface="Arial"/>
+              </a:rPr>
+              <a:t>: tamaño máximo por partición </a:t>
             </a:r>
             <a:endParaRPr b="0" lang="es-ES" sz="1200" spc="-1" strike="noStrike">
               <a:latin typeface="Arial"/>
@@ -7930,8 +8012,21 @@
                 <a:latin typeface="Arial"/>
                 <a:ea typeface="Arial"/>
               </a:rPr>
-              <a:t>Debe decidir si apuntar o no a una partición específica</a:t>
-            </a:r>
+              <a:t>La retención se puede actualizar al runtime:</a:t>
+            </a:r>
+            <a:endParaRPr b="0" lang="es-ES" sz="1200" spc="-1" strike="noStrike">
+              <a:latin typeface="Arial"/>
+            </a:endParaRPr>
+          </a:p>
+          <a:p>
+            <a:pPr marL="457200">
+              <a:lnSpc>
+                <a:spcPct val="128000"/>
+              </a:lnSpc>
+              <a:tabLst>
+                <a:tab algn="l" pos="0"/>
+              </a:tabLst>
+            </a:pPr>
             <a:endParaRPr b="0" lang="es-ES" sz="1200" spc="-1" strike="noStrike">
               <a:latin typeface="Arial"/>
             </a:endParaRPr>
@@ -7939,13 +8034,143 @@
           <a:p>
             <a:pPr>
               <a:lnSpc>
+                <a:spcPct val="128000"/>
+              </a:lnSpc>
+              <a:tabLst>
+                <a:tab algn="l" pos="0"/>
+              </a:tabLst>
+            </a:pPr>
+            <a:r>
+              <a:rPr b="0" lang="en" sz="1400" spc="-1" strike="noStrike">
+                <a:solidFill>
+                  <a:srgbClr val="4d4d4c"/>
+                </a:solidFill>
+                <a:highlight>
+                  <a:srgbClr val="ffffff"/>
+                </a:highlight>
+                <a:latin typeface="Courier New"/>
+                <a:ea typeface="Courier New"/>
+              </a:rPr>
+              <a:t>kafka-topics \</a:t>
+            </a:r>
+            <a:endParaRPr b="0" lang="es-ES" sz="1400" spc="-1" strike="noStrike">
+              <a:latin typeface="Arial"/>
+            </a:endParaRPr>
+          </a:p>
+          <a:p>
+            <a:pPr>
+              <a:lnSpc>
+                <a:spcPct val="128000"/>
+              </a:lnSpc>
+              <a:tabLst>
+                <a:tab algn="l" pos="0"/>
+              </a:tabLst>
+            </a:pPr>
+            <a:r>
+              <a:rPr b="0" lang="en" sz="1400" spc="-1" strike="noStrike">
+                <a:solidFill>
+                  <a:srgbClr val="4d4d4c"/>
+                </a:solidFill>
+                <a:highlight>
+                  <a:srgbClr val="ffffff"/>
+                </a:highlight>
+                <a:latin typeface="Courier New"/>
+                <a:ea typeface="Courier New"/>
+              </a:rPr>
+              <a:t>--zookeeper localhost:2181 \</a:t>
+            </a:r>
+            <a:endParaRPr b="0" lang="es-ES" sz="1400" spc="-1" strike="noStrike">
+              <a:latin typeface="Arial"/>
+            </a:endParaRPr>
+          </a:p>
+          <a:p>
+            <a:pPr>
+              <a:lnSpc>
+                <a:spcPct val="128000"/>
+              </a:lnSpc>
+              <a:tabLst>
+                <a:tab algn="l" pos="0"/>
+              </a:tabLst>
+            </a:pPr>
+            <a:r>
+              <a:rPr b="0" lang="en" sz="1400" spc="-1" strike="noStrike">
+                <a:solidFill>
+                  <a:srgbClr val="4d4d4c"/>
+                </a:solidFill>
+                <a:highlight>
+                  <a:srgbClr val="ffffff"/>
+                </a:highlight>
+                <a:latin typeface="Courier New"/>
+                <a:ea typeface="Courier New"/>
+              </a:rPr>
+              <a:t>--alter \</a:t>
+            </a:r>
+            <a:endParaRPr b="0" lang="es-ES" sz="1400" spc="-1" strike="noStrike">
+              <a:latin typeface="Arial"/>
+            </a:endParaRPr>
+          </a:p>
+          <a:p>
+            <a:pPr>
+              <a:lnSpc>
+                <a:spcPct val="128000"/>
+              </a:lnSpc>
+              <a:tabLst>
+                <a:tab algn="l" pos="0"/>
+              </a:tabLst>
+            </a:pPr>
+            <a:r>
+              <a:rPr b="0" lang="en" sz="1400" spc="-1" strike="noStrike">
+                <a:solidFill>
+                  <a:srgbClr val="4d4d4c"/>
+                </a:solidFill>
+                <a:highlight>
+                  <a:srgbClr val="ffffff"/>
+                </a:highlight>
+                <a:latin typeface="Courier New"/>
+                <a:ea typeface="Courier New"/>
+              </a:rPr>
+              <a:t>--topic customers \</a:t>
+            </a:r>
+            <a:endParaRPr b="0" lang="es-ES" sz="1400" spc="-1" strike="noStrike">
+              <a:latin typeface="Arial"/>
+            </a:endParaRPr>
+          </a:p>
+          <a:p>
+            <a:pPr>
+              <a:lnSpc>
+                <a:spcPct val="128000"/>
+              </a:lnSpc>
+              <a:tabLst>
+                <a:tab algn="l" pos="0"/>
+              </a:tabLst>
+            </a:pPr>
+            <a:r>
+              <a:rPr b="0" lang="en" sz="1400" spc="-1" strike="noStrike">
+                <a:solidFill>
+                  <a:srgbClr val="4d4d4c"/>
+                </a:solidFill>
+                <a:highlight>
+                  <a:srgbClr val="ffffff"/>
+                </a:highlight>
+                <a:latin typeface="Courier New"/>
+                <a:ea typeface="Courier New"/>
+              </a:rPr>
+              <a:t>--config retention.ms=604800000</a:t>
+            </a:r>
+            <a:endParaRPr b="0" lang="es-ES" sz="1400" spc="-1" strike="noStrike">
+              <a:latin typeface="Arial"/>
+            </a:endParaRPr>
+          </a:p>
+          <a:p>
+            <a:pPr>
+              <a:lnSpc>
                 <a:spcPct val="150000"/>
               </a:lnSpc>
               <a:tabLst>
                 <a:tab algn="l" pos="0"/>
               </a:tabLst>
             </a:pPr>
-            <a:endParaRPr b="0" lang="es-ES" sz="1200" spc="-1" strike="noStrike">
+            <a:endParaRPr b="0" lang="es-ES" sz="1400" spc="-1" strike="noStrike">
               <a:latin typeface="Arial"/>
             </a:endParaRPr>
           </a:p>
@@ -7981,29 +8206,6 @@
           <a:chExt cx="0" cy="0"/>
         </a:xfrm>
       </p:grpSpPr>
-      <p:pic>
-        <p:nvPicPr>
-          <p:cNvPr id="186" name="Google Shape;135;p23" descr=""/>
-          <p:cNvPicPr/>
-          <p:nvPr/>
-        </p:nvPicPr>
-        <p:blipFill>
-          <a:blip r:embed="rId1"/>
-          <a:stretch/>
-        </p:blipFill>
-        <p:spPr>
-          <a:xfrm>
-            <a:off x="2032920" y="2993760"/>
-            <a:ext cx="4685760" cy="2025720"/>
-          </a:xfrm>
-          <a:prstGeom prst="rect">
-            <a:avLst/>
-          </a:prstGeom>
-          <a:ln>
-            <a:noFill/>
-          </a:ln>
-        </p:spPr>
-      </p:pic>
       <p:sp>
         <p:nvSpPr>
           <p:cNvPr id="187" name="TextShape 1"/>
@@ -8047,7 +8249,7 @@
                 <a:latin typeface="Raleway"/>
                 <a:ea typeface="Raleway"/>
               </a:rPr>
-              <a:t>Partitioning</a:t>
+              <a:t>Producer</a:t>
             </a:r>
             <a:endParaRPr b="0" lang="es-ES" sz="2000" spc="-1" strike="noStrike">
               <a:solidFill>
@@ -8066,8 +8268,8 @@
         </p:nvSpPr>
         <p:spPr>
           <a:xfrm>
-            <a:off x="364320" y="604440"/>
-            <a:ext cx="8341560" cy="2595960"/>
+            <a:off x="364320" y="1290240"/>
+            <a:ext cx="8341560" cy="1389240"/>
           </a:xfrm>
           <a:prstGeom prst="rect">
             <a:avLst/>
@@ -8109,76 +8311,7 @@
                 <a:latin typeface="Arial"/>
                 <a:ea typeface="Arial"/>
               </a:rPr>
-              <a:t>2 Estrategias para particionar los mensajes:</a:t>
-            </a:r>
-            <a:endParaRPr b="0" lang="es-ES" sz="1200" spc="-1" strike="noStrike">
-              <a:latin typeface="Arial"/>
-            </a:endParaRPr>
-          </a:p>
-          <a:p>
-            <a:pPr lvl="1" marL="914400" indent="-304560">
-              <a:lnSpc>
-                <a:spcPct val="128000"/>
-              </a:lnSpc>
-              <a:buClr>
-                <a:srgbClr val="202124"/>
-              </a:buClr>
-              <a:buFont typeface="Arial"/>
-              <a:buChar char="○"/>
-            </a:pPr>
-            <a:r>
-              <a:rPr b="1" lang="en" sz="1200" spc="-1" strike="noStrike">
-                <a:solidFill>
-                  <a:srgbClr val="202124"/>
-                </a:solidFill>
-                <a:highlight>
-                  <a:srgbClr val="f8f9fa"/>
-                </a:highlight>
-                <a:latin typeface="Arial"/>
-                <a:ea typeface="Arial"/>
-              </a:rPr>
-              <a:t>round-robin</a:t>
-            </a:r>
-            <a:r>
-              <a:rPr b="0" lang="en" sz="1200" spc="-1" strike="noStrike">
-                <a:solidFill>
-                  <a:srgbClr val="202124"/>
-                </a:solidFill>
-                <a:highlight>
-                  <a:srgbClr val="f8f9fa"/>
-                </a:highlight>
-                <a:latin typeface="Arial"/>
-                <a:ea typeface="Arial"/>
-              </a:rPr>
-              <a:t> la key del mensaje es nula (null)</a:t>
-            </a:r>
-            <a:endParaRPr b="0" lang="es-ES" sz="1200" spc="-1" strike="noStrike">
-              <a:latin typeface="Arial"/>
-            </a:endParaRPr>
-          </a:p>
-          <a:p>
-            <a:pPr lvl="1" marL="914400" indent="-304560">
-              <a:lnSpc>
-                <a:spcPct val="150000"/>
-              </a:lnSpc>
-              <a:buClr>
-                <a:srgbClr val="2a3244"/>
-              </a:buClr>
-              <a:buFont typeface="Arial"/>
-              <a:buChar char="○"/>
-            </a:pPr>
-            <a:r>
-              <a:rPr b="1" lang="en" sz="1200" spc="-1" strike="noStrike">
-                <a:solidFill>
-                  <a:srgbClr val="2a3244"/>
-                </a:solidFill>
-                <a:highlight>
-                  <a:srgbClr val="ffffff"/>
-                </a:highlight>
-                <a:latin typeface="Arial"/>
-                <a:ea typeface="Arial"/>
-              </a:rPr>
-              <a:t>hash(key) % number_of_partitions</a:t>
+              <a:t>Crea los mensajes y los envía a los Topics</a:t>
             </a:r>
             <a:endParaRPr b="0" lang="es-ES" sz="1200" spc="-1" strike="noStrike">
               <a:latin typeface="Arial"/>
@@ -8206,7 +8339,7 @@
                 <a:latin typeface="Arial"/>
                 <a:ea typeface="Arial"/>
               </a:rPr>
-              <a:t>El Producer puede definir su propia estrategia implementando el interface Partitioner</a:t>
+              <a:t>Debe convertir mensajes en binarios</a:t>
             </a:r>
             <a:endParaRPr b="0" lang="es-ES" sz="1200" spc="-1" strike="noStrike">
               <a:latin typeface="Arial"/>
@@ -8234,63 +8367,7 @@
                 <a:latin typeface="Arial"/>
                 <a:ea typeface="Arial"/>
               </a:rPr>
-              <a:t>Permite: </a:t>
-            </a:r>
-            <a:endParaRPr b="0" lang="es-ES" sz="1200" spc="-1" strike="noStrike">
-              <a:latin typeface="Arial"/>
-            </a:endParaRPr>
-          </a:p>
-          <a:p>
-            <a:pPr lvl="1" marL="914400" indent="-304560">
-              <a:lnSpc>
-                <a:spcPct val="128000"/>
-              </a:lnSpc>
-              <a:buClr>
-                <a:srgbClr val="202124"/>
-              </a:buClr>
-              <a:buFont typeface="Arial"/>
-              <a:buChar char="○"/>
-            </a:pPr>
-            <a:r>
-              <a:rPr b="0" lang="en" sz="1200" spc="-1" strike="noStrike">
-                <a:solidFill>
-                  <a:srgbClr val="202124"/>
-                </a:solidFill>
-                <a:highlight>
-                  <a:srgbClr val="f8f9fa"/>
-                </a:highlight>
-                <a:latin typeface="Arial"/>
-                <a:ea typeface="Arial"/>
-              </a:rPr>
-              <a:t>Garantizar una distribución equitativa en el seno de un Topic</a:t>
-            </a:r>
-            <a:endParaRPr b="0" lang="es-ES" sz="1200" spc="-1" strike="noStrike">
-              <a:latin typeface="Arial"/>
-            </a:endParaRPr>
-          </a:p>
-          <a:p>
-            <a:pPr lvl="1" marL="914400" indent="-304560">
-              <a:lnSpc>
-                <a:spcPct val="128000"/>
-              </a:lnSpc>
-              <a:buClr>
-                <a:srgbClr val="202124"/>
-              </a:buClr>
-              <a:buFont typeface="Arial"/>
-              <a:buChar char="○"/>
-            </a:pPr>
-            <a:r>
-              <a:rPr b="0" lang="en" sz="1200" spc="-1" strike="noStrike">
-                <a:solidFill>
-                  <a:srgbClr val="202124"/>
-                </a:solidFill>
-                <a:highlight>
-                  <a:srgbClr val="f8f9fa"/>
-                </a:highlight>
-                <a:latin typeface="Arial"/>
-                <a:ea typeface="Arial"/>
-              </a:rPr>
-              <a:t>Asociar una partición con un grupo de mensajes</a:t>
+              <a:t>Debe gestionar el envío por lotes y la compresión de mensajes.</a:t>
             </a:r>
             <a:endParaRPr b="0" lang="es-ES" sz="1200" spc="-1" strike="noStrike">
               <a:latin typeface="Arial"/>
@@ -8318,35 +8395,7 @@
                 <a:latin typeface="Arial"/>
                 <a:ea typeface="Arial"/>
               </a:rPr>
-              <a:t>Los mensajes con la misma Key se enviaran en la misma partición</a:t>
-            </a:r>
-            <a:endParaRPr b="0" lang="es-ES" sz="1200" spc="-1" strike="noStrike">
-              <a:latin typeface="Arial"/>
-            </a:endParaRPr>
-          </a:p>
-          <a:p>
-            <a:pPr marL="457200" indent="-304560">
-              <a:lnSpc>
-                <a:spcPct val="128000"/>
-              </a:lnSpc>
-              <a:buClr>
-                <a:srgbClr val="202124"/>
-              </a:buClr>
-              <a:buFont typeface="Arial"/>
-              <a:buChar char="●"/>
-            </a:pPr>
-            <a:r>
-              <a:rPr b="0" lang="en" sz="1200" spc="-1" strike="noStrike">
-                <a:solidFill>
-                  <a:srgbClr val="202124"/>
-                </a:solidFill>
-                <a:highlight>
-                  <a:srgbClr val="f8f9fa"/>
-                </a:highlight>
-                <a:latin typeface="Arial"/>
-                <a:ea typeface="Arial"/>
-              </a:rPr>
-              <a:t>Las Keys deben ser lo suficientemente diversificadas para garantizar una buen distribución de los mensajes.    </a:t>
+              <a:t>Debe decidir si apuntar o no a una partición específica</a:t>
             </a:r>
             <a:endParaRPr b="0" lang="es-ES" sz="1200" spc="-1" strike="noStrike">
               <a:latin typeface="Arial"/>
@@ -25576,9 +25625,32 @@
           <a:chExt cx="0" cy="0"/>
         </a:xfrm>
       </p:grpSpPr>
+      <p:pic>
+        <p:nvPicPr>
+          <p:cNvPr id="180" name="Google Shape;117;p20" descr=""/>
+          <p:cNvPicPr/>
+          <p:nvPr/>
+        </p:nvPicPr>
+        <p:blipFill>
+          <a:blip r:embed="rId1"/>
+          <a:stretch/>
+        </p:blipFill>
+        <p:spPr>
+          <a:xfrm>
+            <a:off x="2032920" y="2993760"/>
+            <a:ext cx="4685760" cy="2025720"/>
+          </a:xfrm>
+          <a:prstGeom prst="rect">
+            <a:avLst/>
+          </a:prstGeom>
+          <a:ln>
+            <a:noFill/>
+          </a:ln>
+        </p:spPr>
+      </p:pic>
       <p:sp>
         <p:nvSpPr>
-          <p:cNvPr id="180" name="TextShape 1"/>
+          <p:cNvPr id="181" name="TextShape 1"/>
           <p:cNvSpPr txBox="1"/>
           <p:nvPr/>
         </p:nvSpPr>
@@ -25619,7 +25691,7 @@
                 <a:latin typeface="Raleway"/>
                 <a:ea typeface="Raleway"/>
               </a:rPr>
-              <a:t>Offsets</a:t>
+              <a:t>Partitioning</a:t>
             </a:r>
             <a:endParaRPr b="0" lang="es-ES" sz="2000" spc="-1" strike="noStrike">
               <a:solidFill>
@@ -25632,14 +25704,14 @@
       </p:sp>
       <p:sp>
         <p:nvSpPr>
-          <p:cNvPr id="181" name="CustomShape 2"/>
+          <p:cNvPr id="182" name="CustomShape 2"/>
           <p:cNvSpPr/>
           <p:nvPr/>
         </p:nvSpPr>
         <p:spPr>
           <a:xfrm>
-            <a:off x="364320" y="1061640"/>
-            <a:ext cx="8341560" cy="3022200"/>
+            <a:off x="364320" y="604440"/>
+            <a:ext cx="8341560" cy="2595960"/>
           </a:xfrm>
           <a:prstGeom prst="rect">
             <a:avLst/>
@@ -25681,7 +25753,7 @@
                 <a:latin typeface="Arial"/>
                 <a:ea typeface="Arial"/>
               </a:rPr>
-              <a:t>Índice de un mensaje dentro de una partición con las siguientes propiedades:</a:t>
+              <a:t>2 Estrategias para particionar los mensajes:</a:t>
             </a:r>
             <a:endParaRPr b="0" lang="es-ES" sz="1200" spc="-1" strike="noStrike">
               <a:latin typeface="Arial"/>
@@ -25699,6 +25771,19 @@
               <a:buChar char="○"/>
             </a:pPr>
             <a:r>
+              <a:rPr b="1" lang="en" sz="1200" spc="-1" strike="noStrike">
+                <a:solidFill>
+                  <a:srgbClr val="202124"/>
+                </a:solidFill>
+                <a:highlight>
+                  <a:srgbClr val="f8f9fa"/>
+                </a:highlight>
+                <a:latin typeface="Arial"/>
+                <a:ea typeface="Arial"/>
+              </a:rPr>
+              <a:t>round-robin</a:t>
+            </a:r>
+            <a:r>
               <a:rPr b="0" lang="en" sz="1200" spc="-1" strike="noStrike">
                 <a:solidFill>
                   <a:srgbClr val="202124"/>
@@ -25709,7 +25794,91 @@
                 <a:latin typeface="Arial"/>
                 <a:ea typeface="Arial"/>
               </a:rPr>
-              <a:t>Siempre positivo</a:t>
+              <a:t> la key del mensaje es nula (null)</a:t>
+            </a:r>
+            <a:endParaRPr b="0" lang="es-ES" sz="1200" spc="-1" strike="noStrike">
+              <a:latin typeface="Arial"/>
+            </a:endParaRPr>
+          </a:p>
+          <a:p>
+            <a:pPr lvl="1" marL="914400" indent="-304560">
+              <a:lnSpc>
+                <a:spcPct val="150000"/>
+              </a:lnSpc>
+              <a:buClr>
+                <a:srgbClr val="2a3244"/>
+              </a:buClr>
+              <a:buFont typeface="Arial"/>
+              <a:buChar char="○"/>
+            </a:pPr>
+            <a:r>
+              <a:rPr b="1" lang="en" sz="1200" spc="-1" strike="noStrike">
+                <a:solidFill>
+                  <a:srgbClr val="2a3244"/>
+                </a:solidFill>
+                <a:highlight>
+                  <a:srgbClr val="ffffff"/>
+                </a:highlight>
+                <a:latin typeface="Arial"/>
+                <a:ea typeface="Arial"/>
+              </a:rPr>
+              <a:t>hash(key) % number_of_partitions</a:t>
+            </a:r>
+            <a:endParaRPr b="0" lang="es-ES" sz="1200" spc="-1" strike="noStrike">
+              <a:latin typeface="Arial"/>
+            </a:endParaRPr>
+          </a:p>
+          <a:p>
+            <a:pPr marL="457200" indent="-304560">
+              <a:lnSpc>
+                <a:spcPct val="128000"/>
+              </a:lnSpc>
+              <a:buClr>
+                <a:srgbClr val="202124"/>
+              </a:buClr>
+              <a:buFont typeface="Arial"/>
+              <a:buChar char="●"/>
+            </a:pPr>
+            <a:r>
+              <a:rPr b="0" lang="en" sz="1200" spc="-1" strike="noStrike">
+                <a:solidFill>
+                  <a:srgbClr val="202124"/>
+                </a:solidFill>
+                <a:highlight>
+                  <a:srgbClr val="f8f9fa"/>
+                </a:highlight>
+                <a:latin typeface="Arial"/>
+                <a:ea typeface="Arial"/>
+              </a:rPr>
+              <a:t>El Producer puede definir su propia estrategia implementando el interface Partitioner</a:t>
+            </a:r>
+            <a:endParaRPr b="0" lang="es-ES" sz="1200" spc="-1" strike="noStrike">
+              <a:latin typeface="Arial"/>
+            </a:endParaRPr>
+          </a:p>
+          <a:p>
+            <a:pPr marL="457200" indent="-304560">
+              <a:lnSpc>
+                <a:spcPct val="128000"/>
+              </a:lnSpc>
+              <a:buClr>
+                <a:srgbClr val="202124"/>
+              </a:buClr>
+              <a:buFont typeface="Arial"/>
+              <a:buChar char="●"/>
+            </a:pPr>
+            <a:r>
+              <a:rPr b="0" lang="en" sz="1200" spc="-1" strike="noStrike">
+                <a:solidFill>
+                  <a:srgbClr val="202124"/>
+                </a:solidFill>
+                <a:highlight>
+                  <a:srgbClr val="f8f9fa"/>
+                </a:highlight>
+                <a:latin typeface="Arial"/>
+                <a:ea typeface="Arial"/>
+              </a:rPr>
+              <a:t>Permite: </a:t>
             </a:r>
             <a:endParaRPr b="0" lang="es-ES" sz="1200" spc="-1" strike="noStrike">
               <a:latin typeface="Arial"/>
@@ -25737,7 +25906,7 @@
                 <a:latin typeface="Arial"/>
                 <a:ea typeface="Arial"/>
               </a:rPr>
-              <a:t>Único dentro de una partición</a:t>
+              <a:t>Garantizar una distribución equitativa en el seno de un Topic</a:t>
             </a:r>
             <a:endParaRPr b="0" lang="es-ES" sz="1200" spc="-1" strike="noStrike">
               <a:latin typeface="Arial"/>
@@ -25765,21 +25934,8 @@
                 <a:latin typeface="Arial"/>
                 <a:ea typeface="Arial"/>
               </a:rPr>
-              <a:t>Incrementado</a:t>
-            </a:r>
-            <a:endParaRPr b="0" lang="es-ES" sz="1200" spc="-1" strike="noStrike">
-              <a:latin typeface="Arial"/>
-            </a:endParaRPr>
-          </a:p>
-          <a:p>
-            <a:pPr>
-              <a:lnSpc>
-                <a:spcPct val="128000"/>
-              </a:lnSpc>
-              <a:tabLst>
-                <a:tab algn="l" pos="0"/>
-              </a:tabLst>
-            </a:pPr>
+              <a:t>Asociar una partición con un grupo de mensajes</a:t>
+            </a:r>
             <a:endParaRPr b="0" lang="es-ES" sz="1200" spc="-1" strike="noStrike">
               <a:latin typeface="Arial"/>
             </a:endParaRPr>
@@ -25794,9 +25950,6 @@
               </a:buClr>
               <a:buFont typeface="Arial"/>
               <a:buChar char="●"/>
-              <a:tabLst>
-                <a:tab algn="l" pos="0"/>
-              </a:tabLst>
             </a:pPr>
             <a:r>
               <a:rPr b="0" lang="en" sz="1200" spc="-1" strike="noStrike">
@@ -25809,100 +25962,7 @@
                 <a:latin typeface="Arial"/>
                 <a:ea typeface="Arial"/>
               </a:rPr>
-              <a:t>Un mensaje se identifica por el triplete:</a:t>
-            </a:r>
-            <a:endParaRPr b="0" lang="es-ES" sz="1200" spc="-1" strike="noStrike">
-              <a:latin typeface="Arial"/>
-            </a:endParaRPr>
-          </a:p>
-          <a:p>
-            <a:pPr lvl="1" marL="914400" indent="-304560">
-              <a:lnSpc>
-                <a:spcPct val="128000"/>
-              </a:lnSpc>
-              <a:buClr>
-                <a:srgbClr val="202124"/>
-              </a:buClr>
-              <a:buFont typeface="Arial"/>
-              <a:buChar char="○"/>
-              <a:tabLst>
-                <a:tab algn="l" pos="0"/>
-              </a:tabLst>
-            </a:pPr>
-            <a:r>
-              <a:rPr b="0" lang="en" sz="1200" spc="-1" strike="noStrike">
-                <a:solidFill>
-                  <a:srgbClr val="202124"/>
-                </a:solidFill>
-                <a:highlight>
-                  <a:srgbClr val="f8f9fa"/>
-                </a:highlight>
-                <a:latin typeface="Arial"/>
-                <a:ea typeface="Arial"/>
-              </a:rPr>
-              <a:t>Topic</a:t>
-            </a:r>
-            <a:endParaRPr b="0" lang="es-ES" sz="1200" spc="-1" strike="noStrike">
-              <a:latin typeface="Arial"/>
-            </a:endParaRPr>
-          </a:p>
-          <a:p>
-            <a:pPr lvl="1" marL="914400" indent="-304560">
-              <a:lnSpc>
-                <a:spcPct val="128000"/>
-              </a:lnSpc>
-              <a:buClr>
-                <a:srgbClr val="202124"/>
-              </a:buClr>
-              <a:buFont typeface="Arial"/>
-              <a:buChar char="○"/>
-              <a:tabLst>
-                <a:tab algn="l" pos="0"/>
-              </a:tabLst>
-            </a:pPr>
-            <a:r>
-              <a:rPr b="0" lang="en" sz="1200" spc="-1" strike="noStrike">
-                <a:solidFill>
-                  <a:srgbClr val="202124"/>
-                </a:solidFill>
-                <a:highlight>
-                  <a:srgbClr val="f8f9fa"/>
-                </a:highlight>
-                <a:latin typeface="Arial"/>
-                <a:ea typeface="Arial"/>
-              </a:rPr>
-              <a:t>Partition</a:t>
-            </a:r>
-            <a:endParaRPr b="0" lang="es-ES" sz="1200" spc="-1" strike="noStrike">
-              <a:latin typeface="Arial"/>
-            </a:endParaRPr>
-          </a:p>
-          <a:p>
-            <a:pPr lvl="1" marL="914400" indent="-304560">
-              <a:lnSpc>
-                <a:spcPct val="128000"/>
-              </a:lnSpc>
-              <a:buClr>
-                <a:srgbClr val="202124"/>
-              </a:buClr>
-              <a:buFont typeface="Arial"/>
-              <a:buChar char="○"/>
-              <a:tabLst>
-                <a:tab algn="l" pos="0"/>
-              </a:tabLst>
-            </a:pPr>
-            <a:r>
-              <a:rPr b="0" lang="en" sz="1200" spc="-1" strike="noStrike">
-                <a:solidFill>
-                  <a:srgbClr val="202124"/>
-                </a:solidFill>
-                <a:highlight>
-                  <a:srgbClr val="f8f9fa"/>
-                </a:highlight>
-                <a:latin typeface="Arial"/>
-                <a:ea typeface="Arial"/>
-              </a:rPr>
-              <a:t>Offset</a:t>
+              <a:t>Los mensajes con la misma Key se enviaran en la misma partición</a:t>
             </a:r>
             <a:endParaRPr b="0" lang="es-ES" sz="1200" spc="-1" strike="noStrike">
               <a:latin typeface="Arial"/>
@@ -25918,9 +25978,6 @@
               </a:buClr>
               <a:buFont typeface="Arial"/>
               <a:buChar char="●"/>
-              <a:tabLst>
-                <a:tab algn="l" pos="0"/>
-              </a:tabLst>
             </a:pPr>
             <a:r>
               <a:rPr b="0" lang="en" sz="1200" spc="-1" strike="noStrike">
@@ -25933,21 +25990,8 @@
                 <a:latin typeface="Arial"/>
                 <a:ea typeface="Arial"/>
               </a:rPr>
-              <a:t>Se asocia un timestamp con cada mensaje, útil para realizar una búsqueda de dicotomía.</a:t>
-            </a:r>
-            <a:endParaRPr b="0" lang="es-ES" sz="1200" spc="-1" strike="noStrike">
-              <a:latin typeface="Arial"/>
-            </a:endParaRPr>
-          </a:p>
-          <a:p>
-            <a:pPr>
-              <a:lnSpc>
-                <a:spcPct val="128000"/>
-              </a:lnSpc>
-              <a:tabLst>
-                <a:tab algn="l" pos="0"/>
-              </a:tabLst>
-            </a:pPr>
+              <a:t>Las Keys deben ser lo suficientemente diversificadas para garantizar una buen distribución de los mensajes.    </a:t>
+            </a:r>
             <a:endParaRPr b="0" lang="es-ES" sz="1200" spc="-1" strike="noStrike">
               <a:latin typeface="Arial"/>
             </a:endParaRPr>
@@ -25999,7 +26043,7 @@
       </p:grpSpPr>
       <p:sp>
         <p:nvSpPr>
-          <p:cNvPr id="182" name="TextShape 1"/>
+          <p:cNvPr id="183" name="TextShape 1"/>
           <p:cNvSpPr txBox="1"/>
           <p:nvPr/>
         </p:nvSpPr>
@@ -26040,7 +26084,7 @@
                 <a:latin typeface="Raleway"/>
                 <a:ea typeface="Raleway"/>
               </a:rPr>
-              <a:t>Retention</a:t>
+              <a:t>Offsets</a:t>
             </a:r>
             <a:endParaRPr b="0" lang="es-ES" sz="2000" spc="-1" strike="noStrike">
               <a:solidFill>
@@ -26053,14 +26097,14 @@
       </p:sp>
       <p:sp>
         <p:nvSpPr>
-          <p:cNvPr id="183" name="CustomShape 2"/>
+          <p:cNvPr id="184" name="CustomShape 2"/>
           <p:cNvSpPr/>
           <p:nvPr/>
         </p:nvSpPr>
         <p:spPr>
           <a:xfrm>
             <a:off x="364320" y="1061640"/>
-            <a:ext cx="8341560" cy="3451680"/>
+            <a:ext cx="8341560" cy="3022200"/>
           </a:xfrm>
           <a:prstGeom prst="rect">
             <a:avLst/>
@@ -26102,8 +26146,105 @@
                 <a:latin typeface="Arial"/>
                 <a:ea typeface="Arial"/>
               </a:rPr>
-              <a:t>Por defecto los mensajes de mas de 7 dias se eliminan</a:t>
-            </a:r>
+              <a:t>Índice de un mensaje dentro de una partición con las siguientes propiedades:</a:t>
+            </a:r>
+            <a:endParaRPr b="0" lang="es-ES" sz="1200" spc="-1" strike="noStrike">
+              <a:latin typeface="Arial"/>
+            </a:endParaRPr>
+          </a:p>
+          <a:p>
+            <a:pPr lvl="1" marL="914400" indent="-304560">
+              <a:lnSpc>
+                <a:spcPct val="128000"/>
+              </a:lnSpc>
+              <a:buClr>
+                <a:srgbClr val="202124"/>
+              </a:buClr>
+              <a:buFont typeface="Arial"/>
+              <a:buChar char="○"/>
+            </a:pPr>
+            <a:r>
+              <a:rPr b="0" lang="en" sz="1200" spc="-1" strike="noStrike">
+                <a:solidFill>
+                  <a:srgbClr val="202124"/>
+                </a:solidFill>
+                <a:highlight>
+                  <a:srgbClr val="f8f9fa"/>
+                </a:highlight>
+                <a:latin typeface="Arial"/>
+                <a:ea typeface="Arial"/>
+              </a:rPr>
+              <a:t>Siempre positivo</a:t>
+            </a:r>
+            <a:endParaRPr b="0" lang="es-ES" sz="1200" spc="-1" strike="noStrike">
+              <a:latin typeface="Arial"/>
+            </a:endParaRPr>
+          </a:p>
+          <a:p>
+            <a:pPr lvl="1" marL="914400" indent="-304560">
+              <a:lnSpc>
+                <a:spcPct val="128000"/>
+              </a:lnSpc>
+              <a:buClr>
+                <a:srgbClr val="202124"/>
+              </a:buClr>
+              <a:buFont typeface="Arial"/>
+              <a:buChar char="○"/>
+            </a:pPr>
+            <a:r>
+              <a:rPr b="0" lang="en" sz="1200" spc="-1" strike="noStrike">
+                <a:solidFill>
+                  <a:srgbClr val="202124"/>
+                </a:solidFill>
+                <a:highlight>
+                  <a:srgbClr val="f8f9fa"/>
+                </a:highlight>
+                <a:latin typeface="Arial"/>
+                <a:ea typeface="Arial"/>
+              </a:rPr>
+              <a:t>Único dentro de una partición</a:t>
+            </a:r>
+            <a:endParaRPr b="0" lang="es-ES" sz="1200" spc="-1" strike="noStrike">
+              <a:latin typeface="Arial"/>
+            </a:endParaRPr>
+          </a:p>
+          <a:p>
+            <a:pPr lvl="1" marL="914400" indent="-304560">
+              <a:lnSpc>
+                <a:spcPct val="128000"/>
+              </a:lnSpc>
+              <a:buClr>
+                <a:srgbClr val="202124"/>
+              </a:buClr>
+              <a:buFont typeface="Arial"/>
+              <a:buChar char="○"/>
+            </a:pPr>
+            <a:r>
+              <a:rPr b="0" lang="en" sz="1200" spc="-1" strike="noStrike">
+                <a:solidFill>
+                  <a:srgbClr val="202124"/>
+                </a:solidFill>
+                <a:highlight>
+                  <a:srgbClr val="f8f9fa"/>
+                </a:highlight>
+                <a:latin typeface="Arial"/>
+                <a:ea typeface="Arial"/>
+              </a:rPr>
+              <a:t>Incrementado</a:t>
+            </a:r>
+            <a:endParaRPr b="0" lang="es-ES" sz="1200" spc="-1" strike="noStrike">
+              <a:latin typeface="Arial"/>
+            </a:endParaRPr>
+          </a:p>
+          <a:p>
+            <a:pPr>
+              <a:lnSpc>
+                <a:spcPct val="128000"/>
+              </a:lnSpc>
+              <a:tabLst>
+                <a:tab algn="l" pos="0"/>
+              </a:tabLst>
+            </a:pPr>
             <a:endParaRPr b="0" lang="es-ES" sz="1200" spc="-1" strike="noStrike">
               <a:latin typeface="Arial"/>
             </a:endParaRPr>
@@ -26118,6 +26259,9 @@
               </a:buClr>
               <a:buFont typeface="Arial"/>
               <a:buChar char="●"/>
+              <a:tabLst>
+                <a:tab algn="l" pos="0"/>
+              </a:tabLst>
             </a:pPr>
             <a:r>
               <a:rPr b="0" lang="en" sz="1200" spc="-1" strike="noStrike">
@@ -26130,7 +26274,100 @@
                 <a:latin typeface="Arial"/>
                 <a:ea typeface="Arial"/>
               </a:rPr>
-              <a:t>Por defecto un Topic puede ocupar todo el espacio disco</a:t>
+              <a:t>Un mensaje se identifica por el triplete:</a:t>
+            </a:r>
+            <a:endParaRPr b="0" lang="es-ES" sz="1200" spc="-1" strike="noStrike">
+              <a:latin typeface="Arial"/>
+            </a:endParaRPr>
+          </a:p>
+          <a:p>
+            <a:pPr lvl="1" marL="914400" indent="-304560">
+              <a:lnSpc>
+                <a:spcPct val="128000"/>
+              </a:lnSpc>
+              <a:buClr>
+                <a:srgbClr val="202124"/>
+              </a:buClr>
+              <a:buFont typeface="Arial"/>
+              <a:buChar char="○"/>
+              <a:tabLst>
+                <a:tab algn="l" pos="0"/>
+              </a:tabLst>
+            </a:pPr>
+            <a:r>
+              <a:rPr b="0" lang="en" sz="1200" spc="-1" strike="noStrike">
+                <a:solidFill>
+                  <a:srgbClr val="202124"/>
+                </a:solidFill>
+                <a:highlight>
+                  <a:srgbClr val="f8f9fa"/>
+                </a:highlight>
+                <a:latin typeface="Arial"/>
+                <a:ea typeface="Arial"/>
+              </a:rPr>
+              <a:t>Topic</a:t>
+            </a:r>
+            <a:endParaRPr b="0" lang="es-ES" sz="1200" spc="-1" strike="noStrike">
+              <a:latin typeface="Arial"/>
+            </a:endParaRPr>
+          </a:p>
+          <a:p>
+            <a:pPr lvl="1" marL="914400" indent="-304560">
+              <a:lnSpc>
+                <a:spcPct val="128000"/>
+              </a:lnSpc>
+              <a:buClr>
+                <a:srgbClr val="202124"/>
+              </a:buClr>
+              <a:buFont typeface="Arial"/>
+              <a:buChar char="○"/>
+              <a:tabLst>
+                <a:tab algn="l" pos="0"/>
+              </a:tabLst>
+            </a:pPr>
+            <a:r>
+              <a:rPr b="0" lang="en" sz="1200" spc="-1" strike="noStrike">
+                <a:solidFill>
+                  <a:srgbClr val="202124"/>
+                </a:solidFill>
+                <a:highlight>
+                  <a:srgbClr val="f8f9fa"/>
+                </a:highlight>
+                <a:latin typeface="Arial"/>
+                <a:ea typeface="Arial"/>
+              </a:rPr>
+              <a:t>Partition</a:t>
+            </a:r>
+            <a:endParaRPr b="0" lang="es-ES" sz="1200" spc="-1" strike="noStrike">
+              <a:latin typeface="Arial"/>
+            </a:endParaRPr>
+          </a:p>
+          <a:p>
+            <a:pPr lvl="1" marL="914400" indent="-304560">
+              <a:lnSpc>
+                <a:spcPct val="128000"/>
+              </a:lnSpc>
+              <a:buClr>
+                <a:srgbClr val="202124"/>
+              </a:buClr>
+              <a:buFont typeface="Arial"/>
+              <a:buChar char="○"/>
+              <a:tabLst>
+                <a:tab algn="l" pos="0"/>
+              </a:tabLst>
+            </a:pPr>
+            <a:r>
+              <a:rPr b="0" lang="en" sz="1200" spc="-1" strike="noStrike">
+                <a:solidFill>
+                  <a:srgbClr val="202124"/>
+                </a:solidFill>
+                <a:highlight>
+                  <a:srgbClr val="f8f9fa"/>
+                </a:highlight>
+                <a:latin typeface="Arial"/>
+                <a:ea typeface="Arial"/>
+              </a:rPr>
+              <a:t>Offset</a:t>
             </a:r>
             <a:endParaRPr b="0" lang="es-ES" sz="1200" spc="-1" strike="noStrike">
               <a:latin typeface="Arial"/>
@@ -26146,6 +26383,9 @@
               </a:buClr>
               <a:buFont typeface="Arial"/>
               <a:buChar char="●"/>
+              <a:tabLst>
+                <a:tab algn="l" pos="0"/>
+              </a:tabLst>
             </a:pPr>
             <a:r>
               <a:rPr b="0" lang="en" sz="1200" spc="-1" strike="noStrike">
@@ -26158,127 +26398,17 @@
                 <a:latin typeface="Arial"/>
                 <a:ea typeface="Arial"/>
               </a:rPr>
-              <a:t>La retención se puede configurar a nivel de Broker o definirse por Topic</a:t>
-            </a:r>
-            <a:endParaRPr b="0" lang="es-ES" sz="1200" spc="-1" strike="noStrike">
-              <a:latin typeface="Arial"/>
-            </a:endParaRPr>
-          </a:p>
-          <a:p>
-            <a:pPr lvl="1" marL="914400" indent="-304560">
+              <a:t>Se asocia un timestamp con cada mensaje, útil para realizar una búsqueda de dicotomía.</a:t>
+            </a:r>
+            <a:endParaRPr b="0" lang="es-ES" sz="1200" spc="-1" strike="noStrike">
+              <a:latin typeface="Arial"/>
+            </a:endParaRPr>
+          </a:p>
+          <a:p>
+            <a:pPr>
               <a:lnSpc>
                 <a:spcPct val="128000"/>
               </a:lnSpc>
-              <a:buClr>
-                <a:srgbClr val="202124"/>
-              </a:buClr>
-              <a:buFont typeface="Arial"/>
-              <a:buChar char="○"/>
-            </a:pPr>
-            <a:r>
-              <a:rPr b="1" lang="en" sz="1200" spc="-1" strike="noStrike">
-                <a:solidFill>
-                  <a:srgbClr val="2a3244"/>
-                </a:solidFill>
-                <a:highlight>
-                  <a:srgbClr val="ffffff"/>
-                </a:highlight>
-                <a:latin typeface="Arial"/>
-                <a:ea typeface="Arial"/>
-              </a:rPr>
-              <a:t>retention.ms</a:t>
-            </a:r>
-            <a:r>
-              <a:rPr b="0" lang="en" sz="1200" spc="-1" strike="noStrike">
-                <a:solidFill>
-                  <a:srgbClr val="2a3244"/>
-                </a:solidFill>
-                <a:highlight>
-                  <a:srgbClr val="ffffff"/>
-                </a:highlight>
-                <a:latin typeface="Arial"/>
-                <a:ea typeface="Arial"/>
-              </a:rPr>
-              <a:t>: tiempo máximo por partición</a:t>
-            </a:r>
-            <a:endParaRPr b="0" lang="es-ES" sz="1200" spc="-1" strike="noStrike">
-              <a:latin typeface="Arial"/>
-            </a:endParaRPr>
-          </a:p>
-          <a:p>
-            <a:pPr lvl="1" marL="914400" indent="-304560">
-              <a:lnSpc>
-                <a:spcPct val="128000"/>
-              </a:lnSpc>
-              <a:buClr>
-                <a:srgbClr val="2a3244"/>
-              </a:buClr>
-              <a:buFont typeface="Arial"/>
-              <a:buChar char="○"/>
-            </a:pPr>
-            <a:r>
-              <a:rPr b="1" lang="en" sz="1200" spc="-1" strike="noStrike">
-                <a:solidFill>
-                  <a:srgbClr val="2a3244"/>
-                </a:solidFill>
-                <a:highlight>
-                  <a:srgbClr val="ffffff"/>
-                </a:highlight>
-                <a:latin typeface="Arial"/>
-                <a:ea typeface="Arial"/>
-              </a:rPr>
-              <a:t>retention.bytes</a:t>
-            </a:r>
-            <a:r>
-              <a:rPr b="0" lang="en" sz="1200" spc="-1" strike="noStrike">
-                <a:solidFill>
-                  <a:srgbClr val="2a3244"/>
-                </a:solidFill>
-                <a:highlight>
-                  <a:srgbClr val="ffffff"/>
-                </a:highlight>
-                <a:latin typeface="Arial"/>
-                <a:ea typeface="Arial"/>
-              </a:rPr>
-              <a:t>: tamaño máximo por partición </a:t>
-            </a:r>
-            <a:endParaRPr b="0" lang="es-ES" sz="1200" spc="-1" strike="noStrike">
-              <a:latin typeface="Arial"/>
-            </a:endParaRPr>
-          </a:p>
-          <a:p>
-            <a:pPr marL="457200" indent="-304560">
-              <a:lnSpc>
-                <a:spcPct val="128000"/>
-              </a:lnSpc>
-              <a:buClr>
-                <a:srgbClr val="202124"/>
-              </a:buClr>
-              <a:buFont typeface="Arial"/>
-              <a:buChar char="●"/>
-            </a:pPr>
-            <a:r>
-              <a:rPr b="0" lang="en" sz="1200" spc="-1" strike="noStrike">
-                <a:solidFill>
-                  <a:srgbClr val="202124"/>
-                </a:solidFill>
-                <a:highlight>
-                  <a:srgbClr val="f8f9fa"/>
-                </a:highlight>
-                <a:latin typeface="Arial"/>
-                <a:ea typeface="Arial"/>
-              </a:rPr>
-              <a:t>La retención se puede actualizar al runtime:</a:t>
-            </a:r>
-            <a:endParaRPr b="0" lang="es-ES" sz="1200" spc="-1" strike="noStrike">
-              <a:latin typeface="Arial"/>
-            </a:endParaRPr>
-          </a:p>
-          <a:p>
-            <a:pPr marL="457200">
-              <a:lnSpc>
-                <a:spcPct val="128000"/>
-              </a:lnSpc>
               <a:tabLst>
                 <a:tab algn="l" pos="0"/>
               </a:tabLst>
@@ -26290,143 +26420,13 @@
           <a:p>
             <a:pPr>
               <a:lnSpc>
-                <a:spcPct val="128000"/>
-              </a:lnSpc>
-              <a:tabLst>
-                <a:tab algn="l" pos="0"/>
-              </a:tabLst>
-            </a:pPr>
-            <a:r>
-              <a:rPr b="0" lang="en" sz="1400" spc="-1" strike="noStrike">
-                <a:solidFill>
-                  <a:srgbClr val="4d4d4c"/>
-                </a:solidFill>
-                <a:highlight>
-                  <a:srgbClr val="ffffff"/>
-                </a:highlight>
-                <a:latin typeface="Courier New"/>
-                <a:ea typeface="Courier New"/>
-              </a:rPr>
-              <a:t>kafka-topics \</a:t>
-            </a:r>
-            <a:endParaRPr b="0" lang="es-ES" sz="1400" spc="-1" strike="noStrike">
-              <a:latin typeface="Arial"/>
-            </a:endParaRPr>
-          </a:p>
-          <a:p>
-            <a:pPr>
-              <a:lnSpc>
-                <a:spcPct val="128000"/>
-              </a:lnSpc>
-              <a:tabLst>
-                <a:tab algn="l" pos="0"/>
-              </a:tabLst>
-            </a:pPr>
-            <a:r>
-              <a:rPr b="0" lang="en" sz="1400" spc="-1" strike="noStrike">
-                <a:solidFill>
-                  <a:srgbClr val="4d4d4c"/>
-                </a:solidFill>
-                <a:highlight>
-                  <a:srgbClr val="ffffff"/>
-                </a:highlight>
-                <a:latin typeface="Courier New"/>
-                <a:ea typeface="Courier New"/>
-              </a:rPr>
-              <a:t>--zookeeper localhost:2181 \</a:t>
-            </a:r>
-            <a:endParaRPr b="0" lang="es-ES" sz="1400" spc="-1" strike="noStrike">
-              <a:latin typeface="Arial"/>
-            </a:endParaRPr>
-          </a:p>
-          <a:p>
-            <a:pPr>
-              <a:lnSpc>
-                <a:spcPct val="128000"/>
-              </a:lnSpc>
-              <a:tabLst>
-                <a:tab algn="l" pos="0"/>
-              </a:tabLst>
-            </a:pPr>
-            <a:r>
-              <a:rPr b="0" lang="en" sz="1400" spc="-1" strike="noStrike">
-                <a:solidFill>
-                  <a:srgbClr val="4d4d4c"/>
-                </a:solidFill>
-                <a:highlight>
-                  <a:srgbClr val="ffffff"/>
-                </a:highlight>
-                <a:latin typeface="Courier New"/>
-                <a:ea typeface="Courier New"/>
-              </a:rPr>
-              <a:t>--alter \</a:t>
-            </a:r>
-            <a:endParaRPr b="0" lang="es-ES" sz="1400" spc="-1" strike="noStrike">
-              <a:latin typeface="Arial"/>
-            </a:endParaRPr>
-          </a:p>
-          <a:p>
-            <a:pPr>
-              <a:lnSpc>
-                <a:spcPct val="128000"/>
-              </a:lnSpc>
-              <a:tabLst>
-                <a:tab algn="l" pos="0"/>
-              </a:tabLst>
-            </a:pPr>
-            <a:r>
-              <a:rPr b="0" lang="en" sz="1400" spc="-1" strike="noStrike">
-                <a:solidFill>
-                  <a:srgbClr val="4d4d4c"/>
-                </a:solidFill>
-                <a:highlight>
-                  <a:srgbClr val="ffffff"/>
-                </a:highlight>
-                <a:latin typeface="Courier New"/>
-                <a:ea typeface="Courier New"/>
-              </a:rPr>
-              <a:t>--topic customers \</a:t>
-            </a:r>
-            <a:endParaRPr b="0" lang="es-ES" sz="1400" spc="-1" strike="noStrike">
-              <a:latin typeface="Arial"/>
-            </a:endParaRPr>
-          </a:p>
-          <a:p>
-            <a:pPr>
-              <a:lnSpc>
-                <a:spcPct val="128000"/>
-              </a:lnSpc>
-              <a:tabLst>
-                <a:tab algn="l" pos="0"/>
-              </a:tabLst>
-            </a:pPr>
-            <a:r>
-              <a:rPr b="0" lang="en" sz="1400" spc="-1" strike="noStrike">
-                <a:solidFill>
-                  <a:srgbClr val="4d4d4c"/>
-                </a:solidFill>
-                <a:highlight>
-                  <a:srgbClr val="ffffff"/>
-                </a:highlight>
-                <a:latin typeface="Courier New"/>
-                <a:ea typeface="Courier New"/>
-              </a:rPr>
-              <a:t>--config retention.ms=604800000</a:t>
-            </a:r>
-            <a:endParaRPr b="0" lang="es-ES" sz="1400" spc="-1" strike="noStrike">
-              <a:latin typeface="Arial"/>
-            </a:endParaRPr>
-          </a:p>
-          <a:p>
-            <a:pPr>
-              <a:lnSpc>
                 <a:spcPct val="150000"/>
               </a:lnSpc>
               <a:tabLst>
                 <a:tab algn="l" pos="0"/>
               </a:tabLst>
             </a:pPr>
-            <a:endParaRPr b="0" lang="es-ES" sz="1400" spc="-1" strike="noStrike">
+            <a:endParaRPr b="0" lang="es-ES" sz="1200" spc="-1" strike="noStrike">
               <a:latin typeface="Arial"/>
             </a:endParaRPr>
           </a:p>

--- a/docs/KafkaClients-Producer-Consumer.pptx
+++ b/docs/KafkaClients-Producer-Consumer.pptx
@@ -5513,7 +5513,7 @@
         <p:spPr>
           <a:xfrm>
             <a:off x="2477880" y="415800"/>
-            <a:ext cx="6243480" cy="360"/>
+            <a:ext cx="6243120" cy="360"/>
           </a:xfrm>
           <a:custGeom>
             <a:avLst/>
@@ -5555,7 +5555,7 @@
         <p:spPr>
           <a:xfrm>
             <a:off x="2477880" y="4740120"/>
-            <a:ext cx="6243480" cy="360"/>
+            <a:ext cx="6243120" cy="360"/>
           </a:xfrm>
           <a:custGeom>
             <a:avLst/>
@@ -5597,7 +5597,7 @@
         <p:spPr>
           <a:xfrm>
             <a:off x="425160" y="415800"/>
-            <a:ext cx="182520" cy="360"/>
+            <a:ext cx="182160" cy="360"/>
           </a:xfrm>
           <a:custGeom>
             <a:avLst/>
@@ -5642,8 +5642,8 @@
         </p:nvSpPr>
         <p:spPr>
           <a:xfrm>
-            <a:off x="406440" y="1806840"/>
-            <a:ext cx="8296200" cy="1541160"/>
+            <a:off x="457200" y="205200"/>
+            <a:ext cx="8228880" cy="858240"/>
           </a:xfrm>
           <a:prstGeom prst="rect">
             <a:avLst/>
@@ -5679,7 +5679,7 @@
         <p:spPr>
           <a:xfrm>
             <a:off x="457200" y="1203480"/>
-            <a:ext cx="8229240" cy="2982960"/>
+            <a:ext cx="8228880" cy="2982600"/>
           </a:xfrm>
           <a:prstGeom prst="rect">
             <a:avLst/>
@@ -5687,7 +5687,7 @@
         </p:spPr>
         <p:txBody>
           <a:bodyPr lIns="0" rIns="0" tIns="0" bIns="0">
-            <a:normAutofit fontScale="80000"/>
+            <a:normAutofit/>
           </a:bodyPr>
           <a:p>
             <a:pPr marL="432000" indent="-324000">
@@ -5702,12 +5702,12 @@
               <a:buChar char=""/>
             </a:pPr>
             <a:r>
-              <a:rPr b="0" lang="es-ES" sz="3200" spc="-1" strike="noStrike">
+              <a:rPr b="0" lang="es-ES" sz="1800" spc="-1" strike="noStrike">
                 <a:latin typeface="Arial"/>
               </a:rPr>
               <a:t>Pulse para editar el formato de texto del esquema</a:t>
             </a:r>
-            <a:endParaRPr b="0" lang="es-ES" sz="3200" spc="-1" strike="noStrike">
+            <a:endParaRPr b="0" lang="es-ES" sz="1800" spc="-1" strike="noStrike">
               <a:latin typeface="Arial"/>
             </a:endParaRPr>
           </a:p>
@@ -5724,12 +5724,12 @@
               <a:buChar char=""/>
             </a:pPr>
             <a:r>
-              <a:rPr b="0" lang="es-ES" sz="2800" spc="-1" strike="noStrike">
+              <a:rPr b="0" lang="es-ES" sz="1800" spc="-1" strike="noStrike">
                 <a:latin typeface="Arial"/>
               </a:rPr>
               <a:t>Segundo nivel del esquema</a:t>
             </a:r>
-            <a:endParaRPr b="0" lang="es-ES" sz="2800" spc="-1" strike="noStrike">
+            <a:endParaRPr b="0" lang="es-ES" sz="1800" spc="-1" strike="noStrike">
               <a:latin typeface="Arial"/>
             </a:endParaRPr>
           </a:p>
@@ -5746,12 +5746,12 @@
               <a:buChar char=""/>
             </a:pPr>
             <a:r>
-              <a:rPr b="0" lang="es-ES" sz="2400" spc="-1" strike="noStrike">
+              <a:rPr b="0" lang="es-ES" sz="1800" spc="-1" strike="noStrike">
                 <a:latin typeface="Arial"/>
               </a:rPr>
               <a:t>Tercer nivel del esquema</a:t>
             </a:r>
-            <a:endParaRPr b="0" lang="es-ES" sz="2400" spc="-1" strike="noStrike">
+            <a:endParaRPr b="0" lang="es-ES" sz="1800" spc="-1" strike="noStrike">
               <a:latin typeface="Arial"/>
             </a:endParaRPr>
           </a:p>
@@ -5768,12 +5768,12 @@
               <a:buChar char=""/>
             </a:pPr>
             <a:r>
-              <a:rPr b="0" lang="es-ES" sz="2000" spc="-1" strike="noStrike">
+              <a:rPr b="0" lang="es-ES" sz="1800" spc="-1" strike="noStrike">
                 <a:latin typeface="Arial"/>
               </a:rPr>
               <a:t>Cuarto nivel del esquema</a:t>
             </a:r>
-            <a:endParaRPr b="0" lang="es-ES" sz="2000" spc="-1" strike="noStrike">
+            <a:endParaRPr b="0" lang="es-ES" sz="1800" spc="-1" strike="noStrike">
               <a:latin typeface="Arial"/>
             </a:endParaRPr>
           </a:p>
@@ -5790,12 +5790,12 @@
               <a:buChar char=""/>
             </a:pPr>
             <a:r>
-              <a:rPr b="0" lang="es-ES" sz="2000" spc="-1" strike="noStrike">
+              <a:rPr b="0" lang="es-ES" sz="1800" spc="-1" strike="noStrike">
                 <a:latin typeface="Arial"/>
               </a:rPr>
               <a:t>Quinto nivel del esquema</a:t>
             </a:r>
-            <a:endParaRPr b="0" lang="es-ES" sz="2000" spc="-1" strike="noStrike">
+            <a:endParaRPr b="0" lang="es-ES" sz="1800" spc="-1" strike="noStrike">
               <a:latin typeface="Arial"/>
             </a:endParaRPr>
           </a:p>
@@ -5812,12 +5812,12 @@
               <a:buChar char=""/>
             </a:pPr>
             <a:r>
-              <a:rPr b="0" lang="es-ES" sz="2000" spc="-1" strike="noStrike">
+              <a:rPr b="0" lang="es-ES" sz="1800" spc="-1" strike="noStrike">
                 <a:latin typeface="Arial"/>
               </a:rPr>
               <a:t>Sexto nivel del esquema</a:t>
             </a:r>
-            <a:endParaRPr b="0" lang="es-ES" sz="2000" spc="-1" strike="noStrike">
+            <a:endParaRPr b="0" lang="es-ES" sz="1800" spc="-1" strike="noStrike">
               <a:latin typeface="Arial"/>
             </a:endParaRPr>
           </a:p>
@@ -5834,12 +5834,12 @@
               <a:buChar char=""/>
             </a:pPr>
             <a:r>
-              <a:rPr b="0" lang="es-ES" sz="2000" spc="-1" strike="noStrike">
+              <a:rPr b="0" lang="es-ES" sz="1800" spc="-1" strike="noStrike">
                 <a:latin typeface="Arial"/>
               </a:rPr>
               <a:t>Séptimo nivel del esquema</a:t>
             </a:r>
-            <a:endParaRPr b="0" lang="es-ES" sz="2000" spc="-1" strike="noStrike">
+            <a:endParaRPr b="0" lang="es-ES" sz="1800" spc="-1" strike="noStrike">
               <a:latin typeface="Arial"/>
             </a:endParaRPr>
           </a:p>
@@ -5898,7 +5898,7 @@
         <p:spPr>
           <a:xfrm>
             <a:off x="4572000" y="0"/>
-            <a:ext cx="4571280" cy="5142960"/>
+            <a:ext cx="4570920" cy="5142600"/>
           </a:xfrm>
           <a:prstGeom prst="rect">
             <a:avLst/>
@@ -5926,7 +5926,7 @@
         <p:spPr>
           <a:xfrm>
             <a:off x="5029560" y="4495680"/>
-            <a:ext cx="467640" cy="360"/>
+            <a:ext cx="467280" cy="360"/>
           </a:xfrm>
           <a:custGeom>
             <a:avLst/>
@@ -6488,7 +6488,7 @@
         <p:spPr>
           <a:xfrm>
             <a:off x="425160" y="415800"/>
-            <a:ext cx="8296200" cy="360"/>
+            <a:ext cx="8295840" cy="360"/>
           </a:xfrm>
           <a:custGeom>
             <a:avLst/>
@@ -6530,7 +6530,7 @@
         <p:spPr>
           <a:xfrm>
             <a:off x="425160" y="4740120"/>
-            <a:ext cx="8296200" cy="360"/>
+            <a:ext cx="8295840" cy="360"/>
           </a:xfrm>
           <a:custGeom>
             <a:avLst/>
@@ -6825,7 +6825,7 @@
         <p:spPr>
           <a:xfrm>
             <a:off x="1947960" y="630360"/>
-            <a:ext cx="6754320" cy="1541160"/>
+            <a:ext cx="6753960" cy="1540800"/>
           </a:xfrm>
           <a:prstGeom prst="rect">
             <a:avLst/>
@@ -6890,7 +6890,7 @@
         <p:spPr>
           <a:xfrm>
             <a:off x="2390400" y="3468960"/>
-            <a:ext cx="6330960" cy="1010160"/>
+            <a:ext cx="6330600" cy="1009800"/>
           </a:xfrm>
           <a:prstGeom prst="rect">
             <a:avLst/>
@@ -7010,7 +7010,7 @@
         <p:spPr>
           <a:xfrm>
             <a:off x="318240" y="156240"/>
-            <a:ext cx="8433000" cy="480240"/>
+            <a:ext cx="8432640" cy="479880"/>
           </a:xfrm>
           <a:prstGeom prst="rect">
             <a:avLst/>
@@ -7067,7 +7067,7 @@
         <p:spPr>
           <a:xfrm>
             <a:off x="364320" y="1061640"/>
-            <a:ext cx="8341200" cy="3497760"/>
+            <a:ext cx="8340840" cy="3497760"/>
           </a:xfrm>
           <a:prstGeom prst="rect">
             <a:avLst/>
@@ -7088,7 +7088,7 @@
             <a:spAutoFit/>
           </a:bodyPr>
           <a:p>
-            <a:pPr marL="457200" indent="-304200">
+            <a:pPr marL="457200" indent="-303840">
               <a:lnSpc>
                 <a:spcPct val="128000"/>
               </a:lnSpc>
@@ -7116,7 +7116,7 @@
             </a:endParaRPr>
           </a:p>
           <a:p>
-            <a:pPr marL="457200" indent="-304200">
+            <a:pPr marL="457200" indent="-303840">
               <a:lnSpc>
                 <a:spcPct val="128000"/>
               </a:lnSpc>
@@ -7144,7 +7144,7 @@
             </a:endParaRPr>
           </a:p>
           <a:p>
-            <a:pPr marL="457200" indent="-304200">
+            <a:pPr marL="457200" indent="-303840">
               <a:lnSpc>
                 <a:spcPct val="128000"/>
               </a:lnSpc>
@@ -7172,7 +7172,7 @@
             </a:endParaRPr>
           </a:p>
           <a:p>
-            <a:pPr lvl="1" marL="914400" indent="-304200">
+            <a:pPr lvl="1" marL="914400" indent="-303840">
               <a:lnSpc>
                 <a:spcPct val="128000"/>
               </a:lnSpc>
@@ -7213,7 +7213,7 @@
             </a:endParaRPr>
           </a:p>
           <a:p>
-            <a:pPr lvl="1" marL="914400" indent="-304200">
+            <a:pPr lvl="1" marL="914400" indent="-303840">
               <a:lnSpc>
                 <a:spcPct val="128000"/>
               </a:lnSpc>
@@ -7254,7 +7254,7 @@
             </a:endParaRPr>
           </a:p>
           <a:p>
-            <a:pPr marL="457200" indent="-304200">
+            <a:pPr marL="457200" indent="-303840">
               <a:lnSpc>
                 <a:spcPct val="128000"/>
               </a:lnSpc>
@@ -7478,7 +7478,7 @@
         <p:spPr>
           <a:xfrm>
             <a:off x="318240" y="156240"/>
-            <a:ext cx="8433000" cy="480240"/>
+            <a:ext cx="8432640" cy="479880"/>
           </a:xfrm>
           <a:prstGeom prst="rect">
             <a:avLst/>
@@ -7535,7 +7535,7 @@
         <p:spPr>
           <a:xfrm>
             <a:off x="364320" y="1290240"/>
-            <a:ext cx="8341200" cy="1389240"/>
+            <a:ext cx="8340840" cy="1389240"/>
           </a:xfrm>
           <a:prstGeom prst="rect">
             <a:avLst/>
@@ -7556,7 +7556,7 @@
             <a:spAutoFit/>
           </a:bodyPr>
           <a:p>
-            <a:pPr marL="457200" indent="-304200">
+            <a:pPr marL="457200" indent="-303840">
               <a:lnSpc>
                 <a:spcPct val="128000"/>
               </a:lnSpc>
@@ -7584,7 +7584,7 @@
             </a:endParaRPr>
           </a:p>
           <a:p>
-            <a:pPr marL="457200" indent="-304200">
+            <a:pPr marL="457200" indent="-303840">
               <a:lnSpc>
                 <a:spcPct val="128000"/>
               </a:lnSpc>
@@ -7612,7 +7612,7 @@
             </a:endParaRPr>
           </a:p>
           <a:p>
-            <a:pPr marL="457200" indent="-304200">
+            <a:pPr marL="457200" indent="-303840">
               <a:lnSpc>
                 <a:spcPct val="128000"/>
               </a:lnSpc>
@@ -7640,7 +7640,7 @@
             </a:endParaRPr>
           </a:p>
           <a:p>
-            <a:pPr marL="457200" indent="-304200">
+            <a:pPr marL="457200" indent="-303840">
               <a:lnSpc>
                 <a:spcPct val="128000"/>
               </a:lnSpc>
@@ -7721,7 +7721,7 @@
         <p:spPr>
           <a:xfrm>
             <a:off x="318240" y="156240"/>
-            <a:ext cx="8433000" cy="480240"/>
+            <a:ext cx="8432640" cy="479880"/>
           </a:xfrm>
           <a:prstGeom prst="rect">
             <a:avLst/>
@@ -7778,7 +7778,7 @@
         <p:spPr>
           <a:xfrm>
             <a:off x="364320" y="1290240"/>
-            <a:ext cx="8341200" cy="1389240"/>
+            <a:ext cx="8340840" cy="1389240"/>
           </a:xfrm>
           <a:prstGeom prst="rect">
             <a:avLst/>
@@ -7799,7 +7799,7 @@
             <a:spAutoFit/>
           </a:bodyPr>
           <a:p>
-            <a:pPr marL="457200" indent="-304200">
+            <a:pPr marL="457200" indent="-303840">
               <a:lnSpc>
                 <a:spcPct val="128000"/>
               </a:lnSpc>
@@ -7827,7 +7827,7 @@
             </a:endParaRPr>
           </a:p>
           <a:p>
-            <a:pPr marL="457200" indent="-304200">
+            <a:pPr marL="457200" indent="-303840">
               <a:lnSpc>
                 <a:spcPct val="128000"/>
               </a:lnSpc>
@@ -7855,7 +7855,7 @@
             </a:endParaRPr>
           </a:p>
           <a:p>
-            <a:pPr marL="457200" indent="-304200">
+            <a:pPr marL="457200" indent="-303840">
               <a:lnSpc>
                 <a:spcPct val="128000"/>
               </a:lnSpc>
@@ -7883,7 +7883,7 @@
             </a:endParaRPr>
           </a:p>
           <a:p>
-            <a:pPr marL="457200" indent="-304200">
+            <a:pPr marL="457200" indent="-303840">
               <a:lnSpc>
                 <a:spcPct val="128000"/>
               </a:lnSpc>
@@ -7968,7 +7968,7 @@
         <p:spPr>
           <a:xfrm>
             <a:off x="5740920" y="3147840"/>
-            <a:ext cx="3288600" cy="1645920"/>
+            <a:ext cx="3288240" cy="1645560"/>
           </a:xfrm>
           <a:prstGeom prst="rect">
             <a:avLst/>
@@ -7991,7 +7991,7 @@
         <p:spPr>
           <a:xfrm>
             <a:off x="6024960" y="1960920"/>
-            <a:ext cx="2505960" cy="1024200"/>
+            <a:ext cx="2505600" cy="1023840"/>
           </a:xfrm>
           <a:prstGeom prst="rect">
             <a:avLst/>
@@ -8010,7 +8010,7 @@
         <p:spPr>
           <a:xfrm>
             <a:off x="318240" y="156240"/>
-            <a:ext cx="8433000" cy="480240"/>
+            <a:ext cx="8432640" cy="479880"/>
           </a:xfrm>
           <a:prstGeom prst="rect">
             <a:avLst/>
@@ -8067,7 +8067,7 @@
         <p:spPr>
           <a:xfrm>
             <a:off x="212040" y="985680"/>
-            <a:ext cx="6264720" cy="3722040"/>
+            <a:ext cx="6264360" cy="3722040"/>
           </a:xfrm>
           <a:prstGeom prst="rect">
             <a:avLst/>
@@ -8088,7 +8088,7 @@
             <a:spAutoFit/>
           </a:bodyPr>
           <a:p>
-            <a:pPr marL="457200" indent="-304200">
+            <a:pPr marL="457200" indent="-303840">
               <a:lnSpc>
                 <a:spcPct val="128000"/>
               </a:lnSpc>
@@ -8116,7 +8116,7 @@
             </a:endParaRPr>
           </a:p>
           <a:p>
-            <a:pPr marL="457200" indent="-304200">
+            <a:pPr marL="457200" indent="-303840">
               <a:lnSpc>
                 <a:spcPct val="128000"/>
               </a:lnSpc>
@@ -8144,7 +8144,7 @@
             </a:endParaRPr>
           </a:p>
           <a:p>
-            <a:pPr marL="457200" indent="-304200">
+            <a:pPr marL="457200" indent="-303840">
               <a:lnSpc>
                 <a:spcPct val="128000"/>
               </a:lnSpc>
@@ -8172,7 +8172,7 @@
             </a:endParaRPr>
           </a:p>
           <a:p>
-            <a:pPr marL="457200" indent="-304200">
+            <a:pPr marL="457200" indent="-303840">
               <a:lnSpc>
                 <a:spcPct val="128000"/>
               </a:lnSpc>
@@ -8200,7 +8200,7 @@
             </a:endParaRPr>
           </a:p>
           <a:p>
-            <a:pPr marL="457200" indent="-304200">
+            <a:pPr marL="457200" indent="-303840">
               <a:lnSpc>
                 <a:spcPct val="128000"/>
               </a:lnSpc>
@@ -8228,7 +8228,7 @@
             </a:endParaRPr>
           </a:p>
           <a:p>
-            <a:pPr marL="457200" indent="-304200">
+            <a:pPr marL="457200" indent="-303840">
               <a:lnSpc>
                 <a:spcPct val="128000"/>
               </a:lnSpc>
@@ -8256,7 +8256,7 @@
             </a:endParaRPr>
           </a:p>
           <a:p>
-            <a:pPr marL="457200" indent="-304200">
+            <a:pPr marL="457200" indent="-303840">
               <a:lnSpc>
                 <a:spcPct val="128000"/>
               </a:lnSpc>
@@ -8284,7 +8284,7 @@
             </a:endParaRPr>
           </a:p>
           <a:p>
-            <a:pPr marL="457200" indent="-304200">
+            <a:pPr marL="457200" indent="-303840">
               <a:lnSpc>
                 <a:spcPct val="128000"/>
               </a:lnSpc>
@@ -8312,7 +8312,7 @@
             </a:endParaRPr>
           </a:p>
           <a:p>
-            <a:pPr lvl="1" marL="914400" indent="-304200">
+            <a:pPr lvl="1" marL="914400" indent="-303840">
               <a:lnSpc>
                 <a:spcPct val="128000"/>
               </a:lnSpc>
@@ -8353,7 +8353,7 @@
             </a:endParaRPr>
           </a:p>
           <a:p>
-            <a:pPr lvl="1" marL="914400" indent="-304200">
+            <a:pPr lvl="1" marL="914400" indent="-303840">
               <a:lnSpc>
                 <a:spcPct val="128000"/>
               </a:lnSpc>
@@ -8394,7 +8394,7 @@
             </a:endParaRPr>
           </a:p>
           <a:p>
-            <a:pPr lvl="1" marL="914400" indent="-304200">
+            <a:pPr lvl="1" marL="914400" indent="-303840">
               <a:lnSpc>
                 <a:spcPct val="128000"/>
               </a:lnSpc>
@@ -8422,7 +8422,7 @@
             </a:endParaRPr>
           </a:p>
           <a:p>
-            <a:pPr lvl="1" marL="914400" indent="-304200">
+            <a:pPr lvl="1" marL="914400" indent="-303840">
               <a:lnSpc>
                 <a:spcPct val="128000"/>
               </a:lnSpc>
@@ -8503,7 +8503,7 @@
         <p:spPr>
           <a:xfrm>
             <a:off x="318240" y="156240"/>
-            <a:ext cx="8433000" cy="480240"/>
+            <a:ext cx="8432640" cy="479880"/>
           </a:xfrm>
           <a:prstGeom prst="rect">
             <a:avLst/>
@@ -8560,7 +8560,7 @@
         <p:spPr>
           <a:xfrm>
             <a:off x="364320" y="985680"/>
-            <a:ext cx="8433000" cy="3488760"/>
+            <a:ext cx="8432640" cy="3488760"/>
           </a:xfrm>
           <a:prstGeom prst="rect">
             <a:avLst/>
@@ -8581,7 +8581,7 @@
             <a:spAutoFit/>
           </a:bodyPr>
           <a:p>
-            <a:pPr marL="457200" indent="-304200">
+            <a:pPr marL="457200" indent="-303840">
               <a:lnSpc>
                 <a:spcPct val="128000"/>
               </a:lnSpc>
@@ -8752,7 +8752,7 @@
             </a:endParaRPr>
           </a:p>
           <a:p>
-            <a:pPr marL="457200" indent="-304200">
+            <a:pPr marL="457200" indent="-303840">
               <a:lnSpc>
                 <a:spcPct val="128000"/>
               </a:lnSpc>
@@ -8823,7 +8823,7 @@
         <p:spPr>
           <a:xfrm>
             <a:off x="2703240" y="2185200"/>
-            <a:ext cx="3561480" cy="1056600"/>
+            <a:ext cx="3561120" cy="1056240"/>
           </a:xfrm>
           <a:prstGeom prst="rect">
             <a:avLst/>
@@ -8872,7 +8872,7 @@
         <p:spPr>
           <a:xfrm>
             <a:off x="318240" y="156240"/>
-            <a:ext cx="8433000" cy="480240"/>
+            <a:ext cx="8432640" cy="479880"/>
           </a:xfrm>
           <a:prstGeom prst="rect">
             <a:avLst/>
@@ -8929,7 +8929,7 @@
         <p:spPr>
           <a:xfrm>
             <a:off x="364320" y="985680"/>
-            <a:ext cx="8433000" cy="4035960"/>
+            <a:ext cx="8432640" cy="4035960"/>
           </a:xfrm>
           <a:prstGeom prst="rect">
             <a:avLst/>
@@ -8950,7 +8950,7 @@
             <a:spAutoFit/>
           </a:bodyPr>
           <a:p>
-            <a:pPr marL="457200" indent="-304200">
+            <a:pPr marL="457200" indent="-303840">
               <a:lnSpc>
                 <a:spcPct val="128000"/>
               </a:lnSpc>
@@ -9147,7 +9147,7 @@
             </a:endParaRPr>
           </a:p>
           <a:p>
-            <a:pPr marL="457200" indent="-304200">
+            <a:pPr marL="457200" indent="-303840">
               <a:lnSpc>
                 <a:spcPct val="128000"/>
               </a:lnSpc>
@@ -9309,7 +9309,7 @@
         <p:spPr>
           <a:xfrm>
             <a:off x="541800" y="1958040"/>
-            <a:ext cx="8077680" cy="1037520"/>
+            <a:ext cx="8077320" cy="1037160"/>
           </a:xfrm>
           <a:prstGeom prst="rect">
             <a:avLst/>
@@ -9332,7 +9332,7 @@
         <p:spPr>
           <a:xfrm>
             <a:off x="1553760" y="4079880"/>
-            <a:ext cx="5961960" cy="551880"/>
+            <a:ext cx="5961600" cy="551520"/>
           </a:xfrm>
           <a:prstGeom prst="rect">
             <a:avLst/>
@@ -9381,7 +9381,7 @@
         <p:spPr>
           <a:xfrm>
             <a:off x="318240" y="156240"/>
-            <a:ext cx="8433000" cy="480240"/>
+            <a:ext cx="8432640" cy="479880"/>
           </a:xfrm>
           <a:prstGeom prst="rect">
             <a:avLst/>
@@ -9438,7 +9438,7 @@
         <p:spPr>
           <a:xfrm>
             <a:off x="444600" y="730800"/>
-            <a:ext cx="8433000" cy="4421880"/>
+            <a:ext cx="8432640" cy="4421880"/>
           </a:xfrm>
           <a:prstGeom prst="rect">
             <a:avLst/>
@@ -9576,7 +9576,7 @@
             </a:endParaRPr>
           </a:p>
           <a:p>
-            <a:pPr marL="457200" indent="-304200">
+            <a:pPr marL="457200" indent="-303840">
               <a:lnSpc>
                 <a:spcPct val="128000"/>
               </a:lnSpc>
@@ -9685,7 +9685,7 @@
             </a:endParaRPr>
           </a:p>
           <a:p>
-            <a:pPr marL="457200" indent="-304200">
+            <a:pPr marL="457200" indent="-303840">
               <a:lnSpc>
                 <a:spcPct val="128000"/>
               </a:lnSpc>
@@ -9716,7 +9716,7 @@
             </a:endParaRPr>
           </a:p>
           <a:p>
-            <a:pPr lvl="1" marL="914400" indent="-304200">
+            <a:pPr lvl="1" marL="914400" indent="-303840">
               <a:lnSpc>
                 <a:spcPct val="128000"/>
               </a:lnSpc>
@@ -9747,7 +9747,7 @@
             </a:endParaRPr>
           </a:p>
           <a:p>
-            <a:pPr lvl="1" marL="914400" indent="-304200">
+            <a:pPr lvl="1" marL="914400" indent="-303840">
               <a:lnSpc>
                 <a:spcPct val="128000"/>
               </a:lnSpc>
@@ -9791,7 +9791,7 @@
             </a:endParaRPr>
           </a:p>
           <a:p>
-            <a:pPr marL="457200" indent="-304200">
+            <a:pPr marL="457200" indent="-303840">
               <a:lnSpc>
                 <a:spcPct val="128000"/>
               </a:lnSpc>
@@ -9862,7 +9862,7 @@
         <p:spPr>
           <a:xfrm>
             <a:off x="1320120" y="2525400"/>
-            <a:ext cx="6095160" cy="732600"/>
+            <a:ext cx="6094800" cy="732240"/>
           </a:xfrm>
           <a:prstGeom prst="rect">
             <a:avLst/>
@@ -9885,7 +9885,7 @@
         <p:spPr>
           <a:xfrm>
             <a:off x="1155960" y="1354680"/>
-            <a:ext cx="6523920" cy="494640"/>
+            <a:ext cx="6523560" cy="494280"/>
           </a:xfrm>
           <a:prstGeom prst="rect">
             <a:avLst/>
@@ -9908,7 +9908,7 @@
         <p:spPr>
           <a:xfrm>
             <a:off x="4829760" y="4386600"/>
-            <a:ext cx="4047480" cy="694440"/>
+            <a:ext cx="4047120" cy="694080"/>
           </a:xfrm>
           <a:prstGeom prst="rect">
             <a:avLst/>
@@ -9961,7 +9961,7 @@
         <p:spPr>
           <a:xfrm>
             <a:off x="7272360" y="0"/>
-            <a:ext cx="1837800" cy="2033640"/>
+            <a:ext cx="1837440" cy="2033280"/>
           </a:xfrm>
           <a:prstGeom prst="rect">
             <a:avLst/>
@@ -9980,7 +9980,7 @@
         <p:spPr>
           <a:xfrm>
             <a:off x="444600" y="730800"/>
-            <a:ext cx="7073280" cy="4222440"/>
+            <a:ext cx="7072920" cy="4222440"/>
           </a:xfrm>
           <a:prstGeom prst="rect">
             <a:avLst/>
@@ -10001,7 +10001,7 @@
             <a:spAutoFit/>
           </a:bodyPr>
           <a:p>
-            <a:pPr marL="457200" indent="-291240">
+            <a:pPr marL="457200" indent="-290880">
               <a:lnSpc>
                 <a:spcPct val="128000"/>
               </a:lnSpc>
@@ -10068,7 +10068,7 @@
             </a:endParaRPr>
           </a:p>
           <a:p>
-            <a:pPr lvl="1" marL="914400" indent="-291240">
+            <a:pPr lvl="1" marL="914400" indent="-290880">
               <a:lnSpc>
                 <a:spcPct val="128000"/>
               </a:lnSpc>
@@ -10096,7 +10096,7 @@
             </a:endParaRPr>
           </a:p>
           <a:p>
-            <a:pPr marL="457200" indent="-291240">
+            <a:pPr marL="457200" indent="-290880">
               <a:lnSpc>
                 <a:spcPct val="160000"/>
               </a:lnSpc>
@@ -10150,7 +10150,7 @@
             </a:endParaRPr>
           </a:p>
           <a:p>
-            <a:pPr marL="457200" indent="-291240">
+            <a:pPr marL="457200" indent="-290880">
               <a:lnSpc>
                 <a:spcPct val="160000"/>
               </a:lnSpc>
@@ -10230,7 +10230,7 @@
             </a:endParaRPr>
           </a:p>
           <a:p>
-            <a:pPr lvl="1" marL="914400" indent="-291240">
+            <a:pPr lvl="1" marL="914400" indent="-290880">
               <a:lnSpc>
                 <a:spcPct val="160000"/>
               </a:lnSpc>
@@ -10258,7 +10258,7 @@
             </a:endParaRPr>
           </a:p>
           <a:p>
-            <a:pPr lvl="1" marL="914400" indent="-291240">
+            <a:pPr lvl="1" marL="914400" indent="-290880">
               <a:lnSpc>
                 <a:spcPct val="160000"/>
               </a:lnSpc>
@@ -10286,7 +10286,7 @@
             </a:endParaRPr>
           </a:p>
           <a:p>
-            <a:pPr marL="457200" indent="-291240">
+            <a:pPr marL="457200" indent="-290880">
               <a:lnSpc>
                 <a:spcPct val="160000"/>
               </a:lnSpc>
@@ -10340,7 +10340,7 @@
             </a:endParaRPr>
           </a:p>
           <a:p>
-            <a:pPr marL="457200" indent="-291240">
+            <a:pPr marL="457200" indent="-290880">
               <a:lnSpc>
                 <a:spcPct val="160000"/>
               </a:lnSpc>
@@ -10446,7 +10446,7 @@
             </a:endParaRPr>
           </a:p>
           <a:p>
-            <a:pPr lvl="1" marL="914400" indent="-291240">
+            <a:pPr lvl="1" marL="914400" indent="-290880">
               <a:lnSpc>
                 <a:spcPct val="160000"/>
               </a:lnSpc>
@@ -10617,7 +10617,7 @@
             </a:endParaRPr>
           </a:p>
           <a:p>
-            <a:pPr marL="457200" indent="-291240">
+            <a:pPr marL="457200" indent="-290880">
               <a:lnSpc>
                 <a:spcPct val="160000"/>
               </a:lnSpc>
@@ -10681,7 +10681,7 @@
         <p:spPr>
           <a:xfrm>
             <a:off x="318240" y="156240"/>
-            <a:ext cx="8433000" cy="480240"/>
+            <a:ext cx="8432640" cy="479880"/>
           </a:xfrm>
           <a:prstGeom prst="rect">
             <a:avLst/>
@@ -10772,7 +10772,7 @@
         <p:spPr>
           <a:xfrm>
             <a:off x="7272360" y="0"/>
-            <a:ext cx="1837800" cy="2033640"/>
+            <a:ext cx="1837440" cy="2033280"/>
           </a:xfrm>
           <a:prstGeom prst="rect">
             <a:avLst/>
@@ -10791,7 +10791,7 @@
         <p:spPr>
           <a:xfrm>
             <a:off x="444600" y="1568880"/>
-            <a:ext cx="7073280" cy="2226240"/>
+            <a:ext cx="7072920" cy="2226240"/>
           </a:xfrm>
           <a:prstGeom prst="rect">
             <a:avLst/>
@@ -10812,7 +10812,7 @@
             <a:spAutoFit/>
           </a:bodyPr>
           <a:p>
-            <a:pPr marL="457200" indent="-304200">
+            <a:pPr marL="457200" indent="-303840">
               <a:lnSpc>
                 <a:spcPct val="160000"/>
               </a:lnSpc>
@@ -10853,7 +10853,7 @@
             </a:endParaRPr>
           </a:p>
           <a:p>
-            <a:pPr lvl="1" marL="914400" indent="-304200">
+            <a:pPr lvl="1" marL="914400" indent="-303840">
               <a:lnSpc>
                 <a:spcPct val="160000"/>
               </a:lnSpc>
@@ -10881,7 +10881,7 @@
             </a:endParaRPr>
           </a:p>
           <a:p>
-            <a:pPr marL="457200" indent="-304200">
+            <a:pPr marL="457200" indent="-303840">
               <a:lnSpc>
                 <a:spcPct val="160000"/>
               </a:lnSpc>
@@ -10935,7 +10935,7 @@
             </a:endParaRPr>
           </a:p>
           <a:p>
-            <a:pPr marL="457200" indent="-304200">
+            <a:pPr marL="457200" indent="-303840">
               <a:lnSpc>
                 <a:spcPct val="160000"/>
               </a:lnSpc>
@@ -10973,7 +10973,7 @@
         <p:spPr>
           <a:xfrm>
             <a:off x="318240" y="156240"/>
-            <a:ext cx="8433000" cy="480240"/>
+            <a:ext cx="8432640" cy="479880"/>
           </a:xfrm>
           <a:prstGeom prst="rect">
             <a:avLst/>
@@ -11030,7 +11030,7 @@
         <p:spPr>
           <a:xfrm>
             <a:off x="4604400" y="3361680"/>
-            <a:ext cx="698760" cy="349200"/>
+            <a:ext cx="698400" cy="348840"/>
           </a:xfrm>
           <a:prstGeom prst="rightArrow">
             <a:avLst>
@@ -11094,7 +11094,7 @@
         <p:spPr>
           <a:xfrm>
             <a:off x="318240" y="156240"/>
-            <a:ext cx="8433000" cy="480240"/>
+            <a:ext cx="8432640" cy="479880"/>
           </a:xfrm>
           <a:prstGeom prst="rect">
             <a:avLst/>
@@ -12441,7 +12441,7 @@
         <p:spPr>
           <a:xfrm>
             <a:off x="7272360" y="0"/>
-            <a:ext cx="1837800" cy="2033640"/>
+            <a:ext cx="1837440" cy="2033280"/>
           </a:xfrm>
           <a:prstGeom prst="rect">
             <a:avLst/>
@@ -12490,7 +12490,7 @@
         <p:spPr>
           <a:xfrm>
             <a:off x="265680" y="1912680"/>
-            <a:ext cx="4044600" cy="1317600"/>
+            <a:ext cx="4044240" cy="1317240"/>
           </a:xfrm>
           <a:prstGeom prst="rect">
             <a:avLst/>
@@ -12544,7 +12544,7 @@
         <p:spPr>
           <a:xfrm>
             <a:off x="4939560" y="65520"/>
-            <a:ext cx="3836160" cy="4931640"/>
+            <a:ext cx="3835800" cy="4931280"/>
           </a:xfrm>
           <a:prstGeom prst="rect">
             <a:avLst/>
@@ -12565,7 +12565,7 @@
             <a:noAutofit/>
           </a:bodyPr>
           <a:p>
-            <a:pPr marL="457200" indent="-316800">
+            <a:pPr marL="457200" indent="-316440">
               <a:lnSpc>
                 <a:spcPct val="115000"/>
               </a:lnSpc>
@@ -12590,7 +12590,7 @@
             </a:endParaRPr>
           </a:p>
           <a:p>
-            <a:pPr marL="457200" indent="-316800">
+            <a:pPr marL="457200" indent="-316440">
               <a:lnSpc>
                 <a:spcPct val="115000"/>
               </a:lnSpc>
@@ -12618,7 +12618,7 @@
             </a:endParaRPr>
           </a:p>
           <a:p>
-            <a:pPr marL="457200" indent="-316800">
+            <a:pPr marL="457200" indent="-316440">
               <a:lnSpc>
                 <a:spcPct val="115000"/>
               </a:lnSpc>
@@ -12646,7 +12646,7 @@
             </a:endParaRPr>
           </a:p>
           <a:p>
-            <a:pPr marL="457200" indent="-316800">
+            <a:pPr marL="457200" indent="-316440">
               <a:lnSpc>
                 <a:spcPct val="115000"/>
               </a:lnSpc>
@@ -12674,7 +12674,7 @@
             </a:endParaRPr>
           </a:p>
           <a:p>
-            <a:pPr marL="457200" indent="-316800">
+            <a:pPr marL="457200" indent="-316440">
               <a:lnSpc>
                 <a:spcPct val="115000"/>
               </a:lnSpc>
@@ -12712,7 +12712,7 @@
             </a:endParaRPr>
           </a:p>
           <a:p>
-            <a:pPr marL="457200" indent="-316800">
+            <a:pPr marL="457200" indent="-316440">
               <a:lnSpc>
                 <a:spcPct val="115000"/>
               </a:lnSpc>
@@ -12783,7 +12783,7 @@
         <p:spPr>
           <a:xfrm>
             <a:off x="318240" y="156240"/>
-            <a:ext cx="8433000" cy="480240"/>
+            <a:ext cx="8432640" cy="479880"/>
           </a:xfrm>
           <a:prstGeom prst="rect">
             <a:avLst/>
@@ -12840,7 +12840,7 @@
         <p:spPr>
           <a:xfrm>
             <a:off x="364320" y="985680"/>
-            <a:ext cx="8433000" cy="3488760"/>
+            <a:ext cx="8432640" cy="3488760"/>
           </a:xfrm>
           <a:prstGeom prst="rect">
             <a:avLst/>
@@ -12861,7 +12861,7 @@
             <a:spAutoFit/>
           </a:bodyPr>
           <a:p>
-            <a:pPr marL="457200" indent="-304200">
+            <a:pPr marL="457200" indent="-303840">
               <a:lnSpc>
                 <a:spcPct val="128000"/>
               </a:lnSpc>
@@ -13071,7 +13071,7 @@
             </a:endParaRPr>
           </a:p>
           <a:p>
-            <a:pPr marL="457200" indent="-304200">
+            <a:pPr marL="457200" indent="-303840">
               <a:lnSpc>
                 <a:spcPct val="128000"/>
               </a:lnSpc>
@@ -13194,7 +13194,7 @@
         <p:spPr>
           <a:xfrm>
             <a:off x="903240" y="1953720"/>
-            <a:ext cx="7414560" cy="1268280"/>
+            <a:ext cx="7414200" cy="1267920"/>
           </a:xfrm>
           <a:prstGeom prst="rect">
             <a:avLst/>
@@ -13217,7 +13217,7 @@
         <p:spPr>
           <a:xfrm>
             <a:off x="1420200" y="4363560"/>
-            <a:ext cx="5838120" cy="456480"/>
+            <a:ext cx="5837760" cy="456120"/>
           </a:xfrm>
           <a:prstGeom prst="rect">
             <a:avLst/>
@@ -13266,7 +13266,7 @@
         <p:spPr>
           <a:xfrm>
             <a:off x="318240" y="156240"/>
-            <a:ext cx="8433000" cy="480240"/>
+            <a:ext cx="8432640" cy="479880"/>
           </a:xfrm>
           <a:prstGeom prst="rect">
             <a:avLst/>
@@ -13323,7 +13323,7 @@
         <p:spPr>
           <a:xfrm>
             <a:off x="364320" y="985680"/>
-            <a:ext cx="8433000" cy="3215520"/>
+            <a:ext cx="8432640" cy="3215160"/>
           </a:xfrm>
           <a:prstGeom prst="rect">
             <a:avLst/>
@@ -13344,7 +13344,7 @@
             <a:spAutoFit/>
           </a:bodyPr>
           <a:p>
-            <a:pPr marL="457200" indent="-304200">
+            <a:pPr marL="457200" indent="-303840">
               <a:lnSpc>
                 <a:spcPct val="128000"/>
               </a:lnSpc>
@@ -13385,7 +13385,7 @@
             </a:endParaRPr>
           </a:p>
           <a:p>
-            <a:pPr lvl="1" marL="914400" indent="-304200">
+            <a:pPr lvl="1" marL="914400" indent="-303840">
               <a:lnSpc>
                 <a:spcPct val="128000"/>
               </a:lnSpc>
@@ -13468,7 +13468,7 @@
             </a:endParaRPr>
           </a:p>
           <a:p>
-            <a:pPr lvl="1" marL="914400" indent="-304200">
+            <a:pPr lvl="1" marL="914400" indent="-303840">
               <a:lnSpc>
                 <a:spcPct val="128000"/>
               </a:lnSpc>
@@ -13551,7 +13551,7 @@
             </a:endParaRPr>
           </a:p>
           <a:p>
-            <a:pPr lvl="1" marL="914400" indent="-304200">
+            <a:pPr lvl="1" marL="914400" indent="-303840">
               <a:lnSpc>
                 <a:spcPct val="128000"/>
               </a:lnSpc>
@@ -13596,7 +13596,7 @@
         <p:spPr>
           <a:xfrm>
             <a:off x="418680" y="1899000"/>
-            <a:ext cx="8232480" cy="619920"/>
+            <a:ext cx="8232120" cy="619560"/>
           </a:xfrm>
           <a:prstGeom prst="rect">
             <a:avLst/>
@@ -13619,7 +13619,7 @@
         <p:spPr>
           <a:xfrm>
             <a:off x="480960" y="3061440"/>
-            <a:ext cx="8170200" cy="615960"/>
+            <a:ext cx="8169840" cy="615600"/>
           </a:xfrm>
           <a:prstGeom prst="rect">
             <a:avLst/>
@@ -13642,7 +13642,7 @@
         <p:spPr>
           <a:xfrm>
             <a:off x="517320" y="4348440"/>
-            <a:ext cx="8133840" cy="592200"/>
+            <a:ext cx="8133480" cy="591840"/>
           </a:xfrm>
           <a:prstGeom prst="rect">
             <a:avLst/>
@@ -13691,7 +13691,7 @@
         <p:spPr>
           <a:xfrm>
             <a:off x="318240" y="156240"/>
-            <a:ext cx="8433000" cy="480240"/>
+            <a:ext cx="8432640" cy="479880"/>
           </a:xfrm>
           <a:prstGeom prst="rect">
             <a:avLst/>
@@ -13748,7 +13748,7 @@
         <p:spPr>
           <a:xfrm>
             <a:off x="364320" y="833040"/>
-            <a:ext cx="8433000" cy="4148640"/>
+            <a:ext cx="8432640" cy="4148280"/>
           </a:xfrm>
           <a:prstGeom prst="rect">
             <a:avLst/>
@@ -13769,7 +13769,7 @@
             <a:spAutoFit/>
           </a:bodyPr>
           <a:p>
-            <a:pPr marL="457200" indent="-304200">
+            <a:pPr marL="457200" indent="-303840">
               <a:lnSpc>
                 <a:spcPct val="128000"/>
               </a:lnSpc>
@@ -13927,7 +13927,7 @@
             </a:endParaRPr>
           </a:p>
           <a:p>
-            <a:pPr marL="457200" indent="-304200">
+            <a:pPr marL="457200" indent="-303840">
               <a:lnSpc>
                 <a:spcPct val="128000"/>
               </a:lnSpc>
@@ -14115,7 +14115,7 @@
         <p:spPr>
           <a:xfrm>
             <a:off x="2026800" y="1216440"/>
-            <a:ext cx="5483880" cy="2188800"/>
+            <a:ext cx="5483520" cy="2188440"/>
           </a:xfrm>
           <a:prstGeom prst="rect">
             <a:avLst/>
@@ -14164,7 +14164,7 @@
         <p:spPr>
           <a:xfrm>
             <a:off x="318240" y="156240"/>
-            <a:ext cx="8433000" cy="480240"/>
+            <a:ext cx="8432640" cy="479880"/>
           </a:xfrm>
           <a:prstGeom prst="rect">
             <a:avLst/>
@@ -14221,7 +14221,7 @@
         <p:spPr>
           <a:xfrm>
             <a:off x="355320" y="1784880"/>
-            <a:ext cx="8433000" cy="2748600"/>
+            <a:ext cx="8432640" cy="2748600"/>
           </a:xfrm>
           <a:prstGeom prst="rect">
             <a:avLst/>
@@ -14268,7 +14268,7 @@
             </a:endParaRPr>
           </a:p>
           <a:p>
-            <a:pPr marL="457200" indent="-304200">
+            <a:pPr marL="457200" indent="-303840">
               <a:lnSpc>
                 <a:spcPct val="128000"/>
               </a:lnSpc>
@@ -14368,7 +14368,7 @@
             </a:endParaRPr>
           </a:p>
           <a:p>
-            <a:pPr lvl="1" marL="914400" indent="-304200">
+            <a:pPr lvl="1" marL="914400" indent="-303840">
               <a:lnSpc>
                 <a:spcPct val="128000"/>
               </a:lnSpc>
@@ -14399,7 +14399,7 @@
             </a:endParaRPr>
           </a:p>
           <a:p>
-            <a:pPr lvl="1" marL="914400" indent="-304200">
+            <a:pPr lvl="1" marL="914400" indent="-303840">
               <a:lnSpc>
                 <a:spcPct val="128000"/>
               </a:lnSpc>
@@ -14456,7 +14456,7 @@
             </a:endParaRPr>
           </a:p>
           <a:p>
-            <a:pPr lvl="1" marL="914400" indent="-304200">
+            <a:pPr lvl="1" marL="914400" indent="-303840">
               <a:lnSpc>
                 <a:spcPct val="128000"/>
               </a:lnSpc>
@@ -14487,7 +14487,7 @@
             </a:endParaRPr>
           </a:p>
           <a:p>
-            <a:pPr lvl="1" marL="914400" indent="-304200">
+            <a:pPr lvl="1" marL="914400" indent="-303840">
               <a:lnSpc>
                 <a:spcPct val="128000"/>
               </a:lnSpc>
@@ -14584,7 +14584,7 @@
         <p:spPr>
           <a:xfrm>
             <a:off x="318240" y="156240"/>
-            <a:ext cx="8433000" cy="480240"/>
+            <a:ext cx="8432640" cy="479880"/>
           </a:xfrm>
           <a:prstGeom prst="rect">
             <a:avLst/>
@@ -14641,7 +14641,7 @@
         <p:spPr>
           <a:xfrm>
             <a:off x="248400" y="745200"/>
-            <a:ext cx="8433000" cy="4381920"/>
+            <a:ext cx="8432640" cy="4381560"/>
           </a:xfrm>
           <a:prstGeom prst="rect">
             <a:avLst/>
@@ -14701,7 +14701,7 @@
             </a:endParaRPr>
           </a:p>
           <a:p>
-            <a:pPr marL="457200" indent="-304200">
+            <a:pPr marL="457200" indent="-303840">
               <a:lnSpc>
                 <a:spcPct val="128000"/>
               </a:lnSpc>
@@ -14732,7 +14732,7 @@
             </a:endParaRPr>
           </a:p>
           <a:p>
-            <a:pPr marL="457200" indent="-304200">
+            <a:pPr marL="457200" indent="-303840">
               <a:lnSpc>
                 <a:spcPct val="128000"/>
               </a:lnSpc>
@@ -14763,7 +14763,7 @@
             </a:endParaRPr>
           </a:p>
           <a:p>
-            <a:pPr marL="457200" indent="-304200">
+            <a:pPr marL="457200" indent="-303840">
               <a:lnSpc>
                 <a:spcPct val="128000"/>
               </a:lnSpc>
@@ -14885,7 +14885,7 @@
             </a:endParaRPr>
           </a:p>
           <a:p>
-            <a:pPr marL="457200" indent="-304200">
+            <a:pPr marL="457200" indent="-303840">
               <a:lnSpc>
                 <a:spcPct val="128000"/>
               </a:lnSpc>
@@ -14916,7 +14916,7 @@
             </a:endParaRPr>
           </a:p>
           <a:p>
-            <a:pPr marL="457200" indent="-304200">
+            <a:pPr marL="457200" indent="-303840">
               <a:lnSpc>
                 <a:spcPct val="128000"/>
               </a:lnSpc>
@@ -14974,7 +14974,7 @@
         <p:spPr>
           <a:xfrm>
             <a:off x="633240" y="2796480"/>
-            <a:ext cx="8047800" cy="922320"/>
+            <a:ext cx="8047440" cy="921960"/>
           </a:xfrm>
           <a:prstGeom prst="rect">
             <a:avLst/>
@@ -15023,7 +15023,7 @@
         <p:spPr>
           <a:xfrm>
             <a:off x="318240" y="156240"/>
-            <a:ext cx="8433000" cy="480240"/>
+            <a:ext cx="8432640" cy="479880"/>
           </a:xfrm>
           <a:prstGeom prst="rect">
             <a:avLst/>
@@ -15080,7 +15080,7 @@
         <p:spPr>
           <a:xfrm>
             <a:off x="248400" y="745200"/>
-            <a:ext cx="8433000" cy="2748600"/>
+            <a:ext cx="8432640" cy="2748600"/>
           </a:xfrm>
           <a:prstGeom prst="rect">
             <a:avLst/>
@@ -15140,7 +15140,7 @@
             </a:endParaRPr>
           </a:p>
           <a:p>
-            <a:pPr marL="457200" indent="-304200">
+            <a:pPr marL="457200" indent="-303840">
               <a:lnSpc>
                 <a:spcPct val="128000"/>
               </a:lnSpc>
@@ -15236,7 +15236,7 @@
             </a:endParaRPr>
           </a:p>
           <a:p>
-            <a:pPr marL="457200" indent="-304200">
+            <a:pPr marL="457200" indent="-303840">
               <a:lnSpc>
                 <a:spcPct val="128000"/>
               </a:lnSpc>
@@ -15294,7 +15294,7 @@
         <p:spPr>
           <a:xfrm>
             <a:off x="1071000" y="1643760"/>
-            <a:ext cx="7211520" cy="1007280"/>
+            <a:ext cx="7211160" cy="1006920"/>
           </a:xfrm>
           <a:prstGeom prst="rect">
             <a:avLst/>
@@ -15317,7 +15317,7 @@
         <p:spPr>
           <a:xfrm>
             <a:off x="3628080" y="3053520"/>
-            <a:ext cx="2738160" cy="2060280"/>
+            <a:ext cx="2737800" cy="2059920"/>
           </a:xfrm>
           <a:prstGeom prst="rect">
             <a:avLst/>
@@ -15366,7 +15366,7 @@
         <p:spPr>
           <a:xfrm>
             <a:off x="318240" y="156240"/>
-            <a:ext cx="8433000" cy="480240"/>
+            <a:ext cx="8432640" cy="479880"/>
           </a:xfrm>
           <a:prstGeom prst="rect">
             <a:avLst/>
@@ -15423,7 +15423,7 @@
         <p:spPr>
           <a:xfrm>
             <a:off x="248400" y="745200"/>
-            <a:ext cx="8433000" cy="3843360"/>
+            <a:ext cx="8432640" cy="3843360"/>
           </a:xfrm>
           <a:prstGeom prst="rect">
             <a:avLst/>
@@ -15470,7 +15470,7 @@
             </a:endParaRPr>
           </a:p>
           <a:p>
-            <a:pPr marL="457200" indent="-304200">
+            <a:pPr marL="457200" indent="-303840">
               <a:lnSpc>
                 <a:spcPct val="130000"/>
               </a:lnSpc>
@@ -15595,7 +15595,7 @@
         <p:spPr>
           <a:xfrm>
             <a:off x="648360" y="2177640"/>
-            <a:ext cx="7423560" cy="1151280"/>
+            <a:ext cx="7423200" cy="1150920"/>
           </a:xfrm>
           <a:prstGeom prst="rect">
             <a:avLst/>
@@ -15644,7 +15644,7 @@
         <p:spPr>
           <a:xfrm>
             <a:off x="318240" y="156240"/>
-            <a:ext cx="8433000" cy="480240"/>
+            <a:ext cx="8432640" cy="479880"/>
           </a:xfrm>
           <a:prstGeom prst="rect">
             <a:avLst/>
@@ -15701,7 +15701,7 @@
         <p:spPr>
           <a:xfrm>
             <a:off x="248400" y="745200"/>
-            <a:ext cx="8433000" cy="1137600"/>
+            <a:ext cx="8432640" cy="1137600"/>
           </a:xfrm>
           <a:prstGeom prst="rect">
             <a:avLst/>
@@ -15794,7 +15794,7 @@
         <p:spPr>
           <a:xfrm>
             <a:off x="776160" y="1983240"/>
-            <a:ext cx="7377120" cy="2356200"/>
+            <a:ext cx="7376760" cy="2355840"/>
           </a:xfrm>
           <a:prstGeom prst="rect">
             <a:avLst/>
@@ -15843,7 +15843,7 @@
         <p:spPr>
           <a:xfrm>
             <a:off x="318240" y="156240"/>
-            <a:ext cx="8433000" cy="480240"/>
+            <a:ext cx="8432640" cy="479880"/>
           </a:xfrm>
           <a:prstGeom prst="rect">
             <a:avLst/>
@@ -15900,7 +15900,7 @@
         <p:spPr>
           <a:xfrm>
             <a:off x="435240" y="969120"/>
-            <a:ext cx="8433000" cy="2048760"/>
+            <a:ext cx="8432640" cy="2048760"/>
           </a:xfrm>
           <a:prstGeom prst="rect">
             <a:avLst/>
@@ -15960,7 +15960,7 @@
             </a:endParaRPr>
           </a:p>
           <a:p>
-            <a:pPr marL="457200" indent="-304200">
+            <a:pPr marL="457200" indent="-303840">
               <a:lnSpc>
                 <a:spcPct val="128000"/>
               </a:lnSpc>
@@ -16043,7 +16043,7 @@
             </a:endParaRPr>
           </a:p>
           <a:p>
-            <a:pPr lvl="1" marL="914400" indent="-304200">
+            <a:pPr lvl="1" marL="914400" indent="-303840">
               <a:lnSpc>
                 <a:spcPct val="128000"/>
               </a:lnSpc>
@@ -16088,7 +16088,7 @@
         <p:spPr>
           <a:xfrm>
             <a:off x="689760" y="3032280"/>
-            <a:ext cx="7923960" cy="1132920"/>
+            <a:ext cx="7923600" cy="1132560"/>
           </a:xfrm>
           <a:prstGeom prst="rect">
             <a:avLst/>
@@ -16137,7 +16137,7 @@
         <p:spPr>
           <a:xfrm>
             <a:off x="318240" y="156240"/>
-            <a:ext cx="8433000" cy="480240"/>
+            <a:ext cx="8432640" cy="479880"/>
           </a:xfrm>
           <a:prstGeom prst="rect">
             <a:avLst/>
@@ -17367,7 +17367,7 @@
         <p:spPr>
           <a:xfrm>
             <a:off x="7272360" y="0"/>
-            <a:ext cx="1837800" cy="2033640"/>
+            <a:ext cx="1837440" cy="2033280"/>
           </a:xfrm>
           <a:prstGeom prst="rect">
             <a:avLst/>
@@ -17416,7 +17416,7 @@
         <p:spPr>
           <a:xfrm>
             <a:off x="318240" y="156240"/>
-            <a:ext cx="8433000" cy="480240"/>
+            <a:ext cx="8432640" cy="479880"/>
           </a:xfrm>
           <a:prstGeom prst="rect">
             <a:avLst/>
@@ -17473,7 +17473,7 @@
         <p:spPr>
           <a:xfrm>
             <a:off x="401040" y="1176120"/>
-            <a:ext cx="4170240" cy="3790800"/>
+            <a:ext cx="4169880" cy="3790440"/>
           </a:xfrm>
           <a:prstGeom prst="rect">
             <a:avLst/>
@@ -17520,7 +17520,7 @@
             </a:endParaRPr>
           </a:p>
           <a:p>
-            <a:pPr marL="596880" indent="-304200">
+            <a:pPr marL="596880" indent="-303840">
               <a:lnSpc>
                 <a:spcPct val="150000"/>
               </a:lnSpc>
@@ -17551,7 +17551,7 @@
             </a:endParaRPr>
           </a:p>
           <a:p>
-            <a:pPr marL="596880" indent="-304200">
+            <a:pPr marL="596880" indent="-303840">
               <a:lnSpc>
                 <a:spcPct val="150000"/>
               </a:lnSpc>
@@ -17579,7 +17579,7 @@
             </a:endParaRPr>
           </a:p>
           <a:p>
-            <a:pPr marL="596880" indent="-304200">
+            <a:pPr marL="596880" indent="-303840">
               <a:lnSpc>
                 <a:spcPct val="150000"/>
               </a:lnSpc>
@@ -17649,7 +17649,7 @@
             </a:endParaRPr>
           </a:p>
           <a:p>
-            <a:pPr marL="596880" indent="-304200">
+            <a:pPr marL="596880" indent="-303840">
               <a:lnSpc>
                 <a:spcPct val="150000"/>
               </a:lnSpc>
@@ -17683,7 +17683,7 @@
             </a:endParaRPr>
           </a:p>
           <a:p>
-            <a:pPr marL="596880" indent="-304200">
+            <a:pPr marL="596880" indent="-303840">
               <a:lnSpc>
                 <a:spcPct val="150000"/>
               </a:lnSpc>
@@ -17714,7 +17714,7 @@
             </a:endParaRPr>
           </a:p>
           <a:p>
-            <a:pPr marL="596880" indent="-304200">
+            <a:pPr marL="596880" indent="-303840">
               <a:lnSpc>
                 <a:spcPct val="150000"/>
               </a:lnSpc>
@@ -17745,7 +17745,7 @@
             </a:endParaRPr>
           </a:p>
           <a:p>
-            <a:pPr marL="596880" indent="-304200">
+            <a:pPr marL="596880" indent="-303840">
               <a:lnSpc>
                 <a:spcPct val="150000"/>
               </a:lnSpc>
@@ -17803,7 +17803,7 @@
         <p:spPr>
           <a:xfrm>
             <a:off x="4608000" y="1284840"/>
-            <a:ext cx="4266360" cy="2799720"/>
+            <a:ext cx="4266000" cy="2799360"/>
           </a:xfrm>
           <a:prstGeom prst="rect">
             <a:avLst/>
@@ -17852,7 +17852,7 @@
         <p:spPr>
           <a:xfrm>
             <a:off x="318240" y="156240"/>
-            <a:ext cx="8433000" cy="480240"/>
+            <a:ext cx="8432640" cy="479880"/>
           </a:xfrm>
           <a:prstGeom prst="rect">
             <a:avLst/>
@@ -17913,7 +17913,7 @@
         <p:spPr>
           <a:xfrm>
             <a:off x="1607400" y="1216800"/>
-            <a:ext cx="5708160" cy="3270960"/>
+            <a:ext cx="5707800" cy="3270600"/>
           </a:xfrm>
           <a:prstGeom prst="rect">
             <a:avLst/>
@@ -17962,7 +17962,7 @@
         <p:spPr>
           <a:xfrm>
             <a:off x="318240" y="156240"/>
-            <a:ext cx="8433000" cy="480240"/>
+            <a:ext cx="8432640" cy="479880"/>
           </a:xfrm>
           <a:prstGeom prst="rect">
             <a:avLst/>
@@ -18019,7 +18019,7 @@
         <p:spPr>
           <a:xfrm>
             <a:off x="364320" y="985680"/>
-            <a:ext cx="8433000" cy="2788920"/>
+            <a:ext cx="8432640" cy="2788920"/>
           </a:xfrm>
           <a:prstGeom prst="rect">
             <a:avLst/>
@@ -18040,7 +18040,7 @@
             <a:spAutoFit/>
           </a:bodyPr>
           <a:p>
-            <a:pPr marL="457200" indent="-304200">
+            <a:pPr marL="457200" indent="-303840">
               <a:lnSpc>
                 <a:spcPct val="128000"/>
               </a:lnSpc>
@@ -18225,7 +18225,7 @@
         <p:spPr>
           <a:xfrm>
             <a:off x="1886400" y="2005560"/>
-            <a:ext cx="4695120" cy="856440"/>
+            <a:ext cx="4694760" cy="856080"/>
           </a:xfrm>
           <a:prstGeom prst="rect">
             <a:avLst/>
@@ -18274,7 +18274,7 @@
         <p:spPr>
           <a:xfrm>
             <a:off x="318240" y="156240"/>
-            <a:ext cx="8433000" cy="480240"/>
+            <a:ext cx="8432640" cy="479880"/>
           </a:xfrm>
           <a:prstGeom prst="rect">
             <a:avLst/>
@@ -18331,7 +18331,7 @@
         <p:spPr>
           <a:xfrm>
             <a:off x="364320" y="985680"/>
-            <a:ext cx="8433000" cy="1155960"/>
+            <a:ext cx="8432640" cy="1155960"/>
           </a:xfrm>
           <a:prstGeom prst="rect">
             <a:avLst/>
@@ -18352,7 +18352,7 @@
             <a:spAutoFit/>
           </a:bodyPr>
           <a:p>
-            <a:pPr marL="457200" indent="-304200">
+            <a:pPr marL="457200" indent="-303840">
               <a:lnSpc>
                 <a:spcPct val="128000"/>
               </a:lnSpc>
@@ -18380,7 +18380,7 @@
             </a:endParaRPr>
           </a:p>
           <a:p>
-            <a:pPr lvl="1" marL="914400" indent="-304200">
+            <a:pPr lvl="1" marL="914400" indent="-303840">
               <a:lnSpc>
                 <a:spcPct val="128000"/>
               </a:lnSpc>
@@ -18408,7 +18408,7 @@
             </a:endParaRPr>
           </a:p>
           <a:p>
-            <a:pPr lvl="1" marL="914400" indent="-304200">
+            <a:pPr lvl="1" marL="914400" indent="-303840">
               <a:lnSpc>
                 <a:spcPct val="128000"/>
               </a:lnSpc>
@@ -18463,7 +18463,7 @@
         <p:spPr>
           <a:xfrm>
             <a:off x="4982760" y="2233800"/>
-            <a:ext cx="3714120" cy="1666080"/>
+            <a:ext cx="3713760" cy="1665720"/>
           </a:xfrm>
           <a:prstGeom prst="rect">
             <a:avLst/>
@@ -18516,7 +18516,7 @@
         <p:spPr>
           <a:xfrm>
             <a:off x="4254840" y="1983240"/>
-            <a:ext cx="4793400" cy="3159720"/>
+            <a:ext cx="4793040" cy="3159360"/>
           </a:xfrm>
           <a:prstGeom prst="rect">
             <a:avLst/>
@@ -18535,7 +18535,7 @@
         <p:spPr>
           <a:xfrm>
             <a:off x="318240" y="156240"/>
-            <a:ext cx="8433000" cy="480240"/>
+            <a:ext cx="8432640" cy="479880"/>
           </a:xfrm>
           <a:prstGeom prst="rect">
             <a:avLst/>
@@ -18592,7 +18592,7 @@
         <p:spPr>
           <a:xfrm>
             <a:off x="364320" y="985680"/>
-            <a:ext cx="8433000" cy="2757240"/>
+            <a:ext cx="8432640" cy="2757240"/>
           </a:xfrm>
           <a:prstGeom prst="rect">
             <a:avLst/>
@@ -18613,7 +18613,7 @@
             <a:spAutoFit/>
           </a:bodyPr>
           <a:p>
-            <a:pPr marL="457200" indent="-304200">
+            <a:pPr marL="457200" indent="-303840">
               <a:lnSpc>
                 <a:spcPct val="128000"/>
               </a:lnSpc>
@@ -18641,7 +18641,7 @@
             </a:endParaRPr>
           </a:p>
           <a:p>
-            <a:pPr lvl="1" marL="914400" indent="-304200">
+            <a:pPr lvl="1" marL="914400" indent="-303840">
               <a:lnSpc>
                 <a:spcPct val="128000"/>
               </a:lnSpc>
@@ -18721,7 +18721,7 @@
             </a:endParaRPr>
           </a:p>
           <a:p>
-            <a:pPr lvl="1" marL="914400" indent="-304200">
+            <a:pPr lvl="1" marL="914400" indent="-303840">
               <a:lnSpc>
                 <a:spcPct val="128000"/>
               </a:lnSpc>
@@ -18788,7 +18788,7 @@
             </a:endParaRPr>
           </a:p>
           <a:p>
-            <a:pPr lvl="1" marL="914400" indent="-304200">
+            <a:pPr lvl="1" marL="914400" indent="-303840">
               <a:lnSpc>
                 <a:spcPct val="128000"/>
               </a:lnSpc>
@@ -18982,7 +18982,7 @@
         <p:spPr>
           <a:xfrm>
             <a:off x="2986920" y="2775600"/>
-            <a:ext cx="2228760" cy="502200"/>
+            <a:ext cx="2228400" cy="501840"/>
           </a:xfrm>
           <a:custGeom>
             <a:avLst/>
@@ -19025,7 +19025,7 @@
         <p:spPr>
           <a:xfrm>
             <a:off x="2477160" y="3220200"/>
-            <a:ext cx="2556360" cy="429120"/>
+            <a:ext cx="2556000" cy="428760"/>
           </a:xfrm>
           <a:custGeom>
             <a:avLst/>
@@ -19098,7 +19098,7 @@
         <p:spPr>
           <a:xfrm>
             <a:off x="318240" y="156240"/>
-            <a:ext cx="8433000" cy="480240"/>
+            <a:ext cx="8432640" cy="479880"/>
           </a:xfrm>
           <a:prstGeom prst="rect">
             <a:avLst/>
@@ -19155,7 +19155,7 @@
         <p:spPr>
           <a:xfrm>
             <a:off x="364320" y="985680"/>
-            <a:ext cx="8433000" cy="922680"/>
+            <a:ext cx="8432640" cy="922680"/>
           </a:xfrm>
           <a:prstGeom prst="rect">
             <a:avLst/>
@@ -19176,7 +19176,7 @@
             <a:spAutoFit/>
           </a:bodyPr>
           <a:p>
-            <a:pPr marL="457200" indent="-304200">
+            <a:pPr marL="457200" indent="-303840">
               <a:lnSpc>
                 <a:spcPct val="128000"/>
               </a:lnSpc>
@@ -19204,7 +19204,7 @@
             </a:endParaRPr>
           </a:p>
           <a:p>
-            <a:pPr lvl="1" marL="914400" indent="-304200">
+            <a:pPr lvl="1" marL="914400" indent="-303840">
               <a:lnSpc>
                 <a:spcPct val="128000"/>
               </a:lnSpc>
@@ -19259,7 +19259,7 @@
         <p:spPr>
           <a:xfrm>
             <a:off x="1182960" y="1883880"/>
-            <a:ext cx="7257240" cy="2715120"/>
+            <a:ext cx="7256880" cy="2714760"/>
           </a:xfrm>
           <a:prstGeom prst="rect">
             <a:avLst/>
@@ -19278,7 +19278,7 @@
         <p:spPr>
           <a:xfrm>
             <a:off x="3344040" y="1442520"/>
-            <a:ext cx="3481560" cy="1915560"/>
+            <a:ext cx="3481200" cy="1915200"/>
           </a:xfrm>
           <a:custGeom>
             <a:avLst/>
@@ -19351,7 +19351,7 @@
         <p:spPr>
           <a:xfrm>
             <a:off x="318240" y="156240"/>
-            <a:ext cx="8433000" cy="480240"/>
+            <a:ext cx="8432640" cy="479880"/>
           </a:xfrm>
           <a:prstGeom prst="rect">
             <a:avLst/>
@@ -19408,7 +19408,7 @@
         <p:spPr>
           <a:xfrm>
             <a:off x="364320" y="604440"/>
-            <a:ext cx="8433000" cy="2595240"/>
+            <a:ext cx="8432640" cy="2594880"/>
           </a:xfrm>
           <a:prstGeom prst="rect">
             <a:avLst/>
@@ -19429,7 +19429,7 @@
             <a:spAutoFit/>
           </a:bodyPr>
           <a:p>
-            <a:pPr marL="457200" indent="-297720">
+            <a:pPr marL="457200" indent="-297360">
               <a:lnSpc>
                 <a:spcPct val="128000"/>
               </a:lnSpc>
@@ -19457,7 +19457,7 @@
             </a:endParaRPr>
           </a:p>
           <a:p>
-            <a:pPr lvl="1" marL="914400" indent="-297720">
+            <a:pPr lvl="1" marL="914400" indent="-297360">
               <a:lnSpc>
                 <a:spcPct val="128000"/>
               </a:lnSpc>
@@ -19511,7 +19511,7 @@
             </a:endParaRPr>
           </a:p>
           <a:p>
-            <a:pPr lvl="1" marL="914400" indent="-297720">
+            <a:pPr lvl="1" marL="914400" indent="-297360">
               <a:lnSpc>
                 <a:spcPct val="128000"/>
               </a:lnSpc>
@@ -19539,7 +19539,7 @@
             </a:endParaRPr>
           </a:p>
           <a:p>
-            <a:pPr lvl="1" marL="914400" indent="-297720">
+            <a:pPr lvl="1" marL="914400" indent="-297360">
               <a:lnSpc>
                 <a:spcPct val="128000"/>
               </a:lnSpc>
@@ -19567,7 +19567,7 @@
             </a:endParaRPr>
           </a:p>
           <a:p>
-            <a:pPr lvl="1" marL="914400" indent="-297720">
+            <a:pPr lvl="1" marL="914400" indent="-297360">
               <a:lnSpc>
                 <a:spcPct val="128000"/>
               </a:lnSpc>
@@ -19595,7 +19595,7 @@
             </a:endParaRPr>
           </a:p>
           <a:p>
-            <a:pPr lvl="1" marL="914400" indent="-297720">
+            <a:pPr lvl="1" marL="914400" indent="-297360">
               <a:lnSpc>
                 <a:spcPct val="128000"/>
               </a:lnSpc>
@@ -19675,7 +19675,7 @@
             </a:endParaRPr>
           </a:p>
           <a:p>
-            <a:pPr lvl="1" marL="914400" indent="-297720">
+            <a:pPr lvl="1" marL="914400" indent="-297360">
               <a:lnSpc>
                 <a:spcPct val="128000"/>
               </a:lnSpc>
@@ -19706,7 +19706,7 @@
             </a:endParaRPr>
           </a:p>
           <a:p>
-            <a:pPr lvl="1" marL="914400" indent="-297720">
+            <a:pPr lvl="1" marL="914400" indent="-297360">
               <a:lnSpc>
                 <a:spcPct val="128000"/>
               </a:lnSpc>
@@ -19764,7 +19764,7 @@
         <p:spPr>
           <a:xfrm>
             <a:off x="1631880" y="3097080"/>
-            <a:ext cx="7352280" cy="2031120"/>
+            <a:ext cx="7351920" cy="2030760"/>
           </a:xfrm>
           <a:prstGeom prst="rect">
             <a:avLst/>
@@ -19813,7 +19813,7 @@
         <p:spPr>
           <a:xfrm>
             <a:off x="318240" y="156240"/>
-            <a:ext cx="8433000" cy="480240"/>
+            <a:ext cx="8432640" cy="479880"/>
           </a:xfrm>
           <a:prstGeom prst="rect">
             <a:avLst/>
@@ -19870,7 +19870,7 @@
         <p:spPr>
           <a:xfrm>
             <a:off x="364320" y="833040"/>
-            <a:ext cx="8433000" cy="3868920"/>
+            <a:ext cx="8432640" cy="3868560"/>
           </a:xfrm>
           <a:prstGeom prst="rect">
             <a:avLst/>
@@ -19891,7 +19891,7 @@
             <a:spAutoFit/>
           </a:bodyPr>
           <a:p>
-            <a:pPr marL="457200" indent="-304200">
+            <a:pPr marL="457200" indent="-303840">
               <a:lnSpc>
                 <a:spcPct val="128000"/>
               </a:lnSpc>
@@ -19919,7 +19919,7 @@
             </a:endParaRPr>
           </a:p>
           <a:p>
-            <a:pPr lvl="1" marL="914400" indent="-304200">
+            <a:pPr lvl="1" marL="914400" indent="-303840">
               <a:lnSpc>
                 <a:spcPct val="128000"/>
               </a:lnSpc>
@@ -19960,7 +19960,7 @@
             </a:endParaRPr>
           </a:p>
           <a:p>
-            <a:pPr lvl="2" marL="1371600" indent="-304200">
+            <a:pPr lvl="2" marL="1371600" indent="-303840">
               <a:lnSpc>
                 <a:spcPct val="128000"/>
               </a:lnSpc>
@@ -19988,7 +19988,7 @@
             </a:endParaRPr>
           </a:p>
           <a:p>
-            <a:pPr lvl="2" marL="1371600" indent="-304200">
+            <a:pPr lvl="2" marL="1371600" indent="-303840">
               <a:lnSpc>
                 <a:spcPct val="128000"/>
               </a:lnSpc>
@@ -20016,7 +20016,7 @@
             </a:endParaRPr>
           </a:p>
           <a:p>
-            <a:pPr lvl="2" marL="1371600" indent="-304200">
+            <a:pPr lvl="2" marL="1371600" indent="-303840">
               <a:lnSpc>
                 <a:spcPct val="128000"/>
               </a:lnSpc>
@@ -20044,7 +20044,7 @@
             </a:endParaRPr>
           </a:p>
           <a:p>
-            <a:pPr lvl="2" marL="1371600" indent="-304200">
+            <a:pPr lvl="2" marL="1371600" indent="-303840">
               <a:lnSpc>
                 <a:spcPct val="128000"/>
               </a:lnSpc>
@@ -20072,7 +20072,7 @@
             </a:endParaRPr>
           </a:p>
           <a:p>
-            <a:pPr lvl="2" marL="1371600" indent="-304200">
+            <a:pPr lvl="2" marL="1371600" indent="-303840">
               <a:lnSpc>
                 <a:spcPct val="128000"/>
               </a:lnSpc>
@@ -20100,7 +20100,7 @@
             </a:endParaRPr>
           </a:p>
           <a:p>
-            <a:pPr lvl="2" marL="1371600" indent="-304200">
+            <a:pPr lvl="2" marL="1371600" indent="-303840">
               <a:lnSpc>
                 <a:spcPct val="128000"/>
               </a:lnSpc>
@@ -20128,7 +20128,7 @@
             </a:endParaRPr>
           </a:p>
           <a:p>
-            <a:pPr lvl="2" marL="1371600" indent="-304200">
+            <a:pPr lvl="2" marL="1371600" indent="-303840">
               <a:lnSpc>
                 <a:spcPct val="128000"/>
               </a:lnSpc>
@@ -20391,7 +20391,7 @@
         <p:spPr>
           <a:xfrm>
             <a:off x="5274720" y="1551960"/>
-            <a:ext cx="3641760" cy="3518280"/>
+            <a:ext cx="3641400" cy="3517920"/>
           </a:xfrm>
           <a:prstGeom prst="rect">
             <a:avLst/>
@@ -20440,7 +20440,7 @@
         <p:spPr>
           <a:xfrm>
             <a:off x="318240" y="156240"/>
-            <a:ext cx="8433000" cy="480240"/>
+            <a:ext cx="8432640" cy="479880"/>
           </a:xfrm>
           <a:prstGeom prst="rect">
             <a:avLst/>
@@ -20497,7 +20497,7 @@
         <p:spPr>
           <a:xfrm>
             <a:off x="364320" y="909360"/>
-            <a:ext cx="8433000" cy="1115640"/>
+            <a:ext cx="8432640" cy="1115640"/>
           </a:xfrm>
           <a:prstGeom prst="rect">
             <a:avLst/>
@@ -20518,7 +20518,7 @@
             <a:spAutoFit/>
           </a:bodyPr>
           <a:p>
-            <a:pPr marL="457200" indent="-304200">
+            <a:pPr marL="457200" indent="-303840">
               <a:lnSpc>
                 <a:spcPct val="128000"/>
               </a:lnSpc>
@@ -20546,7 +20546,7 @@
             </a:endParaRPr>
           </a:p>
           <a:p>
-            <a:pPr lvl="1" marL="914400" indent="-304200">
+            <a:pPr lvl="1" marL="914400" indent="-303840">
               <a:lnSpc>
                 <a:spcPct val="128000"/>
               </a:lnSpc>
@@ -20613,7 +20613,7 @@
             </a:endParaRPr>
           </a:p>
           <a:p>
-            <a:pPr lvl="1" marL="914400" indent="-304200">
+            <a:pPr lvl="1" marL="914400" indent="-303840">
               <a:lnSpc>
                 <a:spcPct val="128000"/>
               </a:lnSpc>
@@ -20694,7 +20694,7 @@
         <p:spPr>
           <a:xfrm>
             <a:off x="4628160" y="1908720"/>
-            <a:ext cx="4232880" cy="3023280"/>
+            <a:ext cx="4232520" cy="3022920"/>
           </a:xfrm>
           <a:prstGeom prst="rect">
             <a:avLst/>
@@ -20743,7 +20743,7 @@
         <p:spPr>
           <a:xfrm>
             <a:off x="318240" y="156240"/>
-            <a:ext cx="8433000" cy="480240"/>
+            <a:ext cx="8432640" cy="479880"/>
           </a:xfrm>
           <a:prstGeom prst="rect">
             <a:avLst/>
@@ -20800,7 +20800,7 @@
         <p:spPr>
           <a:xfrm>
             <a:off x="364320" y="985680"/>
-            <a:ext cx="8433000" cy="2611080"/>
+            <a:ext cx="8432640" cy="2611080"/>
           </a:xfrm>
           <a:prstGeom prst="rect">
             <a:avLst/>
@@ -20821,7 +20821,7 @@
             <a:spAutoFit/>
           </a:bodyPr>
           <a:p>
-            <a:pPr marL="457200" indent="-304200">
+            <a:pPr marL="457200" indent="-303840">
               <a:lnSpc>
                 <a:spcPct val="128000"/>
               </a:lnSpc>
@@ -20849,7 +20849,7 @@
             </a:endParaRPr>
           </a:p>
           <a:p>
-            <a:pPr lvl="1" marL="914400" indent="-304200">
+            <a:pPr lvl="1" marL="914400" indent="-303840">
               <a:lnSpc>
                 <a:spcPct val="128000"/>
               </a:lnSpc>
@@ -20877,7 +20877,7 @@
             </a:endParaRPr>
           </a:p>
           <a:p>
-            <a:pPr lvl="1" marL="914400" indent="-294480">
+            <a:pPr lvl="1" marL="914400" indent="-294120">
               <a:lnSpc>
                 <a:spcPct val="128000"/>
               </a:lnSpc>
@@ -21166,7 +21166,7 @@
         <p:spPr>
           <a:xfrm>
             <a:off x="4631400" y="2768400"/>
-            <a:ext cx="4310280" cy="2229120"/>
+            <a:ext cx="4309920" cy="2228760"/>
           </a:xfrm>
           <a:prstGeom prst="rect">
             <a:avLst/>
@@ -21215,7 +21215,7 @@
         <p:spPr>
           <a:xfrm>
             <a:off x="318240" y="156240"/>
-            <a:ext cx="8433000" cy="480240"/>
+            <a:ext cx="8432640" cy="479880"/>
           </a:xfrm>
           <a:prstGeom prst="rect">
             <a:avLst/>
@@ -21276,7 +21276,7 @@
         <p:spPr>
           <a:xfrm>
             <a:off x="1607400" y="1216800"/>
-            <a:ext cx="5708160" cy="3270960"/>
+            <a:ext cx="5707800" cy="3270600"/>
           </a:xfrm>
           <a:prstGeom prst="rect">
             <a:avLst/>
@@ -21325,7 +21325,7 @@
         <p:spPr>
           <a:xfrm>
             <a:off x="318240" y="156240"/>
-            <a:ext cx="8433000" cy="480240"/>
+            <a:ext cx="8432640" cy="479880"/>
           </a:xfrm>
           <a:prstGeom prst="rect">
             <a:avLst/>
@@ -21382,7 +21382,7 @@
         <p:spPr>
           <a:xfrm>
             <a:off x="401040" y="1176120"/>
-            <a:ext cx="4202640" cy="3809520"/>
+            <a:ext cx="4202280" cy="3809520"/>
           </a:xfrm>
           <a:prstGeom prst="rect">
             <a:avLst/>
@@ -21432,7 +21432,7 @@
             </a:endParaRPr>
           </a:p>
           <a:p>
-            <a:pPr marL="596880" indent="-304200">
+            <a:pPr marL="596880" indent="-303840">
               <a:lnSpc>
                 <a:spcPct val="150000"/>
               </a:lnSpc>
@@ -21466,7 +21466,7 @@
             </a:endParaRPr>
           </a:p>
           <a:p>
-            <a:pPr marL="596880" indent="-304200">
+            <a:pPr marL="596880" indent="-303840">
               <a:lnSpc>
                 <a:spcPct val="150000"/>
               </a:lnSpc>
@@ -21497,7 +21497,7 @@
             </a:endParaRPr>
           </a:p>
           <a:p>
-            <a:pPr marL="596880" indent="-304200">
+            <a:pPr marL="596880" indent="-303840">
               <a:lnSpc>
                 <a:spcPct val="150000"/>
               </a:lnSpc>
@@ -21528,7 +21528,7 @@
             </a:endParaRPr>
           </a:p>
           <a:p>
-            <a:pPr marL="596880" indent="-304200">
+            <a:pPr marL="596880" indent="-303840">
               <a:lnSpc>
                 <a:spcPct val="150000"/>
               </a:lnSpc>
@@ -21601,7 +21601,7 @@
             </a:endParaRPr>
           </a:p>
           <a:p>
-            <a:pPr marL="596880" indent="-304200">
+            <a:pPr marL="596880" indent="-303840">
               <a:lnSpc>
                 <a:spcPct val="150000"/>
               </a:lnSpc>
@@ -21635,7 +21635,7 @@
             </a:endParaRPr>
           </a:p>
           <a:p>
-            <a:pPr marL="596880" indent="-304200">
+            <a:pPr marL="596880" indent="-303840">
               <a:lnSpc>
                 <a:spcPct val="150000"/>
               </a:lnSpc>
@@ -21666,7 +21666,7 @@
             </a:endParaRPr>
           </a:p>
           <a:p>
-            <a:pPr marL="596880" indent="-304200">
+            <a:pPr marL="596880" indent="-303840">
               <a:lnSpc>
                 <a:spcPct val="150000"/>
               </a:lnSpc>
@@ -21720,7 +21720,7 @@
         <p:spPr>
           <a:xfrm>
             <a:off x="4721040" y="1613160"/>
-            <a:ext cx="4232160" cy="2359080"/>
+            <a:ext cx="4231800" cy="2358720"/>
           </a:xfrm>
           <a:prstGeom prst="rect">
             <a:avLst/>
@@ -22584,7 +22584,7 @@
         <p:spPr>
           <a:xfrm>
             <a:off x="318240" y="156240"/>
-            <a:ext cx="8433000" cy="480240"/>
+            <a:ext cx="8432640" cy="479880"/>
           </a:xfrm>
           <a:prstGeom prst="rect">
             <a:avLst/>
@@ -22641,7 +22641,7 @@
         <p:spPr>
           <a:xfrm>
             <a:off x="318240" y="934560"/>
-            <a:ext cx="8433000" cy="3764160"/>
+            <a:ext cx="8432640" cy="3764160"/>
           </a:xfrm>
           <a:prstGeom prst="rect">
             <a:avLst/>
@@ -22662,7 +22662,7 @@
             <a:spAutoFit/>
           </a:bodyPr>
           <a:p>
-            <a:pPr marL="457200" indent="-291240">
+            <a:pPr marL="457200" indent="-290880">
               <a:lnSpc>
                 <a:spcPct val="128000"/>
               </a:lnSpc>
@@ -22690,7 +22690,7 @@
             </a:endParaRPr>
           </a:p>
           <a:p>
-            <a:pPr lvl="1" marL="914400" indent="-291240">
+            <a:pPr lvl="1" marL="914400" indent="-290880">
               <a:lnSpc>
                 <a:spcPct val="128000"/>
               </a:lnSpc>
@@ -22731,7 +22731,7 @@
             </a:endParaRPr>
           </a:p>
           <a:p>
-            <a:pPr lvl="1" marL="914400" indent="-291240">
+            <a:pPr lvl="1" marL="914400" indent="-290880">
               <a:lnSpc>
                 <a:spcPct val="128000"/>
               </a:lnSpc>
@@ -22811,7 +22811,7 @@
             </a:endParaRPr>
           </a:p>
           <a:p>
-            <a:pPr lvl="1" marL="914400" indent="-291240">
+            <a:pPr lvl="1" marL="914400" indent="-290880">
               <a:lnSpc>
                 <a:spcPct val="128000"/>
               </a:lnSpc>
@@ -22832,7 +22832,7 @@
                 <a:latin typeface="Arial"/>
                 <a:ea typeface="Arial"/>
               </a:rPr>
-              <a:t>Creación del </a:t>
+              <a:t>Creación del Topic de nombre </a:t>
             </a:r>
             <a:r>
               <a:rPr b="1" lang="en" sz="1000" spc="-1" strike="noStrike">
@@ -22845,7 +22845,7 @@
                 <a:latin typeface="Arial"/>
                 <a:ea typeface="Arial"/>
               </a:rPr>
-              <a:t>Topic</a:t>
+              <a:t>challenge</a:t>
             </a:r>
             <a:r>
               <a:rPr b="0" lang="en" sz="1000" spc="-1" strike="noStrike">
@@ -22858,40 +22858,14 @@
                 <a:latin typeface="Arial"/>
                 <a:ea typeface="Arial"/>
               </a:rPr>
-              <a:t> de nombre </a:t>
-            </a:r>
-            <a:r>
-              <a:rPr b="1" lang="en" sz="1000" spc="-1" strike="noStrike">
-                <a:solidFill>
-                  <a:srgbClr val="202124"/>
-                </a:solidFill>
-                <a:highlight>
-                  <a:srgbClr val="f8f9fa"/>
-                </a:highlight>
-                <a:latin typeface="Arial"/>
-                <a:ea typeface="Arial"/>
-              </a:rPr>
-              <a:t>challenge</a:t>
-            </a:r>
-            <a:r>
-              <a:rPr b="0" lang="en" sz="1000" spc="-1" strike="noStrike">
-                <a:solidFill>
-                  <a:srgbClr val="202124"/>
-                </a:solidFill>
-                <a:highlight>
-                  <a:srgbClr val="f8f9fa"/>
-                </a:highlight>
-                <a:latin typeface="Arial"/>
-                <a:ea typeface="Arial"/>
-              </a:rPr>
-              <a:t> programáticamente con 2 particiones 1 réplica</a:t>
+              <a:t> programáticamente (Cuantas particiones/réplicas ? )</a:t>
             </a:r>
             <a:endParaRPr b="0" lang="es-ES" sz="1000" spc="-1" strike="noStrike">
               <a:latin typeface="Arial"/>
             </a:endParaRPr>
           </a:p>
           <a:p>
-            <a:pPr marL="457200" indent="-291240">
+            <a:pPr marL="457200" indent="-290880">
               <a:lnSpc>
                 <a:spcPct val="128000"/>
               </a:lnSpc>
@@ -22919,7 +22893,7 @@
             </a:endParaRPr>
           </a:p>
           <a:p>
-            <a:pPr lvl="1" marL="914400" indent="-291240">
+            <a:pPr lvl="1" marL="914400" indent="-290880">
               <a:lnSpc>
                 <a:spcPct val="128000"/>
               </a:lnSpc>
@@ -22960,7 +22934,7 @@
             </a:endParaRPr>
           </a:p>
           <a:p>
-            <a:pPr lvl="1" marL="914400" indent="-291240">
+            <a:pPr lvl="1" marL="914400" indent="-290880">
               <a:lnSpc>
                 <a:spcPct val="128000"/>
               </a:lnSpc>
@@ -23040,7 +23014,7 @@
             </a:endParaRPr>
           </a:p>
           <a:p>
-            <a:pPr marL="457200" indent="-291240">
+            <a:pPr marL="457200" indent="-290880">
               <a:lnSpc>
                 <a:spcPct val="128000"/>
               </a:lnSpc>
@@ -23068,7 +23042,7 @@
             </a:endParaRPr>
           </a:p>
           <a:p>
-            <a:pPr lvl="1" marL="914400" indent="-291240">
+            <a:pPr lvl="1" marL="914400" indent="-290880">
               <a:lnSpc>
                 <a:spcPct val="128000"/>
               </a:lnSpc>
@@ -23109,7 +23083,7 @@
             </a:endParaRPr>
           </a:p>
           <a:p>
-            <a:pPr lvl="1" marL="914400" indent="-291240">
+            <a:pPr lvl="1" marL="914400" indent="-290880">
               <a:lnSpc>
                 <a:spcPct val="128000"/>
               </a:lnSpc>
@@ -23189,7 +23163,7 @@
             </a:endParaRPr>
           </a:p>
           <a:p>
-            <a:pPr marL="457200" indent="-291240">
+            <a:pPr marL="457200" indent="-290880">
               <a:lnSpc>
                 <a:spcPct val="128000"/>
               </a:lnSpc>
@@ -23217,7 +23191,7 @@
             </a:endParaRPr>
           </a:p>
           <a:p>
-            <a:pPr lvl="1" marL="914400" indent="-291240">
+            <a:pPr lvl="1" marL="914400" indent="-290880">
               <a:lnSpc>
                 <a:spcPct val="128000"/>
               </a:lnSpc>
@@ -23258,7 +23232,7 @@
             </a:endParaRPr>
           </a:p>
           <a:p>
-            <a:pPr lvl="1" marL="914400" indent="-291240">
+            <a:pPr lvl="1" marL="914400" indent="-290880">
               <a:lnSpc>
                 <a:spcPct val="128000"/>
               </a:lnSpc>
@@ -23432,7 +23406,7 @@
         <p:spPr>
           <a:xfrm>
             <a:off x="4510080" y="2571840"/>
-            <a:ext cx="4538160" cy="2523600"/>
+            <a:ext cx="4537800" cy="2523240"/>
           </a:xfrm>
           <a:prstGeom prst="rect">
             <a:avLst/>
@@ -23481,7 +23455,7 @@
         <p:spPr>
           <a:xfrm>
             <a:off x="318240" y="156240"/>
-            <a:ext cx="8433000" cy="480240"/>
+            <a:ext cx="8432640" cy="479880"/>
           </a:xfrm>
           <a:prstGeom prst="rect">
             <a:avLst/>
@@ -23538,7 +23512,7 @@
         <p:spPr>
           <a:xfrm>
             <a:off x="364320" y="985680"/>
-            <a:ext cx="8433000" cy="1155960"/>
+            <a:ext cx="8432640" cy="1155960"/>
           </a:xfrm>
           <a:prstGeom prst="rect">
             <a:avLst/>
@@ -23559,7 +23533,7 @@
             <a:spAutoFit/>
           </a:bodyPr>
           <a:p>
-            <a:pPr marL="457200" indent="-304200">
+            <a:pPr marL="457200" indent="-303840">
               <a:lnSpc>
                 <a:spcPct val="128000"/>
               </a:lnSpc>
@@ -23587,7 +23561,7 @@
             </a:endParaRPr>
           </a:p>
           <a:p>
-            <a:pPr marL="457200" indent="-304200">
+            <a:pPr marL="457200" indent="-303840">
               <a:lnSpc>
                 <a:spcPct val="128000"/>
               </a:lnSpc>
@@ -23615,7 +23589,7 @@
             </a:endParaRPr>
           </a:p>
           <a:p>
-            <a:pPr marL="457200" indent="-304200">
+            <a:pPr marL="457200" indent="-303840">
               <a:lnSpc>
                 <a:spcPct val="128000"/>
               </a:lnSpc>
@@ -23709,7 +23683,7 @@
         <p:spPr>
           <a:xfrm>
             <a:off x="406440" y="1806840"/>
-            <a:ext cx="8296200" cy="1541160"/>
+            <a:ext cx="8295840" cy="1540800"/>
           </a:xfrm>
           <a:prstGeom prst="rect">
             <a:avLst/>
@@ -23793,7 +23767,7 @@
         <p:spPr>
           <a:xfrm>
             <a:off x="318240" y="156240"/>
-            <a:ext cx="8433000" cy="480240"/>
+            <a:ext cx="8432640" cy="479880"/>
           </a:xfrm>
           <a:prstGeom prst="rect">
             <a:avLst/>
@@ -23850,7 +23824,7 @@
         <p:spPr>
           <a:xfrm>
             <a:off x="401040" y="1176120"/>
-            <a:ext cx="8341200" cy="3650400"/>
+            <a:ext cx="8340840" cy="3650400"/>
           </a:xfrm>
           <a:prstGeom prst="rect">
             <a:avLst/>
@@ -23871,7 +23845,7 @@
             <a:spAutoFit/>
           </a:bodyPr>
           <a:p>
-            <a:pPr marL="457200" indent="-304200">
+            <a:pPr marL="457200" indent="-303840">
               <a:lnSpc>
                 <a:spcPct val="150000"/>
               </a:lnSpc>
@@ -23899,7 +23873,7 @@
             </a:endParaRPr>
           </a:p>
           <a:p>
-            <a:pPr marL="457200" indent="-304200">
+            <a:pPr marL="457200" indent="-303840">
               <a:lnSpc>
                 <a:spcPct val="150000"/>
               </a:lnSpc>
@@ -23927,7 +23901,7 @@
             </a:endParaRPr>
           </a:p>
           <a:p>
-            <a:pPr marL="457200" indent="-304200">
+            <a:pPr marL="457200" indent="-303840">
               <a:lnSpc>
                 <a:spcPct val="150000"/>
               </a:lnSpc>
@@ -23955,7 +23929,7 @@
             </a:endParaRPr>
           </a:p>
           <a:p>
-            <a:pPr marL="457200" indent="-304200">
+            <a:pPr marL="457200" indent="-303840">
               <a:lnSpc>
                 <a:spcPct val="150000"/>
               </a:lnSpc>
@@ -24035,7 +24009,7 @@
             </a:endParaRPr>
           </a:p>
           <a:p>
-            <a:pPr marL="457200" indent="-304200">
+            <a:pPr marL="457200" indent="-303840">
               <a:lnSpc>
                 <a:spcPct val="150000"/>
               </a:lnSpc>
@@ -24066,7 +24040,7 @@
             </a:endParaRPr>
           </a:p>
           <a:p>
-            <a:pPr marL="457200" indent="-304200">
+            <a:pPr marL="457200" indent="-303840">
               <a:lnSpc>
                 <a:spcPct val="150000"/>
               </a:lnSpc>
@@ -24097,7 +24071,7 @@
             </a:endParaRPr>
           </a:p>
           <a:p>
-            <a:pPr marL="457200" indent="-304200">
+            <a:pPr marL="457200" indent="-303840">
               <a:lnSpc>
                 <a:spcPct val="150000"/>
               </a:lnSpc>
@@ -24194,7 +24168,7 @@
         <p:spPr>
           <a:xfrm>
             <a:off x="318240" y="156240"/>
-            <a:ext cx="8433000" cy="480240"/>
+            <a:ext cx="8432640" cy="479880"/>
           </a:xfrm>
           <a:prstGeom prst="rect">
             <a:avLst/>
@@ -24251,7 +24225,7 @@
         <p:spPr>
           <a:xfrm>
             <a:off x="364320" y="1061640"/>
-            <a:ext cx="8341200" cy="3935160"/>
+            <a:ext cx="8340840" cy="3935160"/>
           </a:xfrm>
           <a:prstGeom prst="rect">
             <a:avLst/>
@@ -24272,7 +24246,7 @@
             <a:spAutoFit/>
           </a:bodyPr>
           <a:p>
-            <a:pPr marL="457200" indent="-304200">
+            <a:pPr marL="457200" indent="-303840">
               <a:lnSpc>
                 <a:spcPct val="150000"/>
               </a:lnSpc>
@@ -24300,7 +24274,7 @@
             </a:endParaRPr>
           </a:p>
           <a:p>
-            <a:pPr marL="457200" indent="-304200">
+            <a:pPr marL="457200" indent="-303840">
               <a:lnSpc>
                 <a:spcPct val="150000"/>
               </a:lnSpc>
@@ -24328,7 +24302,7 @@
             </a:endParaRPr>
           </a:p>
           <a:p>
-            <a:pPr marL="457200" indent="-304200">
+            <a:pPr marL="457200" indent="-303840">
               <a:lnSpc>
                 <a:spcPct val="150000"/>
               </a:lnSpc>
@@ -24356,7 +24330,7 @@
             </a:endParaRPr>
           </a:p>
           <a:p>
-            <a:pPr marL="457200" indent="-304200">
+            <a:pPr marL="457200" indent="-303840">
               <a:lnSpc>
                 <a:spcPct val="150000"/>
               </a:lnSpc>
@@ -24384,7 +24358,7 @@
             </a:endParaRPr>
           </a:p>
           <a:p>
-            <a:pPr marL="457200" indent="-304200">
+            <a:pPr marL="457200" indent="-303840">
               <a:lnSpc>
                 <a:spcPct val="128000"/>
               </a:lnSpc>
@@ -24412,7 +24386,7 @@
             </a:endParaRPr>
           </a:p>
           <a:p>
-            <a:pPr marL="457200" indent="-304200">
+            <a:pPr marL="457200" indent="-303840">
               <a:lnSpc>
                 <a:spcPct val="128000"/>
               </a:lnSpc>
@@ -24649,7 +24623,7 @@
         <p:spPr>
           <a:xfrm>
             <a:off x="318240" y="156240"/>
-            <a:ext cx="8433000" cy="480240"/>
+            <a:ext cx="8432640" cy="479880"/>
           </a:xfrm>
           <a:prstGeom prst="rect">
             <a:avLst/>
@@ -24706,7 +24680,7 @@
         <p:spPr>
           <a:xfrm>
             <a:off x="364320" y="1061640"/>
-            <a:ext cx="8341200" cy="3657240"/>
+            <a:ext cx="8340840" cy="3656880"/>
           </a:xfrm>
           <a:prstGeom prst="rect">
             <a:avLst/>
@@ -24727,7 +24701,7 @@
             <a:spAutoFit/>
           </a:bodyPr>
           <a:p>
-            <a:pPr marL="457200" indent="-304200">
+            <a:pPr marL="457200" indent="-303840">
               <a:lnSpc>
                 <a:spcPct val="128000"/>
               </a:lnSpc>
@@ -24755,7 +24729,7 @@
             </a:endParaRPr>
           </a:p>
           <a:p>
-            <a:pPr lvl="1" marL="914400" indent="-304200">
+            <a:pPr lvl="1" marL="914400" indent="-303840">
               <a:lnSpc>
                 <a:spcPct val="115000"/>
               </a:lnSpc>
@@ -24809,7 +24783,7 @@
             </a:endParaRPr>
           </a:p>
           <a:p>
-            <a:pPr lvl="1" marL="914400" indent="-304200">
+            <a:pPr lvl="1" marL="914400" indent="-303840">
               <a:lnSpc>
                 <a:spcPct val="115000"/>
               </a:lnSpc>
@@ -24892,7 +24866,7 @@
             </a:endParaRPr>
           </a:p>
           <a:p>
-            <a:pPr marL="457200" indent="-304200">
+            <a:pPr marL="457200" indent="-303840">
               <a:lnSpc>
                 <a:spcPct val="128000"/>
               </a:lnSpc>
@@ -24937,7 +24911,7 @@
         <p:spPr>
           <a:xfrm>
             <a:off x="3504240" y="2836800"/>
-            <a:ext cx="3744360" cy="1431360"/>
+            <a:ext cx="3744000" cy="1431000"/>
           </a:xfrm>
           <a:prstGeom prst="rect">
             <a:avLst/>
@@ -24990,7 +24964,7 @@
         <p:spPr>
           <a:xfrm>
             <a:off x="2032920" y="2993760"/>
-            <a:ext cx="4685400" cy="2025360"/>
+            <a:ext cx="4685040" cy="2025000"/>
           </a:xfrm>
           <a:prstGeom prst="rect">
             <a:avLst/>
@@ -25009,7 +24983,7 @@
         <p:spPr>
           <a:xfrm>
             <a:off x="318240" y="156240"/>
-            <a:ext cx="8433000" cy="480240"/>
+            <a:ext cx="8432640" cy="479880"/>
           </a:xfrm>
           <a:prstGeom prst="rect">
             <a:avLst/>
@@ -25066,7 +25040,7 @@
         <p:spPr>
           <a:xfrm>
             <a:off x="364320" y="604440"/>
-            <a:ext cx="8341200" cy="2595960"/>
+            <a:ext cx="8340840" cy="2595960"/>
           </a:xfrm>
           <a:prstGeom prst="rect">
             <a:avLst/>
@@ -25087,7 +25061,7 @@
             <a:spAutoFit/>
           </a:bodyPr>
           <a:p>
-            <a:pPr marL="457200" indent="-304200">
+            <a:pPr marL="457200" indent="-303840">
               <a:lnSpc>
                 <a:spcPct val="128000"/>
               </a:lnSpc>
@@ -25115,7 +25089,7 @@
             </a:endParaRPr>
           </a:p>
           <a:p>
-            <a:pPr lvl="1" marL="914400" indent="-304200">
+            <a:pPr lvl="1" marL="914400" indent="-303840">
               <a:lnSpc>
                 <a:spcPct val="128000"/>
               </a:lnSpc>
@@ -25156,7 +25130,7 @@
             </a:endParaRPr>
           </a:p>
           <a:p>
-            <a:pPr lvl="1" marL="914400" indent="-304200">
+            <a:pPr lvl="1" marL="914400" indent="-303840">
               <a:lnSpc>
                 <a:spcPct val="150000"/>
               </a:lnSpc>
@@ -25184,7 +25158,7 @@
             </a:endParaRPr>
           </a:p>
           <a:p>
-            <a:pPr marL="457200" indent="-304200">
+            <a:pPr marL="457200" indent="-303840">
               <a:lnSpc>
                 <a:spcPct val="128000"/>
               </a:lnSpc>
@@ -25212,7 +25186,7 @@
             </a:endParaRPr>
           </a:p>
           <a:p>
-            <a:pPr marL="457200" indent="-304200">
+            <a:pPr marL="457200" indent="-303840">
               <a:lnSpc>
                 <a:spcPct val="128000"/>
               </a:lnSpc>
@@ -25240,7 +25214,7 @@
             </a:endParaRPr>
           </a:p>
           <a:p>
-            <a:pPr lvl="1" marL="914400" indent="-304200">
+            <a:pPr lvl="1" marL="914400" indent="-303840">
               <a:lnSpc>
                 <a:spcPct val="128000"/>
               </a:lnSpc>
@@ -25268,7 +25242,7 @@
             </a:endParaRPr>
           </a:p>
           <a:p>
-            <a:pPr lvl="1" marL="914400" indent="-304200">
+            <a:pPr lvl="1" marL="914400" indent="-303840">
               <a:lnSpc>
                 <a:spcPct val="128000"/>
               </a:lnSpc>
@@ -25296,7 +25270,7 @@
             </a:endParaRPr>
           </a:p>
           <a:p>
-            <a:pPr marL="457200" indent="-304200">
+            <a:pPr marL="457200" indent="-303840">
               <a:lnSpc>
                 <a:spcPct val="128000"/>
               </a:lnSpc>
@@ -25324,7 +25298,7 @@
             </a:endParaRPr>
           </a:p>
           <a:p>
-            <a:pPr marL="457200" indent="-304200">
+            <a:pPr marL="457200" indent="-303840">
               <a:lnSpc>
                 <a:spcPct val="128000"/>
               </a:lnSpc>
@@ -25405,7 +25379,7 @@
         <p:spPr>
           <a:xfrm>
             <a:off x="318240" y="156240"/>
-            <a:ext cx="8433000" cy="480240"/>
+            <a:ext cx="8432640" cy="479880"/>
           </a:xfrm>
           <a:prstGeom prst="rect">
             <a:avLst/>
@@ -25462,7 +25436,7 @@
         <p:spPr>
           <a:xfrm>
             <a:off x="364320" y="1061640"/>
-            <a:ext cx="8341200" cy="3022200"/>
+            <a:ext cx="8340840" cy="3022200"/>
           </a:xfrm>
           <a:prstGeom prst="rect">
             <a:avLst/>
@@ -25483,7 +25457,7 @@
             <a:spAutoFit/>
           </a:bodyPr>
           <a:p>
-            <a:pPr marL="457200" indent="-304200">
+            <a:pPr marL="457200" indent="-303840">
               <a:lnSpc>
                 <a:spcPct val="128000"/>
               </a:lnSpc>
@@ -25511,7 +25485,7 @@
             </a:endParaRPr>
           </a:p>
           <a:p>
-            <a:pPr lvl="1" marL="914400" indent="-304200">
+            <a:pPr lvl="1" marL="914400" indent="-303840">
               <a:lnSpc>
                 <a:spcPct val="128000"/>
               </a:lnSpc>
@@ -25539,7 +25513,7 @@
             </a:endParaRPr>
           </a:p>
           <a:p>
-            <a:pPr lvl="1" marL="914400" indent="-304200">
+            <a:pPr lvl="1" marL="914400" indent="-303840">
               <a:lnSpc>
                 <a:spcPct val="128000"/>
               </a:lnSpc>
@@ -25567,7 +25541,7 @@
             </a:endParaRPr>
           </a:p>
           <a:p>
-            <a:pPr lvl="1" marL="914400" indent="-304200">
+            <a:pPr lvl="1" marL="914400" indent="-303840">
               <a:lnSpc>
                 <a:spcPct val="128000"/>
               </a:lnSpc>
@@ -25608,7 +25582,7 @@
             </a:endParaRPr>
           </a:p>
           <a:p>
-            <a:pPr marL="457200" indent="-304200">
+            <a:pPr marL="457200" indent="-303840">
               <a:lnSpc>
                 <a:spcPct val="128000"/>
               </a:lnSpc>
@@ -25639,7 +25613,7 @@
             </a:endParaRPr>
           </a:p>
           <a:p>
-            <a:pPr lvl="1" marL="914400" indent="-304200">
+            <a:pPr lvl="1" marL="914400" indent="-303840">
               <a:lnSpc>
                 <a:spcPct val="128000"/>
               </a:lnSpc>
@@ -25670,7 +25644,7 @@
             </a:endParaRPr>
           </a:p>
           <a:p>
-            <a:pPr lvl="1" marL="914400" indent="-304200">
+            <a:pPr lvl="1" marL="914400" indent="-303840">
               <a:lnSpc>
                 <a:spcPct val="128000"/>
               </a:lnSpc>
@@ -25701,7 +25675,7 @@
             </a:endParaRPr>
           </a:p>
           <a:p>
-            <a:pPr lvl="1" marL="914400" indent="-304200">
+            <a:pPr lvl="1" marL="914400" indent="-303840">
               <a:lnSpc>
                 <a:spcPct val="128000"/>
               </a:lnSpc>
@@ -25732,7 +25706,7 @@
             </a:endParaRPr>
           </a:p>
           <a:p>
-            <a:pPr marL="457200" indent="-304200">
+            <a:pPr marL="457200" indent="-303840">
               <a:lnSpc>
                 <a:spcPct val="128000"/>
               </a:lnSpc>
